--- a/Group Assignment 02 - Group E_Consolidated.pptx
+++ b/Group Assignment 02 - Group E_Consolidated.pptx
@@ -6,16 +6,33 @@
   </p:sldMasterIdLst>
   <p:sldIdLst>
     <p:sldId id="256" r:id="rId5"/>
-    <p:sldId id="257" r:id="rId6"/>
-    <p:sldId id="266" r:id="rId7"/>
-    <p:sldId id="267" r:id="rId8"/>
-    <p:sldId id="269" r:id="rId9"/>
-    <p:sldId id="270" r:id="rId10"/>
-    <p:sldId id="274" r:id="rId11"/>
-    <p:sldId id="258" r:id="rId12"/>
-    <p:sldId id="260" r:id="rId13"/>
-    <p:sldId id="276" r:id="rId14"/>
-    <p:sldId id="264" r:id="rId15"/>
+    <p:sldId id="281" r:id="rId6"/>
+    <p:sldId id="277" r:id="rId7"/>
+    <p:sldId id="278" r:id="rId8"/>
+    <p:sldId id="266" r:id="rId9"/>
+    <p:sldId id="267" r:id="rId10"/>
+    <p:sldId id="269" r:id="rId11"/>
+    <p:sldId id="288" r:id="rId12"/>
+    <p:sldId id="289" r:id="rId13"/>
+    <p:sldId id="290" r:id="rId14"/>
+    <p:sldId id="270" r:id="rId15"/>
+    <p:sldId id="282" r:id="rId16"/>
+    <p:sldId id="292" r:id="rId17"/>
+    <p:sldId id="283" r:id="rId18"/>
+    <p:sldId id="274" r:id="rId19"/>
+    <p:sldId id="258" r:id="rId20"/>
+    <p:sldId id="260" r:id="rId21"/>
+    <p:sldId id="291" r:id="rId22"/>
+    <p:sldId id="276" r:id="rId23"/>
+    <p:sldId id="280" r:id="rId24"/>
+    <p:sldId id="279" r:id="rId25"/>
+    <p:sldId id="286" r:id="rId26"/>
+    <p:sldId id="287" r:id="rId27"/>
+    <p:sldId id="285" r:id="rId28"/>
+    <p:sldId id="261" r:id="rId29"/>
+    <p:sldId id="262" r:id="rId30"/>
+    <p:sldId id="257" r:id="rId31"/>
+    <p:sldId id="264" r:id="rId32"/>
   </p:sldIdLst>
   <p:sldSz cx="12192000" cy="6858000"/>
   <p:notesSz cx="6858000" cy="9144000"/>
@@ -3033,23 +3050,23 @@
           <a:lstStyle/>
           <a:p>
             <a:r>
-              <a:rPr lang="en-US" sz="4000">
+              <a:rPr lang="en-US" sz="4800" dirty="0">
                 <a:latin typeface="Arial Black" panose="020B0A04020102020204" pitchFamily="34" charset="0"/>
               </a:rPr>
-              <a:t>SESSION 08</a:t>
+              <a:t>GROUP ASSIGNMENT 02:</a:t>
             </a:r>
             <a:br>
-              <a:rPr lang="en-US">
+              <a:rPr lang="en-US" sz="4800" dirty="0">
                 <a:latin typeface="Arial Black" panose="020B0A04020102020204" pitchFamily="34" charset="0"/>
               </a:rPr>
             </a:br>
             <a:r>
-              <a:rPr lang="en-US" sz="4800">
+              <a:rPr lang="en-US" sz="4800" dirty="0">
                 <a:latin typeface="Arial Black" panose="020B0A04020102020204" pitchFamily="34" charset="0"/>
               </a:rPr>
-              <a:t>GROUP ASSIGNMENT 02</a:t>
-            </a:r>
-            <a:endParaRPr lang="es-ES">
+              <a:t>WORLD HEALTH</a:t>
+            </a:r>
+            <a:endParaRPr lang="es-ES" dirty="0">
               <a:latin typeface="Arial Black" panose="020B0A04020102020204" pitchFamily="34" charset="0"/>
             </a:endParaRPr>
           </a:p>
@@ -3073,19 +3090,19 @@
         </p:spPr>
         <p:txBody>
           <a:bodyPr>
-            <a:normAutofit fontScale="92500" lnSpcReduction="10000"/>
+            <a:normAutofit/>
           </a:bodyPr>
           <a:lstStyle/>
           <a:p>
             <a:r>
-              <a:rPr lang="en-US" b="1">
+              <a:rPr lang="en-US" b="1" dirty="0">
                 <a:latin typeface="Malgun Gothic Semilight" panose="020B0502040204020203" pitchFamily="34" charset="-128"/>
                 <a:ea typeface="Malgun Gothic Semilight" panose="020B0502040204020203" pitchFamily="34" charset="-128"/>
                 <a:cs typeface="Malgun Gothic Semilight" panose="020B0502040204020203" pitchFamily="34" charset="-128"/>
               </a:rPr>
               <a:t>GROUP E</a:t>
             </a:r>
-            <a:endParaRPr lang="en-US" b="1">
+            <a:endParaRPr lang="en-US" b="1" dirty="0">
               <a:solidFill>
                 <a:srgbClr val="7AA52B"/>
               </a:solidFill>
@@ -3096,7 +3113,7 @@
           </a:p>
           <a:p>
             <a:r>
-              <a:rPr lang="en-US" sz="1700">
+              <a:rPr lang="en-US" sz="1700" dirty="0">
                 <a:solidFill>
                   <a:srgbClr val="7AA52B"/>
                 </a:solidFill>
@@ -3104,12 +3121,12 @@
                 <a:ea typeface="Malgun Gothic Semilight" panose="020B0502040204020203" pitchFamily="34" charset="-128"/>
                 <a:cs typeface="Malgun Gothic Semilight" panose="020B0502040204020203" pitchFamily="34" charset="-128"/>
               </a:rPr>
-              <a:t>FAHAD ALSALEH</a:t>
-            </a:r>
-          </a:p>
-          <a:p>
-            <a:r>
-              <a:rPr lang="en-US" sz="1700">
+              <a:t>FAHAD ALSALEH		MAZEN AL-HABIB		FATIMAH ALALI</a:t>
+            </a:r>
+          </a:p>
+          <a:p>
+            <a:r>
+              <a:rPr lang="en-US" sz="1700" dirty="0">
                 <a:solidFill>
                   <a:srgbClr val="7AA52B"/>
                 </a:solidFill>
@@ -3117,12 +3134,12 @@
                 <a:ea typeface="Malgun Gothic Semilight" panose="020B0502040204020203" pitchFamily="34" charset="-128"/>
                 <a:cs typeface="Malgun Gothic Semilight" panose="020B0502040204020203" pitchFamily="34" charset="-128"/>
               </a:rPr>
-              <a:t>MAZEN AL-HABIB</a:t>
-            </a:r>
-          </a:p>
-          <a:p>
-            <a:r>
-              <a:rPr lang="en-US" sz="1700">
+              <a:t>FAHAD ALFASSAM		AHMED ALMUTAWA	MATTER ALOTAIBI</a:t>
+            </a:r>
+          </a:p>
+          <a:p>
+            <a:r>
+              <a:rPr lang="en-US" sz="1700" dirty="0">
                 <a:solidFill>
                   <a:srgbClr val="7AA52B"/>
                 </a:solidFill>
@@ -3130,74 +3147,9 @@
                 <a:ea typeface="Malgun Gothic Semilight" panose="020B0502040204020203" pitchFamily="34" charset="-128"/>
                 <a:cs typeface="Malgun Gothic Semilight" panose="020B0502040204020203" pitchFamily="34" charset="-128"/>
               </a:rPr>
-              <a:t>FATIMAH ALALI</a:t>
-            </a:r>
-          </a:p>
-          <a:p>
-            <a:r>
-              <a:rPr lang="en-US" sz="1700">
-                <a:solidFill>
-                  <a:srgbClr val="7AA52B"/>
-                </a:solidFill>
-                <a:latin typeface="Malgun Gothic Semilight" panose="020B0502040204020203" pitchFamily="34" charset="-128"/>
-                <a:ea typeface="Malgun Gothic Semilight" panose="020B0502040204020203" pitchFamily="34" charset="-128"/>
-                <a:cs typeface="Malgun Gothic Semilight" panose="020B0502040204020203" pitchFamily="34" charset="-128"/>
-              </a:rPr>
-              <a:t>FAHAD ALFASSAM</a:t>
-            </a:r>
-          </a:p>
-          <a:p>
-            <a:r>
-              <a:rPr lang="en-US" sz="1700">
-                <a:solidFill>
-                  <a:srgbClr val="7AA52B"/>
-                </a:solidFill>
-                <a:latin typeface="Malgun Gothic Semilight" panose="020B0502040204020203" pitchFamily="34" charset="-128"/>
-                <a:ea typeface="Malgun Gothic Semilight" panose="020B0502040204020203" pitchFamily="34" charset="-128"/>
-                <a:cs typeface="Malgun Gothic Semilight" panose="020B0502040204020203" pitchFamily="34" charset="-128"/>
-              </a:rPr>
-              <a:t>AHMED ALMUTAWA</a:t>
-            </a:r>
-          </a:p>
-          <a:p>
-            <a:r>
-              <a:rPr lang="en-US" sz="1700">
-                <a:solidFill>
-                  <a:srgbClr val="7AA52B"/>
-                </a:solidFill>
-                <a:latin typeface="Malgun Gothic Semilight" panose="020B0502040204020203" pitchFamily="34" charset="-128"/>
-                <a:ea typeface="Malgun Gothic Semilight" panose="020B0502040204020203" pitchFamily="34" charset="-128"/>
-                <a:cs typeface="Malgun Gothic Semilight" panose="020B0502040204020203" pitchFamily="34" charset="-128"/>
-              </a:rPr>
-              <a:t>MATTER ALOTAIBI</a:t>
-            </a:r>
-          </a:p>
-          <a:p>
-            <a:r>
-              <a:rPr lang="en-US" sz="1700">
-                <a:solidFill>
-                  <a:srgbClr val="7AA52B"/>
-                </a:solidFill>
-                <a:latin typeface="Malgun Gothic Semilight" panose="020B0502040204020203" pitchFamily="34" charset="-128"/>
-                <a:ea typeface="Malgun Gothic Semilight" panose="020B0502040204020203" pitchFamily="34" charset="-128"/>
-                <a:cs typeface="Malgun Gothic Semilight" panose="020B0502040204020203" pitchFamily="34" charset="-128"/>
-              </a:rPr>
-              <a:t>DURRAH ALZAMIL</a:t>
-            </a:r>
-          </a:p>
-          <a:p>
-            <a:r>
-              <a:rPr lang="en-US" sz="1700">
-                <a:solidFill>
-                  <a:srgbClr val="7AA52B"/>
-                </a:solidFill>
-                <a:latin typeface="Malgun Gothic Semilight" panose="020B0502040204020203" pitchFamily="34" charset="-128"/>
-                <a:ea typeface="Malgun Gothic Semilight" panose="020B0502040204020203" pitchFamily="34" charset="-128"/>
-                <a:cs typeface="Malgun Gothic Semilight" panose="020B0502040204020203" pitchFamily="34" charset="-128"/>
-              </a:rPr>
-              <a:t>OTHMAN OTAIBI</a:t>
-            </a:r>
-            <a:endParaRPr lang="es-ES" sz="1700">
+              <a:t>DURRAH ALZAMIL		OTHMAN OTAIBI</a:t>
+            </a:r>
+            <a:endParaRPr lang="es-ES" sz="1700" dirty="0">
               <a:solidFill>
                 <a:srgbClr val="7AA52B"/>
               </a:solidFill>
@@ -3294,10 +3246,10 @@
       </p:grpSpPr>
       <p:pic>
         <p:nvPicPr>
-          <p:cNvPr id="2" name="slide2" descr="Sheet 1">
+          <p:cNvPr id="5" name="slide5" descr="Estimated road traffic death rate ">
             <a:extLst>
               <a:ext uri="{FF2B5EF4-FFF2-40B4-BE49-F238E27FC236}">
-                <a16:creationId xmlns:a16="http://schemas.microsoft.com/office/drawing/2014/main" id="{5F26BBA7-EF02-4315-88E3-F76DCE750775}"/>
+                <a16:creationId xmlns:a16="http://schemas.microsoft.com/office/drawing/2014/main" id="{AEE2CF51-4A2A-4166-B94D-A1607A53385A}"/>
               </a:ext>
             </a:extLst>
           </p:cNvPr>
@@ -3320,8 +3272,616 @@
         </p:blipFill>
         <p:spPr>
           <a:xfrm>
-            <a:off x="1200150" y="157162"/>
-            <a:ext cx="9867900" cy="5719763"/>
+            <a:off x="168116" y="0"/>
+            <a:ext cx="11855767" cy="6858000"/>
+          </a:xfrm>
+          <a:prstGeom prst="rect">
+            <a:avLst/>
+          </a:prstGeom>
+        </p:spPr>
+      </p:pic>
+    </p:spTree>
+    <p:extLst>
+      <p:ext uri="{BB962C8B-B14F-4D97-AF65-F5344CB8AC3E}">
+        <p14:creationId xmlns:p14="http://schemas.microsoft.com/office/powerpoint/2010/main" val="4066990134"/>
+      </p:ext>
+    </p:extLst>
+  </p:cSld>
+  <p:clrMapOvr>
+    <a:masterClrMapping/>
+  </p:clrMapOvr>
+</p:sld>
+</file>
+
+<file path=ppt/slides/slide11.xml><?xml version="1.0" encoding="utf-8"?>
+<p:sld xmlns:a="http://schemas.openxmlformats.org/drawingml/2006/main" xmlns:r="http://schemas.openxmlformats.org/officeDocument/2006/relationships" xmlns:p="http://schemas.openxmlformats.org/presentationml/2006/main">
+  <p:cSld>
+    <p:spTree>
+      <p:nvGrpSpPr>
+        <p:cNvPr id="1" name=""/>
+        <p:cNvGrpSpPr/>
+        <p:nvPr/>
+      </p:nvGrpSpPr>
+      <p:grpSpPr>
+        <a:xfrm>
+          <a:off x="0" y="0"/>
+          <a:ext cx="0" cy="0"/>
+          <a:chOff x="0" y="0"/>
+          <a:chExt cx="0" cy="0"/>
+        </a:xfrm>
+      </p:grpSpPr>
+      <p:pic>
+        <p:nvPicPr>
+          <p:cNvPr id="2" name="Picture 1">
+            <a:extLst>
+              <a:ext uri="{FF2B5EF4-FFF2-40B4-BE49-F238E27FC236}">
+                <a16:creationId xmlns:a16="http://schemas.microsoft.com/office/drawing/2014/main" id="{B9A6EAB7-5F3E-4190-9437-36EF9981CE5A}"/>
+              </a:ext>
+            </a:extLst>
+          </p:cNvPr>
+          <p:cNvPicPr>
+            <a:picLocks noChangeAspect="1"/>
+          </p:cNvPicPr>
+          <p:nvPr/>
+        </p:nvPicPr>
+        <p:blipFill>
+          <a:blip r:embed="rId2"/>
+          <a:stretch>
+            <a:fillRect/>
+          </a:stretch>
+        </p:blipFill>
+        <p:spPr>
+          <a:xfrm>
+            <a:off x="381000" y="0"/>
+            <a:ext cx="11430000" cy="6858000"/>
+          </a:xfrm>
+          <a:prstGeom prst="rect">
+            <a:avLst/>
+          </a:prstGeom>
+        </p:spPr>
+      </p:pic>
+    </p:spTree>
+    <p:extLst>
+      <p:ext uri="{BB962C8B-B14F-4D97-AF65-F5344CB8AC3E}">
+        <p14:creationId xmlns:p14="http://schemas.microsoft.com/office/powerpoint/2010/main" val="1176847218"/>
+      </p:ext>
+    </p:extLst>
+  </p:cSld>
+  <p:clrMapOvr>
+    <a:masterClrMapping/>
+  </p:clrMapOvr>
+</p:sld>
+</file>
+
+<file path=ppt/slides/slide12.xml><?xml version="1.0" encoding="utf-8"?>
+<p:sld xmlns:a="http://schemas.openxmlformats.org/drawingml/2006/main" xmlns:r="http://schemas.openxmlformats.org/officeDocument/2006/relationships" xmlns:p="http://schemas.openxmlformats.org/presentationml/2006/main">
+  <p:cSld>
+    <p:spTree>
+      <p:nvGrpSpPr>
+        <p:cNvPr id="1" name=""/>
+        <p:cNvGrpSpPr/>
+        <p:nvPr/>
+      </p:nvGrpSpPr>
+      <p:grpSpPr>
+        <a:xfrm>
+          <a:off x="0" y="0"/>
+          <a:ext cx="0" cy="0"/>
+          <a:chOff x="0" y="0"/>
+          <a:chExt cx="0" cy="0"/>
+        </a:xfrm>
+      </p:grpSpPr>
+      <p:pic>
+        <p:nvPicPr>
+          <p:cNvPr id="2" name="slide2" descr="Sheet 1">
+            <a:extLst>
+              <a:ext uri="{FF2B5EF4-FFF2-40B4-BE49-F238E27FC236}">
+                <a16:creationId xmlns:a16="http://schemas.microsoft.com/office/drawing/2014/main" id="{66FA1F59-4904-4037-95BD-5199394E079F}"/>
+              </a:ext>
+            </a:extLst>
+          </p:cNvPr>
+          <p:cNvPicPr>
+            <a:picLocks noChangeAspect="1"/>
+          </p:cNvPicPr>
+          <p:nvPr/>
+        </p:nvPicPr>
+        <p:blipFill>
+          <a:blip r:embed="rId2">
+            <a:extLst>
+              <a:ext uri="{28A0092B-C50C-407E-A947-70E740481C1C}">
+                <a14:useLocalDpi xmlns:a14="http://schemas.microsoft.com/office/drawing/2010/main" val="0"/>
+              </a:ext>
+            </a:extLst>
+          </a:blip>
+          <a:stretch>
+            <a:fillRect/>
+          </a:stretch>
+        </p:blipFill>
+        <p:spPr>
+          <a:xfrm>
+            <a:off x="243257" y="0"/>
+            <a:ext cx="11705486" cy="6858000"/>
+          </a:xfrm>
+          <a:prstGeom prst="rect">
+            <a:avLst/>
+          </a:prstGeom>
+        </p:spPr>
+      </p:pic>
+    </p:spTree>
+    <p:extLst>
+      <p:ext uri="{BB962C8B-B14F-4D97-AF65-F5344CB8AC3E}">
+        <p14:creationId xmlns:p14="http://schemas.microsoft.com/office/powerpoint/2010/main" val="2728772144"/>
+      </p:ext>
+    </p:extLst>
+  </p:cSld>
+  <p:clrMapOvr>
+    <a:masterClrMapping/>
+  </p:clrMapOvr>
+</p:sld>
+</file>
+
+<file path=ppt/slides/slide13.xml><?xml version="1.0" encoding="utf-8"?>
+<p:sld xmlns:a="http://schemas.openxmlformats.org/drawingml/2006/main" xmlns:r="http://schemas.openxmlformats.org/officeDocument/2006/relationships" xmlns:p="http://schemas.openxmlformats.org/presentationml/2006/main">
+  <p:cSld>
+    <p:spTree>
+      <p:nvGrpSpPr>
+        <p:cNvPr id="1" name=""/>
+        <p:cNvGrpSpPr/>
+        <p:nvPr/>
+      </p:nvGrpSpPr>
+      <p:grpSpPr>
+        <a:xfrm>
+          <a:off x="0" y="0"/>
+          <a:ext cx="0" cy="0"/>
+          <a:chOff x="0" y="0"/>
+          <a:chExt cx="0" cy="0"/>
+        </a:xfrm>
+      </p:grpSpPr>
+      <p:sp>
+        <p:nvSpPr>
+          <p:cNvPr id="2" name="Title 1">
+            <a:extLst>
+              <a:ext uri="{FF2B5EF4-FFF2-40B4-BE49-F238E27FC236}">
+                <a16:creationId xmlns:a16="http://schemas.microsoft.com/office/drawing/2014/main" id="{0250D1CE-45B9-4943-A6D8-73321CDD5416}"/>
+              </a:ext>
+            </a:extLst>
+          </p:cNvPr>
+          <p:cNvSpPr>
+            <a:spLocks noGrp="1"/>
+          </p:cNvSpPr>
+          <p:nvPr>
+            <p:ph type="title"/>
+          </p:nvPr>
+        </p:nvSpPr>
+        <p:spPr/>
+        <p:txBody>
+          <a:bodyPr/>
+          <a:lstStyle/>
+          <a:p>
+            <a:r>
+              <a:rPr lang="en-US" dirty="0"/>
+              <a:t>Global Overview</a:t>
+            </a:r>
+          </a:p>
+        </p:txBody>
+      </p:sp>
+      <p:sp>
+        <p:nvSpPr>
+          <p:cNvPr id="3" name="Text Placeholder 2">
+            <a:extLst>
+              <a:ext uri="{FF2B5EF4-FFF2-40B4-BE49-F238E27FC236}">
+                <a16:creationId xmlns:a16="http://schemas.microsoft.com/office/drawing/2014/main" id="{3B5E0657-649F-4545-B944-A9FDC2438FB6}"/>
+              </a:ext>
+            </a:extLst>
+          </p:cNvPr>
+          <p:cNvSpPr>
+            <a:spLocks noGrp="1"/>
+          </p:cNvSpPr>
+          <p:nvPr>
+            <p:ph type="body" idx="1"/>
+          </p:nvPr>
+        </p:nvSpPr>
+        <p:spPr/>
+        <p:txBody>
+          <a:bodyPr/>
+          <a:lstStyle/>
+          <a:p>
+            <a:endParaRPr lang="en-US"/>
+          </a:p>
+        </p:txBody>
+      </p:sp>
+    </p:spTree>
+    <p:extLst>
+      <p:ext uri="{BB962C8B-B14F-4D97-AF65-F5344CB8AC3E}">
+        <p14:creationId xmlns:p14="http://schemas.microsoft.com/office/powerpoint/2010/main" val="1101572309"/>
+      </p:ext>
+    </p:extLst>
+  </p:cSld>
+  <p:clrMapOvr>
+    <a:masterClrMapping/>
+  </p:clrMapOvr>
+</p:sld>
+</file>
+
+<file path=ppt/slides/slide14.xml><?xml version="1.0" encoding="utf-8"?>
+<p:sld xmlns:a="http://schemas.openxmlformats.org/drawingml/2006/main" xmlns:r="http://schemas.openxmlformats.org/officeDocument/2006/relationships" xmlns:p="http://schemas.openxmlformats.org/presentationml/2006/main">
+  <p:cSld>
+    <p:spTree>
+      <p:nvGrpSpPr>
+        <p:cNvPr id="1" name=""/>
+        <p:cNvGrpSpPr/>
+        <p:nvPr/>
+      </p:nvGrpSpPr>
+      <p:grpSpPr>
+        <a:xfrm>
+          <a:off x="0" y="0"/>
+          <a:ext cx="0" cy="0"/>
+          <a:chOff x="0" y="0"/>
+          <a:chExt cx="0" cy="0"/>
+        </a:xfrm>
+      </p:grpSpPr>
+      <p:pic>
+        <p:nvPicPr>
+          <p:cNvPr id="2" name="slide2" descr="Sheet 1">
+            <a:extLst>
+              <a:ext uri="{FF2B5EF4-FFF2-40B4-BE49-F238E27FC236}">
+                <a16:creationId xmlns:a16="http://schemas.microsoft.com/office/drawing/2014/main" id="{DC1F3E35-6712-4F3A-B93A-07D206B46651}"/>
+              </a:ext>
+            </a:extLst>
+          </p:cNvPr>
+          <p:cNvPicPr>
+            <a:picLocks noChangeAspect="1"/>
+          </p:cNvPicPr>
+          <p:nvPr/>
+        </p:nvPicPr>
+        <p:blipFill>
+          <a:blip r:embed="rId2">
+            <a:extLst>
+              <a:ext uri="{28A0092B-C50C-407E-A947-70E740481C1C}">
+                <a14:useLocalDpi xmlns:a14="http://schemas.microsoft.com/office/drawing/2010/main" val="0"/>
+              </a:ext>
+            </a:extLst>
+          </a:blip>
+          <a:stretch>
+            <a:fillRect/>
+          </a:stretch>
+        </p:blipFill>
+        <p:spPr>
+          <a:xfrm>
+            <a:off x="3128962" y="652462"/>
+            <a:ext cx="5934075" cy="5553075"/>
+          </a:xfrm>
+          <a:prstGeom prst="rect">
+            <a:avLst/>
+          </a:prstGeom>
+        </p:spPr>
+      </p:pic>
+    </p:spTree>
+    <p:extLst>
+      <p:ext uri="{BB962C8B-B14F-4D97-AF65-F5344CB8AC3E}">
+        <p14:creationId xmlns:p14="http://schemas.microsoft.com/office/powerpoint/2010/main" val="3135730606"/>
+      </p:ext>
+    </p:extLst>
+  </p:cSld>
+  <p:clrMapOvr>
+    <a:masterClrMapping/>
+  </p:clrMapOvr>
+</p:sld>
+</file>
+
+<file path=ppt/slides/slide15.xml><?xml version="1.0" encoding="utf-8"?>
+<p:sld xmlns:a="http://schemas.openxmlformats.org/drawingml/2006/main" xmlns:r="http://schemas.openxmlformats.org/officeDocument/2006/relationships" xmlns:p="http://schemas.openxmlformats.org/presentationml/2006/main">
+  <p:cSld>
+    <p:spTree>
+      <p:nvGrpSpPr>
+        <p:cNvPr id="1" name=""/>
+        <p:cNvGrpSpPr/>
+        <p:nvPr/>
+      </p:nvGrpSpPr>
+      <p:grpSpPr>
+        <a:xfrm>
+          <a:off x="0" y="0"/>
+          <a:ext cx="0" cy="0"/>
+          <a:chOff x="0" y="0"/>
+          <a:chExt cx="0" cy="0"/>
+        </a:xfrm>
+      </p:grpSpPr>
+      <p:pic>
+        <p:nvPicPr>
+          <p:cNvPr id="3" name="slide2" descr="Sheet 3 (3)">
+            <a:extLst>
+              <a:ext uri="{FF2B5EF4-FFF2-40B4-BE49-F238E27FC236}">
+                <a16:creationId xmlns:a16="http://schemas.microsoft.com/office/drawing/2014/main" id="{B8F28497-3430-47D0-B512-15E9519C5497}"/>
+              </a:ext>
+            </a:extLst>
+          </p:cNvPr>
+          <p:cNvPicPr>
+            <a:picLocks noChangeAspect="1"/>
+          </p:cNvPicPr>
+          <p:nvPr/>
+        </p:nvPicPr>
+        <p:blipFill rotWithShape="1">
+          <a:blip r:embed="rId2">
+            <a:extLst>
+              <a:ext uri="{28A0092B-C50C-407E-A947-70E740481C1C}">
+                <a14:useLocalDpi xmlns:a14="http://schemas.microsoft.com/office/drawing/2010/main" val="0"/>
+              </a:ext>
+            </a:extLst>
+          </a:blip>
+          <a:srcRect b="11193"/>
+          <a:stretch/>
+        </p:blipFill>
+        <p:spPr>
+          <a:xfrm>
+            <a:off x="5097984" y="318781"/>
+            <a:ext cx="6727421" cy="6090407"/>
+          </a:xfrm>
+          <a:prstGeom prst="rect">
+            <a:avLst/>
+          </a:prstGeom>
+        </p:spPr>
+      </p:pic>
+    </p:spTree>
+    <p:extLst>
+      <p:ext uri="{BB962C8B-B14F-4D97-AF65-F5344CB8AC3E}">
+        <p14:creationId xmlns:p14="http://schemas.microsoft.com/office/powerpoint/2010/main" val="465307269"/>
+      </p:ext>
+    </p:extLst>
+  </p:cSld>
+  <p:clrMapOvr>
+    <a:masterClrMapping/>
+  </p:clrMapOvr>
+</p:sld>
+</file>
+
+<file path=ppt/slides/slide16.xml><?xml version="1.0" encoding="utf-8"?>
+<p:sld xmlns:a="http://schemas.openxmlformats.org/drawingml/2006/main" xmlns:r="http://schemas.openxmlformats.org/officeDocument/2006/relationships" xmlns:p="http://schemas.openxmlformats.org/presentationml/2006/main">
+  <p:cSld>
+    <p:spTree>
+      <p:nvGrpSpPr>
+        <p:cNvPr id="1" name=""/>
+        <p:cNvGrpSpPr/>
+        <p:nvPr/>
+      </p:nvGrpSpPr>
+      <p:grpSpPr>
+        <a:xfrm>
+          <a:off x="0" y="0"/>
+          <a:ext cx="0" cy="0"/>
+          <a:chOff x="0" y="0"/>
+          <a:chExt cx="0" cy="0"/>
+        </a:xfrm>
+      </p:grpSpPr>
+      <p:pic>
+        <p:nvPicPr>
+          <p:cNvPr id="5" name="Picture 4">
+            <a:extLst>
+              <a:ext uri="{FF2B5EF4-FFF2-40B4-BE49-F238E27FC236}">
+                <a16:creationId xmlns:a16="http://schemas.microsoft.com/office/drawing/2014/main" id="{CCB71C23-8755-4D9D-B182-CFDB4EB2509E}"/>
+              </a:ext>
+            </a:extLst>
+          </p:cNvPr>
+          <p:cNvPicPr>
+            <a:picLocks noChangeAspect="1"/>
+          </p:cNvPicPr>
+          <p:nvPr/>
+        </p:nvPicPr>
+        <p:blipFill>
+          <a:blip r:embed="rId2"/>
+          <a:stretch>
+            <a:fillRect/>
+          </a:stretch>
+        </p:blipFill>
+        <p:spPr>
+          <a:xfrm>
+            <a:off x="1928231" y="75732"/>
+            <a:ext cx="8335538" cy="6706536"/>
+          </a:xfrm>
+          <a:prstGeom prst="rect">
+            <a:avLst/>
+          </a:prstGeom>
+        </p:spPr>
+      </p:pic>
+    </p:spTree>
+    <p:extLst>
+      <p:ext uri="{BB962C8B-B14F-4D97-AF65-F5344CB8AC3E}">
+        <p14:creationId xmlns:p14="http://schemas.microsoft.com/office/powerpoint/2010/main" val="2037216937"/>
+      </p:ext>
+    </p:extLst>
+  </p:cSld>
+  <p:clrMapOvr>
+    <a:masterClrMapping/>
+  </p:clrMapOvr>
+</p:sld>
+</file>
+
+<file path=ppt/slides/slide17.xml><?xml version="1.0" encoding="utf-8"?>
+<p:sld xmlns:a="http://schemas.openxmlformats.org/drawingml/2006/main" xmlns:r="http://schemas.openxmlformats.org/officeDocument/2006/relationships" xmlns:p="http://schemas.openxmlformats.org/presentationml/2006/main">
+  <p:cSld>
+    <p:spTree>
+      <p:nvGrpSpPr>
+        <p:cNvPr id="1" name=""/>
+        <p:cNvGrpSpPr/>
+        <p:nvPr/>
+      </p:nvGrpSpPr>
+      <p:grpSpPr>
+        <a:xfrm>
+          <a:off x="0" y="0"/>
+          <a:ext cx="0" cy="0"/>
+          <a:chOff x="0" y="0"/>
+          <a:chExt cx="0" cy="0"/>
+        </a:xfrm>
+      </p:grpSpPr>
+      <p:pic>
+        <p:nvPicPr>
+          <p:cNvPr id="5" name="Picture 4">
+            <a:extLst>
+              <a:ext uri="{FF2B5EF4-FFF2-40B4-BE49-F238E27FC236}">
+                <a16:creationId xmlns:a16="http://schemas.microsoft.com/office/drawing/2014/main" id="{7A03083A-EF18-44DC-8775-3CE3B1DC1114}"/>
+              </a:ext>
+            </a:extLst>
+          </p:cNvPr>
+          <p:cNvPicPr>
+            <a:picLocks noChangeAspect="1"/>
+          </p:cNvPicPr>
+          <p:nvPr/>
+        </p:nvPicPr>
+        <p:blipFill>
+          <a:blip r:embed="rId2"/>
+          <a:stretch>
+            <a:fillRect/>
+          </a:stretch>
+        </p:blipFill>
+        <p:spPr>
+          <a:xfrm>
+            <a:off x="0" y="1230443"/>
+            <a:ext cx="12192000" cy="4397114"/>
+          </a:xfrm>
+          <a:prstGeom prst="rect">
+            <a:avLst/>
+          </a:prstGeom>
+        </p:spPr>
+      </p:pic>
+    </p:spTree>
+    <p:extLst>
+      <p:ext uri="{BB962C8B-B14F-4D97-AF65-F5344CB8AC3E}">
+        <p14:creationId xmlns:p14="http://schemas.microsoft.com/office/powerpoint/2010/main" val="2228103031"/>
+      </p:ext>
+    </p:extLst>
+  </p:cSld>
+  <p:clrMapOvr>
+    <a:masterClrMapping/>
+  </p:clrMapOvr>
+</p:sld>
+</file>
+
+<file path=ppt/slides/slide18.xml><?xml version="1.0" encoding="utf-8"?>
+<p:sld xmlns:a="http://schemas.openxmlformats.org/drawingml/2006/main" xmlns:r="http://schemas.openxmlformats.org/officeDocument/2006/relationships" xmlns:p="http://schemas.openxmlformats.org/presentationml/2006/main">
+  <p:cSld>
+    <p:spTree>
+      <p:nvGrpSpPr>
+        <p:cNvPr id="1" name=""/>
+        <p:cNvGrpSpPr/>
+        <p:nvPr/>
+      </p:nvGrpSpPr>
+      <p:grpSpPr>
+        <a:xfrm>
+          <a:off x="0" y="0"/>
+          <a:ext cx="0" cy="0"/>
+          <a:chOff x="0" y="0"/>
+          <a:chExt cx="0" cy="0"/>
+        </a:xfrm>
+      </p:grpSpPr>
+      <p:sp>
+        <p:nvSpPr>
+          <p:cNvPr id="2" name="Title 1">
+            <a:extLst>
+              <a:ext uri="{FF2B5EF4-FFF2-40B4-BE49-F238E27FC236}">
+                <a16:creationId xmlns:a16="http://schemas.microsoft.com/office/drawing/2014/main" id="{6EA7D35E-AC64-462C-BF47-CEA7457DDE23}"/>
+              </a:ext>
+            </a:extLst>
+          </p:cNvPr>
+          <p:cNvSpPr>
+            <a:spLocks noGrp="1"/>
+          </p:cNvSpPr>
+          <p:nvPr>
+            <p:ph type="title"/>
+          </p:nvPr>
+        </p:nvSpPr>
+        <p:spPr/>
+        <p:txBody>
+          <a:bodyPr/>
+          <a:lstStyle/>
+          <a:p>
+            <a:r>
+              <a:rPr lang="en-US" dirty="0"/>
+              <a:t>A Closer Look</a:t>
+            </a:r>
+          </a:p>
+        </p:txBody>
+      </p:sp>
+      <p:sp>
+        <p:nvSpPr>
+          <p:cNvPr id="3" name="Text Placeholder 2">
+            <a:extLst>
+              <a:ext uri="{FF2B5EF4-FFF2-40B4-BE49-F238E27FC236}">
+                <a16:creationId xmlns:a16="http://schemas.microsoft.com/office/drawing/2014/main" id="{1A067ED6-CDF2-4153-B052-E7CA1B232AA6}"/>
+              </a:ext>
+            </a:extLst>
+          </p:cNvPr>
+          <p:cNvSpPr>
+            <a:spLocks noGrp="1"/>
+          </p:cNvSpPr>
+          <p:nvPr>
+            <p:ph type="body" idx="1"/>
+          </p:nvPr>
+        </p:nvSpPr>
+        <p:spPr/>
+        <p:txBody>
+          <a:bodyPr/>
+          <a:lstStyle/>
+          <a:p>
+            <a:endParaRPr lang="en-US" dirty="0"/>
+          </a:p>
+        </p:txBody>
+      </p:sp>
+    </p:spTree>
+    <p:extLst>
+      <p:ext uri="{BB962C8B-B14F-4D97-AF65-F5344CB8AC3E}">
+        <p14:creationId xmlns:p14="http://schemas.microsoft.com/office/powerpoint/2010/main" val="3865195482"/>
+      </p:ext>
+    </p:extLst>
+  </p:cSld>
+  <p:clrMapOvr>
+    <a:masterClrMapping/>
+  </p:clrMapOvr>
+</p:sld>
+</file>
+
+<file path=ppt/slides/slide19.xml><?xml version="1.0" encoding="utf-8"?>
+<p:sld xmlns:a="http://schemas.openxmlformats.org/drawingml/2006/main" xmlns:r="http://schemas.openxmlformats.org/officeDocument/2006/relationships" xmlns:p="http://schemas.openxmlformats.org/presentationml/2006/main">
+  <p:cSld>
+    <p:spTree>
+      <p:nvGrpSpPr>
+        <p:cNvPr id="1" name=""/>
+        <p:cNvGrpSpPr/>
+        <p:nvPr/>
+      </p:nvGrpSpPr>
+      <p:grpSpPr>
+        <a:xfrm>
+          <a:off x="0" y="0"/>
+          <a:ext cx="0" cy="0"/>
+          <a:chOff x="0" y="0"/>
+          <a:chExt cx="0" cy="0"/>
+        </a:xfrm>
+      </p:grpSpPr>
+      <p:pic>
+        <p:nvPicPr>
+          <p:cNvPr id="2" name="slide2" descr="Sheet 1">
+            <a:extLst>
+              <a:ext uri="{FF2B5EF4-FFF2-40B4-BE49-F238E27FC236}">
+                <a16:creationId xmlns:a16="http://schemas.microsoft.com/office/drawing/2014/main" id="{5F26BBA7-EF02-4315-88E3-F76DCE750775}"/>
+              </a:ext>
+            </a:extLst>
+          </p:cNvPr>
+          <p:cNvPicPr>
+            <a:picLocks noChangeAspect="1"/>
+          </p:cNvPicPr>
+          <p:nvPr/>
+        </p:nvPicPr>
+        <p:blipFill rotWithShape="1">
+          <a:blip r:embed="rId2">
+            <a:extLst>
+              <a:ext uri="{28A0092B-C50C-407E-A947-70E740481C1C}">
+                <a14:useLocalDpi xmlns:a14="http://schemas.microsoft.com/office/drawing/2010/main" val="0"/>
+              </a:ext>
+            </a:extLst>
+          </a:blip>
+          <a:srcRect b="9761"/>
+          <a:stretch/>
+        </p:blipFill>
+        <p:spPr>
+          <a:xfrm>
+            <a:off x="1988715" y="1264510"/>
+            <a:ext cx="9867900" cy="5161458"/>
           </a:xfrm>
           <a:prstGeom prst="rect">
             <a:avLst/>
@@ -3341,7 +3901,919 @@
 </p:sld>
 </file>
 
-<file path=ppt/slides/slide11.xml><?xml version="1.0" encoding="utf-8"?>
+<file path=ppt/slides/slide2.xml><?xml version="1.0" encoding="utf-8"?>
+<p:sld xmlns:a="http://schemas.openxmlformats.org/drawingml/2006/main" xmlns:r="http://schemas.openxmlformats.org/officeDocument/2006/relationships" xmlns:p="http://schemas.openxmlformats.org/presentationml/2006/main">
+  <p:cSld>
+    <p:spTree>
+      <p:nvGrpSpPr>
+        <p:cNvPr id="1" name=""/>
+        <p:cNvGrpSpPr/>
+        <p:nvPr/>
+      </p:nvGrpSpPr>
+      <p:grpSpPr>
+        <a:xfrm>
+          <a:off x="0" y="0"/>
+          <a:ext cx="0" cy="0"/>
+          <a:chOff x="0" y="0"/>
+          <a:chExt cx="0" cy="0"/>
+        </a:xfrm>
+      </p:grpSpPr>
+      <p:sp>
+        <p:nvSpPr>
+          <p:cNvPr id="2" name="Title 1">
+            <a:extLst>
+              <a:ext uri="{FF2B5EF4-FFF2-40B4-BE49-F238E27FC236}">
+                <a16:creationId xmlns:a16="http://schemas.microsoft.com/office/drawing/2014/main" id="{FF9B47DC-FEA9-40CD-90A8-E1A50DAC093E}"/>
+              </a:ext>
+            </a:extLst>
+          </p:cNvPr>
+          <p:cNvSpPr>
+            <a:spLocks noGrp="1"/>
+          </p:cNvSpPr>
+          <p:nvPr>
+            <p:ph type="title"/>
+          </p:nvPr>
+        </p:nvSpPr>
+        <p:spPr/>
+        <p:txBody>
+          <a:bodyPr/>
+          <a:lstStyle/>
+          <a:p>
+            <a:r>
+              <a:rPr lang="en-US" dirty="0"/>
+              <a:t>Data Set at a Glance</a:t>
+            </a:r>
+          </a:p>
+        </p:txBody>
+      </p:sp>
+      <p:sp>
+        <p:nvSpPr>
+          <p:cNvPr id="3" name="Content Placeholder 2">
+            <a:extLst>
+              <a:ext uri="{FF2B5EF4-FFF2-40B4-BE49-F238E27FC236}">
+                <a16:creationId xmlns:a16="http://schemas.microsoft.com/office/drawing/2014/main" id="{5A8038C9-E49B-4ABC-805A-AEE7206F2949}"/>
+              </a:ext>
+            </a:extLst>
+          </p:cNvPr>
+          <p:cNvSpPr>
+            <a:spLocks noGrp="1"/>
+          </p:cNvSpPr>
+          <p:nvPr>
+            <p:ph idx="1"/>
+          </p:nvPr>
+        </p:nvSpPr>
+        <p:spPr/>
+        <p:txBody>
+          <a:bodyPr/>
+          <a:lstStyle/>
+          <a:p>
+            <a:r>
+              <a:rPr lang="en-US" dirty="0"/>
+              <a:t>Lists countries and indicators of their safety, health, pollution, etc.</a:t>
+            </a:r>
+          </a:p>
+          <a:p>
+            <a:r>
+              <a:rPr lang="en-US" dirty="0"/>
+              <a:t>Data recorded at different points in time, non-uniform across indicators.</a:t>
+            </a:r>
+          </a:p>
+          <a:p>
+            <a:endParaRPr lang="en-US" dirty="0"/>
+          </a:p>
+        </p:txBody>
+      </p:sp>
+    </p:spTree>
+    <p:extLst>
+      <p:ext uri="{BB962C8B-B14F-4D97-AF65-F5344CB8AC3E}">
+        <p14:creationId xmlns:p14="http://schemas.microsoft.com/office/powerpoint/2010/main" val="1634390566"/>
+      </p:ext>
+    </p:extLst>
+  </p:cSld>
+  <p:clrMapOvr>
+    <a:masterClrMapping/>
+  </p:clrMapOvr>
+</p:sld>
+</file>
+
+<file path=ppt/slides/slide20.xml><?xml version="1.0" encoding="utf-8"?>
+<p:sld xmlns:a="http://schemas.openxmlformats.org/drawingml/2006/main" xmlns:r="http://schemas.openxmlformats.org/officeDocument/2006/relationships" xmlns:p="http://schemas.openxmlformats.org/presentationml/2006/main">
+  <p:cSld>
+    <p:spTree>
+      <p:nvGrpSpPr>
+        <p:cNvPr id="1" name=""/>
+        <p:cNvGrpSpPr/>
+        <p:nvPr/>
+      </p:nvGrpSpPr>
+      <p:grpSpPr>
+        <a:xfrm>
+          <a:off x="0" y="0"/>
+          <a:ext cx="0" cy="0"/>
+          <a:chOff x="0" y="0"/>
+          <a:chExt cx="0" cy="0"/>
+        </a:xfrm>
+      </p:grpSpPr>
+      <p:sp>
+        <p:nvSpPr>
+          <p:cNvPr id="2" name="Title 1">
+            <a:extLst>
+              <a:ext uri="{FF2B5EF4-FFF2-40B4-BE49-F238E27FC236}">
+                <a16:creationId xmlns:a16="http://schemas.microsoft.com/office/drawing/2014/main" id="{F0947161-3A2E-45B1-BAFC-26388616E337}"/>
+              </a:ext>
+            </a:extLst>
+          </p:cNvPr>
+          <p:cNvSpPr>
+            <a:spLocks noGrp="1"/>
+          </p:cNvSpPr>
+          <p:nvPr>
+            <p:ph type="title"/>
+          </p:nvPr>
+        </p:nvSpPr>
+        <p:spPr/>
+        <p:txBody>
+          <a:bodyPr/>
+          <a:lstStyle/>
+          <a:p>
+            <a:endParaRPr lang="en-US"/>
+          </a:p>
+        </p:txBody>
+      </p:sp>
+      <p:sp>
+        <p:nvSpPr>
+          <p:cNvPr id="3" name="Content Placeholder 2">
+            <a:extLst>
+              <a:ext uri="{FF2B5EF4-FFF2-40B4-BE49-F238E27FC236}">
+                <a16:creationId xmlns:a16="http://schemas.microsoft.com/office/drawing/2014/main" id="{EDA04A15-2E7F-464A-B531-503D9D9E18EB}"/>
+              </a:ext>
+            </a:extLst>
+          </p:cNvPr>
+          <p:cNvSpPr>
+            <a:spLocks noGrp="1"/>
+          </p:cNvSpPr>
+          <p:nvPr>
+            <p:ph idx="1"/>
+          </p:nvPr>
+        </p:nvSpPr>
+        <p:spPr/>
+        <p:txBody>
+          <a:bodyPr/>
+          <a:lstStyle/>
+          <a:p>
+            <a:endParaRPr lang="en-US"/>
+          </a:p>
+        </p:txBody>
+      </p:sp>
+      <p:pic>
+        <p:nvPicPr>
+          <p:cNvPr id="4" name="slide2">
+            <a:extLst>
+              <a:ext uri="{FF2B5EF4-FFF2-40B4-BE49-F238E27FC236}">
+                <a16:creationId xmlns:a16="http://schemas.microsoft.com/office/drawing/2014/main" id="{3DB9C145-DCB6-451A-BFA7-120A69AA0E9B}"/>
+              </a:ext>
+            </a:extLst>
+          </p:cNvPr>
+          <p:cNvPicPr>
+            <a:picLocks noChangeAspect="1"/>
+          </p:cNvPicPr>
+          <p:nvPr/>
+        </p:nvPicPr>
+        <p:blipFill rotWithShape="1">
+          <a:blip r:embed="rId2">
+            <a:extLst>
+              <a:ext uri="{28A0092B-C50C-407E-A947-70E740481C1C}">
+                <a14:useLocalDpi xmlns:a14="http://schemas.microsoft.com/office/drawing/2010/main" val="0"/>
+              </a:ext>
+            </a:extLst>
+          </a:blip>
+          <a:srcRect b="8502"/>
+          <a:stretch/>
+        </p:blipFill>
+        <p:spPr>
+          <a:xfrm>
+            <a:off x="321902" y="291517"/>
+            <a:ext cx="11548195" cy="6274965"/>
+          </a:xfrm>
+          <a:prstGeom prst="rect">
+            <a:avLst/>
+          </a:prstGeom>
+        </p:spPr>
+      </p:pic>
+    </p:spTree>
+    <p:extLst>
+      <p:ext uri="{BB962C8B-B14F-4D97-AF65-F5344CB8AC3E}">
+        <p14:creationId xmlns:p14="http://schemas.microsoft.com/office/powerpoint/2010/main" val="1333333437"/>
+      </p:ext>
+    </p:extLst>
+  </p:cSld>
+  <p:clrMapOvr>
+    <a:masterClrMapping/>
+  </p:clrMapOvr>
+</p:sld>
+</file>
+
+<file path=ppt/slides/slide21.xml><?xml version="1.0" encoding="utf-8"?>
+<p:sld xmlns:a="http://schemas.openxmlformats.org/drawingml/2006/main" xmlns:r="http://schemas.openxmlformats.org/officeDocument/2006/relationships" xmlns:p="http://schemas.openxmlformats.org/presentationml/2006/main">
+  <p:cSld>
+    <p:spTree>
+      <p:nvGrpSpPr>
+        <p:cNvPr id="1" name=""/>
+        <p:cNvGrpSpPr/>
+        <p:nvPr/>
+      </p:nvGrpSpPr>
+      <p:grpSpPr>
+        <a:xfrm>
+          <a:off x="0" y="0"/>
+          <a:ext cx="0" cy="0"/>
+          <a:chOff x="0" y="0"/>
+          <a:chExt cx="0" cy="0"/>
+        </a:xfrm>
+      </p:grpSpPr>
+      <p:sp>
+        <p:nvSpPr>
+          <p:cNvPr id="2" name="Title 1">
+            <a:extLst>
+              <a:ext uri="{FF2B5EF4-FFF2-40B4-BE49-F238E27FC236}">
+                <a16:creationId xmlns:a16="http://schemas.microsoft.com/office/drawing/2014/main" id="{F5A7A535-B9A5-42D1-A33C-381E8D6F22AB}"/>
+              </a:ext>
+            </a:extLst>
+          </p:cNvPr>
+          <p:cNvSpPr>
+            <a:spLocks noGrp="1"/>
+          </p:cNvSpPr>
+          <p:nvPr>
+            <p:ph type="title"/>
+          </p:nvPr>
+        </p:nvSpPr>
+        <p:spPr/>
+        <p:txBody>
+          <a:bodyPr/>
+          <a:lstStyle/>
+          <a:p>
+            <a:endParaRPr lang="en-US"/>
+          </a:p>
+        </p:txBody>
+      </p:sp>
+      <p:sp>
+        <p:nvSpPr>
+          <p:cNvPr id="3" name="Content Placeholder 2">
+            <a:extLst>
+              <a:ext uri="{FF2B5EF4-FFF2-40B4-BE49-F238E27FC236}">
+                <a16:creationId xmlns:a16="http://schemas.microsoft.com/office/drawing/2014/main" id="{E129E613-9EE0-4314-89C3-246564037EF4}"/>
+              </a:ext>
+            </a:extLst>
+          </p:cNvPr>
+          <p:cNvSpPr>
+            <a:spLocks noGrp="1"/>
+          </p:cNvSpPr>
+          <p:nvPr>
+            <p:ph idx="1"/>
+          </p:nvPr>
+        </p:nvSpPr>
+        <p:spPr/>
+        <p:txBody>
+          <a:bodyPr/>
+          <a:lstStyle/>
+          <a:p>
+            <a:endParaRPr lang="en-US"/>
+          </a:p>
+        </p:txBody>
+      </p:sp>
+      <p:pic>
+        <p:nvPicPr>
+          <p:cNvPr id="4" name="slide2" descr="Estimated Road Traffic Death Rate 1">
+            <a:extLst>
+              <a:ext uri="{FF2B5EF4-FFF2-40B4-BE49-F238E27FC236}">
+                <a16:creationId xmlns:a16="http://schemas.microsoft.com/office/drawing/2014/main" id="{705C8EDF-4598-4520-9ABF-18FF62F3F6B5}"/>
+              </a:ext>
+            </a:extLst>
+          </p:cNvPr>
+          <p:cNvPicPr>
+            <a:picLocks noChangeAspect="1"/>
+          </p:cNvPicPr>
+          <p:nvPr/>
+        </p:nvPicPr>
+        <p:blipFill rotWithShape="1">
+          <a:blip r:embed="rId2">
+            <a:extLst>
+              <a:ext uri="{28A0092B-C50C-407E-A947-70E740481C1C}">
+                <a14:useLocalDpi xmlns:a14="http://schemas.microsoft.com/office/drawing/2010/main" val="0"/>
+              </a:ext>
+            </a:extLst>
+          </a:blip>
+          <a:srcRect b="4465"/>
+          <a:stretch/>
+        </p:blipFill>
+        <p:spPr>
+          <a:xfrm>
+            <a:off x="1178039" y="153099"/>
+            <a:ext cx="9835921" cy="6551802"/>
+          </a:xfrm>
+          <a:prstGeom prst="rect">
+            <a:avLst/>
+          </a:prstGeom>
+        </p:spPr>
+      </p:pic>
+    </p:spTree>
+    <p:extLst>
+      <p:ext uri="{BB962C8B-B14F-4D97-AF65-F5344CB8AC3E}">
+        <p14:creationId xmlns:p14="http://schemas.microsoft.com/office/powerpoint/2010/main" val="4216190513"/>
+      </p:ext>
+    </p:extLst>
+  </p:cSld>
+  <p:clrMapOvr>
+    <a:masterClrMapping/>
+  </p:clrMapOvr>
+</p:sld>
+</file>
+
+<file path=ppt/slides/slide22.xml><?xml version="1.0" encoding="utf-8"?>
+<p:sld xmlns:a="http://schemas.openxmlformats.org/drawingml/2006/main" xmlns:r="http://schemas.openxmlformats.org/officeDocument/2006/relationships" xmlns:p="http://schemas.openxmlformats.org/presentationml/2006/main">
+  <p:cSld>
+    <p:spTree>
+      <p:nvGrpSpPr>
+        <p:cNvPr id="1" name=""/>
+        <p:cNvGrpSpPr/>
+        <p:nvPr/>
+      </p:nvGrpSpPr>
+      <p:grpSpPr>
+        <a:xfrm>
+          <a:off x="0" y="0"/>
+          <a:ext cx="0" cy="0"/>
+          <a:chOff x="0" y="0"/>
+          <a:chExt cx="0" cy="0"/>
+        </a:xfrm>
+      </p:grpSpPr>
+      <p:pic>
+        <p:nvPicPr>
+          <p:cNvPr id="2" name="slide2" descr="Life Expectancy at Birth (years)">
+            <a:extLst>
+              <a:ext uri="{FF2B5EF4-FFF2-40B4-BE49-F238E27FC236}">
+                <a16:creationId xmlns:a16="http://schemas.microsoft.com/office/drawing/2014/main" id="{E2C9C856-005E-42C1-B20C-6BFC9D058EFC}"/>
+              </a:ext>
+            </a:extLst>
+          </p:cNvPr>
+          <p:cNvPicPr>
+            <a:picLocks noChangeAspect="1"/>
+          </p:cNvPicPr>
+          <p:nvPr/>
+        </p:nvPicPr>
+        <p:blipFill>
+          <a:blip r:embed="rId2">
+            <a:extLst>
+              <a:ext uri="{28A0092B-C50C-407E-A947-70E740481C1C}">
+                <a14:useLocalDpi xmlns:a14="http://schemas.microsoft.com/office/drawing/2010/main" val="0"/>
+              </a:ext>
+            </a:extLst>
+          </a:blip>
+          <a:stretch>
+            <a:fillRect/>
+          </a:stretch>
+        </p:blipFill>
+        <p:spPr>
+          <a:xfrm>
+            <a:off x="511749" y="0"/>
+            <a:ext cx="11168502" cy="6858000"/>
+          </a:xfrm>
+          <a:prstGeom prst="rect">
+            <a:avLst/>
+          </a:prstGeom>
+        </p:spPr>
+      </p:pic>
+    </p:spTree>
+    <p:extLst>
+      <p:ext uri="{BB962C8B-B14F-4D97-AF65-F5344CB8AC3E}">
+        <p14:creationId xmlns:p14="http://schemas.microsoft.com/office/powerpoint/2010/main" val="2551656825"/>
+      </p:ext>
+    </p:extLst>
+  </p:cSld>
+  <p:clrMapOvr>
+    <a:masterClrMapping/>
+  </p:clrMapOvr>
+</p:sld>
+</file>
+
+<file path=ppt/slides/slide23.xml><?xml version="1.0" encoding="utf-8"?>
+<p:sld xmlns:a="http://schemas.openxmlformats.org/drawingml/2006/main" xmlns:r="http://schemas.openxmlformats.org/officeDocument/2006/relationships" xmlns:p="http://schemas.openxmlformats.org/presentationml/2006/main">
+  <p:cSld>
+    <p:spTree>
+      <p:nvGrpSpPr>
+        <p:cNvPr id="1" name=""/>
+        <p:cNvGrpSpPr/>
+        <p:nvPr/>
+      </p:nvGrpSpPr>
+      <p:grpSpPr>
+        <a:xfrm>
+          <a:off x="0" y="0"/>
+          <a:ext cx="0" cy="0"/>
+          <a:chOff x="0" y="0"/>
+          <a:chExt cx="0" cy="0"/>
+        </a:xfrm>
+      </p:grpSpPr>
+      <p:pic>
+        <p:nvPicPr>
+          <p:cNvPr id="3" name="slide3" descr="Comparison">
+            <a:extLst>
+              <a:ext uri="{FF2B5EF4-FFF2-40B4-BE49-F238E27FC236}">
+                <a16:creationId xmlns:a16="http://schemas.microsoft.com/office/drawing/2014/main" id="{CE9BF144-8FD8-42E2-AB83-4426F041A17E}"/>
+              </a:ext>
+            </a:extLst>
+          </p:cNvPr>
+          <p:cNvPicPr>
+            <a:picLocks noChangeAspect="1"/>
+          </p:cNvPicPr>
+          <p:nvPr/>
+        </p:nvPicPr>
+        <p:blipFill>
+          <a:blip r:embed="rId2">
+            <a:extLst>
+              <a:ext uri="{28A0092B-C50C-407E-A947-70E740481C1C}">
+                <a14:useLocalDpi xmlns:a14="http://schemas.microsoft.com/office/drawing/2010/main" val="0"/>
+              </a:ext>
+            </a:extLst>
+          </a:blip>
+          <a:stretch>
+            <a:fillRect/>
+          </a:stretch>
+        </p:blipFill>
+        <p:spPr>
+          <a:xfrm>
+            <a:off x="0" y="307642"/>
+            <a:ext cx="12192000" cy="6242715"/>
+          </a:xfrm>
+          <a:prstGeom prst="rect">
+            <a:avLst/>
+          </a:prstGeom>
+        </p:spPr>
+      </p:pic>
+    </p:spTree>
+    <p:extLst>
+      <p:ext uri="{BB962C8B-B14F-4D97-AF65-F5344CB8AC3E}">
+        <p14:creationId xmlns:p14="http://schemas.microsoft.com/office/powerpoint/2010/main" val="2604278200"/>
+      </p:ext>
+    </p:extLst>
+  </p:cSld>
+  <p:clrMapOvr>
+    <a:masterClrMapping/>
+  </p:clrMapOvr>
+</p:sld>
+</file>
+
+<file path=ppt/slides/slide24.xml><?xml version="1.0" encoding="utf-8"?>
+<p:sld xmlns:a="http://schemas.openxmlformats.org/drawingml/2006/main" xmlns:r="http://schemas.openxmlformats.org/officeDocument/2006/relationships" xmlns:p="http://schemas.openxmlformats.org/presentationml/2006/main">
+  <p:cSld>
+    <p:spTree>
+      <p:nvGrpSpPr>
+        <p:cNvPr id="1" name=""/>
+        <p:cNvGrpSpPr/>
+        <p:nvPr/>
+      </p:nvGrpSpPr>
+      <p:grpSpPr>
+        <a:xfrm>
+          <a:off x="0" y="0"/>
+          <a:ext cx="0" cy="0"/>
+          <a:chOff x="0" y="0"/>
+          <a:chExt cx="0" cy="0"/>
+        </a:xfrm>
+      </p:grpSpPr>
+      <p:pic>
+        <p:nvPicPr>
+          <p:cNvPr id="5" name="slide5" descr="Childbirth Health (2)">
+            <a:extLst>
+              <a:ext uri="{FF2B5EF4-FFF2-40B4-BE49-F238E27FC236}">
+                <a16:creationId xmlns:a16="http://schemas.microsoft.com/office/drawing/2014/main" id="{B9361C42-CBD0-4FCC-9B80-1A6A4D4DE77A}"/>
+              </a:ext>
+            </a:extLst>
+          </p:cNvPr>
+          <p:cNvPicPr>
+            <a:picLocks noChangeAspect="1"/>
+          </p:cNvPicPr>
+          <p:nvPr/>
+        </p:nvPicPr>
+        <p:blipFill rotWithShape="1">
+          <a:blip r:embed="rId2">
+            <a:extLst>
+              <a:ext uri="{28A0092B-C50C-407E-A947-70E740481C1C}">
+                <a14:useLocalDpi xmlns:a14="http://schemas.microsoft.com/office/drawing/2010/main" val="0"/>
+              </a:ext>
+            </a:extLst>
+          </a:blip>
+          <a:srcRect b="10826"/>
+          <a:stretch/>
+        </p:blipFill>
+        <p:spPr>
+          <a:xfrm>
+            <a:off x="1064958" y="0"/>
+            <a:ext cx="10062083" cy="6115574"/>
+          </a:xfrm>
+          <a:prstGeom prst="rect">
+            <a:avLst/>
+          </a:prstGeom>
+        </p:spPr>
+      </p:pic>
+    </p:spTree>
+    <p:extLst>
+      <p:ext uri="{BB962C8B-B14F-4D97-AF65-F5344CB8AC3E}">
+        <p14:creationId xmlns:p14="http://schemas.microsoft.com/office/powerpoint/2010/main" val="3693202563"/>
+      </p:ext>
+    </p:extLst>
+  </p:cSld>
+  <p:clrMapOvr>
+    <a:masterClrMapping/>
+  </p:clrMapOvr>
+</p:sld>
+</file>
+
+<file path=ppt/slides/slide25.xml><?xml version="1.0" encoding="utf-8"?>
+<p:sld xmlns:a="http://schemas.openxmlformats.org/drawingml/2006/main" xmlns:r="http://schemas.openxmlformats.org/officeDocument/2006/relationships" xmlns:p="http://schemas.openxmlformats.org/presentationml/2006/main">
+  <p:cSld>
+    <p:spTree>
+      <p:nvGrpSpPr>
+        <p:cNvPr id="1" name=""/>
+        <p:cNvGrpSpPr/>
+        <p:nvPr/>
+      </p:nvGrpSpPr>
+      <p:grpSpPr>
+        <a:xfrm>
+          <a:off x="0" y="0"/>
+          <a:ext cx="0" cy="0"/>
+          <a:chOff x="0" y="0"/>
+          <a:chExt cx="0" cy="0"/>
+        </a:xfrm>
+      </p:grpSpPr>
+      <p:pic>
+        <p:nvPicPr>
+          <p:cNvPr id="6" name="slide6" descr="Sheet 5 (2)">
+            <a:extLst>
+              <a:ext uri="{FF2B5EF4-FFF2-40B4-BE49-F238E27FC236}">
+                <a16:creationId xmlns:a16="http://schemas.microsoft.com/office/drawing/2014/main" id="{2F1D2962-FC67-45FB-B622-56A423D4DB49}"/>
+              </a:ext>
+            </a:extLst>
+          </p:cNvPr>
+          <p:cNvPicPr>
+            <a:picLocks noChangeAspect="1"/>
+          </p:cNvPicPr>
+          <p:nvPr/>
+        </p:nvPicPr>
+        <p:blipFill>
+          <a:blip r:embed="rId2">
+            <a:extLst>
+              <a:ext uri="{28A0092B-C50C-407E-A947-70E740481C1C}">
+                <a14:useLocalDpi xmlns:a14="http://schemas.microsoft.com/office/drawing/2010/main" val="0"/>
+              </a:ext>
+            </a:extLst>
+          </a:blip>
+          <a:stretch>
+            <a:fillRect/>
+          </a:stretch>
+        </p:blipFill>
+        <p:spPr>
+          <a:xfrm>
+            <a:off x="987490" y="0"/>
+            <a:ext cx="10217020" cy="6858000"/>
+          </a:xfrm>
+          <a:prstGeom prst="rect">
+            <a:avLst/>
+          </a:prstGeom>
+        </p:spPr>
+      </p:pic>
+    </p:spTree>
+    <p:extLst>
+      <p:ext uri="{BB962C8B-B14F-4D97-AF65-F5344CB8AC3E}">
+        <p14:creationId xmlns:p14="http://schemas.microsoft.com/office/powerpoint/2010/main" val="768049571"/>
+      </p:ext>
+    </p:extLst>
+  </p:cSld>
+  <p:clrMapOvr>
+    <a:masterClrMapping/>
+  </p:clrMapOvr>
+</p:sld>
+</file>
+
+<file path=ppt/slides/slide26.xml><?xml version="1.0" encoding="utf-8"?>
+<p:sld xmlns:a="http://schemas.openxmlformats.org/drawingml/2006/main" xmlns:r="http://schemas.openxmlformats.org/officeDocument/2006/relationships" xmlns:p="http://schemas.openxmlformats.org/presentationml/2006/main">
+  <p:cSld>
+    <p:spTree>
+      <p:nvGrpSpPr>
+        <p:cNvPr id="1" name=""/>
+        <p:cNvGrpSpPr/>
+        <p:nvPr/>
+      </p:nvGrpSpPr>
+      <p:grpSpPr>
+        <a:xfrm>
+          <a:off x="0" y="0"/>
+          <a:ext cx="0" cy="0"/>
+          <a:chOff x="0" y="0"/>
+          <a:chExt cx="0" cy="0"/>
+        </a:xfrm>
+      </p:grpSpPr>
+      <p:pic>
+        <p:nvPicPr>
+          <p:cNvPr id="7" name="slide7" descr="Sheet 5 (3)">
+            <a:extLst>
+              <a:ext uri="{FF2B5EF4-FFF2-40B4-BE49-F238E27FC236}">
+                <a16:creationId xmlns:a16="http://schemas.microsoft.com/office/drawing/2014/main" id="{1137B26E-5ACF-460B-A2C5-1D88ADAC1049}"/>
+              </a:ext>
+            </a:extLst>
+          </p:cNvPr>
+          <p:cNvPicPr>
+            <a:picLocks noChangeAspect="1"/>
+          </p:cNvPicPr>
+          <p:nvPr/>
+        </p:nvPicPr>
+        <p:blipFill>
+          <a:blip r:embed="rId2">
+            <a:extLst>
+              <a:ext uri="{28A0092B-C50C-407E-A947-70E740481C1C}">
+                <a14:useLocalDpi xmlns:a14="http://schemas.microsoft.com/office/drawing/2010/main" val="0"/>
+              </a:ext>
+            </a:extLst>
+          </a:blip>
+          <a:stretch>
+            <a:fillRect/>
+          </a:stretch>
+        </p:blipFill>
+        <p:spPr>
+          <a:xfrm>
+            <a:off x="987490" y="0"/>
+            <a:ext cx="10217020" cy="6858000"/>
+          </a:xfrm>
+          <a:prstGeom prst="rect">
+            <a:avLst/>
+          </a:prstGeom>
+        </p:spPr>
+      </p:pic>
+    </p:spTree>
+    <p:extLst>
+      <p:ext uri="{BB962C8B-B14F-4D97-AF65-F5344CB8AC3E}">
+        <p14:creationId xmlns:p14="http://schemas.microsoft.com/office/powerpoint/2010/main" val="1898612725"/>
+      </p:ext>
+    </p:extLst>
+  </p:cSld>
+  <p:clrMapOvr>
+    <a:masterClrMapping/>
+  </p:clrMapOvr>
+</p:sld>
+</file>
+
+<file path=ppt/slides/slide27.xml><?xml version="1.0" encoding="utf-8"?>
+<p:sld xmlns:a="http://schemas.openxmlformats.org/drawingml/2006/main" xmlns:r="http://schemas.openxmlformats.org/officeDocument/2006/relationships" xmlns:p="http://schemas.openxmlformats.org/presentationml/2006/main">
+  <p:cSld>
+    <p:bg>
+      <p:bgPr>
+        <a:solidFill>
+          <a:schemeClr val="bg1">
+            <a:lumMod val="95000"/>
+          </a:schemeClr>
+        </a:solidFill>
+        <a:effectLst/>
+      </p:bgPr>
+    </p:bg>
+    <p:spTree>
+      <p:nvGrpSpPr>
+        <p:cNvPr id="1" name=""/>
+        <p:cNvGrpSpPr/>
+        <p:nvPr/>
+      </p:nvGrpSpPr>
+      <p:grpSpPr>
+        <a:xfrm>
+          <a:off x="0" y="0"/>
+          <a:ext cx="0" cy="0"/>
+          <a:chOff x="0" y="0"/>
+          <a:chExt cx="0" cy="0"/>
+        </a:xfrm>
+      </p:grpSpPr>
+      <p:sp>
+        <p:nvSpPr>
+          <p:cNvPr id="2" name="Title 1"/>
+          <p:cNvSpPr>
+            <a:spLocks noGrp="1"/>
+          </p:cNvSpPr>
+          <p:nvPr>
+            <p:ph type="title"/>
+          </p:nvPr>
+        </p:nvSpPr>
+        <p:spPr>
+          <a:xfrm>
+            <a:off x="222379" y="477097"/>
+            <a:ext cx="10515600" cy="1325563"/>
+          </a:xfrm>
+        </p:spPr>
+        <p:txBody>
+          <a:bodyPr/>
+          <a:lstStyle/>
+          <a:p>
+            <a:r>
+              <a:rPr lang="en-US">
+                <a:latin typeface="Arial Black" panose="020B0A04020102020204" pitchFamily="34" charset="0"/>
+              </a:rPr>
+              <a:t>TOBACCO USE</a:t>
+            </a:r>
+          </a:p>
+        </p:txBody>
+      </p:sp>
+      <p:sp>
+        <p:nvSpPr>
+          <p:cNvPr id="3" name="Content Placeholder 2"/>
+          <p:cNvSpPr>
+            <a:spLocks noGrp="1"/>
+          </p:cNvSpPr>
+          <p:nvPr>
+            <p:ph idx="1"/>
+          </p:nvPr>
+        </p:nvSpPr>
+        <p:spPr>
+          <a:xfrm>
+            <a:off x="231710" y="1825625"/>
+            <a:ext cx="10515600" cy="4351338"/>
+          </a:xfrm>
+        </p:spPr>
+        <p:txBody>
+          <a:bodyPr/>
+          <a:lstStyle/>
+          <a:p>
+            <a:pPr>
+              <a:buClr>
+                <a:srgbClr val="7AA52B"/>
+              </a:buClr>
+            </a:pPr>
+            <a:r>
+              <a:rPr lang="en-US" dirty="0">
+                <a:latin typeface="Malgun Gothic Semilight" panose="020B0502040204020203" pitchFamily="34" charset="-128"/>
+                <a:ea typeface="Malgun Gothic Semilight" panose="020B0502040204020203" pitchFamily="34" charset="-128"/>
+                <a:cs typeface="Malgun Gothic Semilight" panose="020B0502040204020203" pitchFamily="34" charset="-128"/>
+              </a:rPr>
+              <a:t>Tobacco Indicator is age-standardized i.e. mathematically adjusted to allow populations to be compared when age profiles of populations are different.</a:t>
+            </a:r>
+          </a:p>
+          <a:p>
+            <a:pPr>
+              <a:buClr>
+                <a:srgbClr val="7AA52B"/>
+              </a:buClr>
+            </a:pPr>
+            <a:r>
+              <a:rPr lang="en-US" dirty="0">
+                <a:latin typeface="Malgun Gothic Semilight" panose="020B0502040204020203" pitchFamily="34" charset="-128"/>
+                <a:ea typeface="Malgun Gothic Semilight" panose="020B0502040204020203" pitchFamily="34" charset="-128"/>
+                <a:cs typeface="Malgun Gothic Semilight" panose="020B0502040204020203" pitchFamily="34" charset="-128"/>
+              </a:rPr>
+              <a:t>Only age 15 years-old and older is considered.</a:t>
+            </a:r>
+          </a:p>
+          <a:p>
+            <a:pPr>
+              <a:buClr>
+                <a:srgbClr val="7AA52B"/>
+              </a:buClr>
+            </a:pPr>
+            <a:r>
+              <a:rPr lang="en-US" dirty="0">
+                <a:latin typeface="Malgun Gothic Semilight" panose="020B0502040204020203" pitchFamily="34" charset="-128"/>
+                <a:ea typeface="Malgun Gothic Semilight" panose="020B0502040204020203" pitchFamily="34" charset="-128"/>
+                <a:cs typeface="Malgun Gothic Semilight" panose="020B0502040204020203" pitchFamily="34" charset="-128"/>
+              </a:rPr>
+              <a:t>The indicator is a percent of population per country per gender per year.</a:t>
+            </a:r>
+          </a:p>
+          <a:p>
+            <a:pPr>
+              <a:buClr>
+                <a:srgbClr val="7AA52B"/>
+              </a:buClr>
+            </a:pPr>
+            <a:r>
+              <a:rPr lang="en-US" dirty="0">
+                <a:latin typeface="Malgun Gothic Semilight" panose="020B0502040204020203" pitchFamily="34" charset="-128"/>
+                <a:ea typeface="Malgun Gothic Semilight" panose="020B0502040204020203" pitchFamily="34" charset="-128"/>
+                <a:cs typeface="Malgun Gothic Semilight" panose="020B0502040204020203" pitchFamily="34" charset="-128"/>
+              </a:rPr>
+              <a:t>The “both sexes” in the dimension is the weighted average of the percent of the gender based on gender population for a given year.</a:t>
+            </a:r>
+          </a:p>
+        </p:txBody>
+      </p:sp>
+      <p:pic>
+        <p:nvPicPr>
+          <p:cNvPr id="4" name="Imagen 1" descr="07_HumanScience_V.png"/>
+          <p:cNvPicPr>
+            <a:picLocks noChangeAspect="1"/>
+          </p:cNvPicPr>
+          <p:nvPr/>
+        </p:nvPicPr>
+        <p:blipFill>
+          <a:blip r:embed="rId2" cstate="print">
+            <a:extLst>
+              <a:ext uri="{28A0092B-C50C-407E-A947-70E740481C1C}">
+                <a14:useLocalDpi xmlns:a14="http://schemas.microsoft.com/office/drawing/2010/main" val="0"/>
+              </a:ext>
+            </a:extLst>
+          </a:blip>
+          <a:srcRect/>
+          <a:stretch>
+            <a:fillRect/>
+          </a:stretch>
+        </p:blipFill>
+        <p:spPr bwMode="auto">
+          <a:xfrm>
+            <a:off x="-83373" y="5525029"/>
+            <a:ext cx="1843146" cy="1303867"/>
+          </a:xfrm>
+          <a:prstGeom prst="rect">
+            <a:avLst/>
+          </a:prstGeom>
+          <a:noFill/>
+          <a:ln>
+            <a:noFill/>
+          </a:ln>
+          <a:extLst>
+            <a:ext uri="{909E8E84-426E-40DD-AFC4-6F175D3DCCD1}">
+              <a14:hiddenFill xmlns:a14="http://schemas.microsoft.com/office/drawing/2010/main">
+                <a:solidFill>
+                  <a:srgbClr val="FFFFFF"/>
+                </a:solidFill>
+              </a14:hiddenFill>
+            </a:ext>
+            <a:ext uri="{91240B29-F687-4F45-9708-019B960494DF}">
+              <a14:hiddenLine xmlns:a14="http://schemas.microsoft.com/office/drawing/2010/main" w="9525">
+                <a:solidFill>
+                  <a:srgbClr val="000000"/>
+                </a:solidFill>
+                <a:miter lim="800000"/>
+                <a:headEnd/>
+                <a:tailEnd/>
+              </a14:hiddenLine>
+            </a:ext>
+          </a:extLst>
+        </p:spPr>
+      </p:pic>
+      <p:sp>
+        <p:nvSpPr>
+          <p:cNvPr id="5" name="Rectangle: Rounded Corners 4">
+            <a:extLst>
+              <a:ext uri="{FF2B5EF4-FFF2-40B4-BE49-F238E27FC236}">
+                <a16:creationId xmlns:a16="http://schemas.microsoft.com/office/drawing/2014/main" id="{7E120FAB-4A6D-4933-82D5-0212238B3BA7}"/>
+              </a:ext>
+            </a:extLst>
+          </p:cNvPr>
+          <p:cNvSpPr/>
+          <p:nvPr/>
+        </p:nvSpPr>
+        <p:spPr>
+          <a:xfrm>
+            <a:off x="7915351" y="130639"/>
+            <a:ext cx="4162927" cy="646986"/>
+          </a:xfrm>
+          <a:prstGeom prst="roundRect">
+            <a:avLst/>
+          </a:prstGeom>
+        </p:spPr>
+        <p:style>
+          <a:lnRef idx="1">
+            <a:schemeClr val="accent4"/>
+          </a:lnRef>
+          <a:fillRef idx="2">
+            <a:schemeClr val="accent4"/>
+          </a:fillRef>
+          <a:effectRef idx="1">
+            <a:schemeClr val="accent4"/>
+          </a:effectRef>
+          <a:fontRef idx="minor">
+            <a:schemeClr val="dk1"/>
+          </a:fontRef>
+        </p:style>
+        <p:txBody>
+          <a:bodyPr rtlCol="0" anchor="ctr">
+            <a:spAutoFit/>
+          </a:bodyPr>
+          <a:lstStyle/>
+          <a:p>
+            <a:pPr algn="ctr"/>
+            <a:r>
+              <a:rPr lang="en-US" sz="1600" dirty="0">
+                <a:solidFill>
+                  <a:srgbClr val="C00000"/>
+                </a:solidFill>
+                <a:latin typeface="Bahnschrift Light" panose="020B0502040204020203" pitchFamily="34" charset="0"/>
+              </a:rPr>
+              <a:t>Information for the team. Not intended for the presentation to be submitted.</a:t>
+            </a:r>
+          </a:p>
+        </p:txBody>
+      </p:sp>
+    </p:spTree>
+    <p:extLst>
+      <p:ext uri="{BB962C8B-B14F-4D97-AF65-F5344CB8AC3E}">
+        <p14:creationId xmlns:p14="http://schemas.microsoft.com/office/powerpoint/2010/main" val="2872437088"/>
+      </p:ext>
+    </p:extLst>
+  </p:cSld>
+  <p:clrMapOvr>
+    <a:masterClrMapping/>
+  </p:clrMapOvr>
+</p:sld>
+</file>
+
+<file path=ppt/slides/slide28.xml><?xml version="1.0" encoding="utf-8"?>
 <p:sld xmlns:a="http://schemas.openxmlformats.org/drawingml/2006/main" xmlns:r="http://schemas.openxmlformats.org/officeDocument/2006/relationships" xmlns:p="http://schemas.openxmlformats.org/presentationml/2006/main">
   <p:cSld>
     <p:spTree>
@@ -3502,19 +4974,9 @@
 </p:sld>
 </file>
 
-<file path=ppt/slides/slide2.xml><?xml version="1.0" encoding="utf-8"?>
+<file path=ppt/slides/slide3.xml><?xml version="1.0" encoding="utf-8"?>
 <p:sld xmlns:a="http://schemas.openxmlformats.org/drawingml/2006/main" xmlns:r="http://schemas.openxmlformats.org/officeDocument/2006/relationships" xmlns:p="http://schemas.openxmlformats.org/presentationml/2006/main">
   <p:cSld>
-    <p:bg>
-      <p:bgPr>
-        <a:solidFill>
-          <a:schemeClr val="bg1">
-            <a:lumMod val="95000"/>
-          </a:schemeClr>
-        </a:solidFill>
-        <a:effectLst/>
-      </p:bgPr>
-    </p:bg>
     <p:spTree>
       <p:nvGrpSpPr>
         <p:cNvPr id="1" name=""/>
@@ -3531,226 +4993,82 @@
       </p:grpSpPr>
       <p:sp>
         <p:nvSpPr>
-          <p:cNvPr id="2" name="Title 1"/>
-          <p:cNvSpPr>
-            <a:spLocks noGrp="1"/>
-          </p:cNvSpPr>
-          <p:nvPr>
-            <p:ph type="title"/>
-          </p:nvPr>
-        </p:nvSpPr>
-        <p:spPr>
-          <a:xfrm>
-            <a:off x="222379" y="477097"/>
-            <a:ext cx="10515600" cy="1325563"/>
-          </a:xfrm>
-        </p:spPr>
-        <p:txBody>
-          <a:bodyPr/>
-          <a:lstStyle/>
-          <a:p>
-            <a:r>
-              <a:rPr lang="en-US">
-                <a:latin typeface="Arial Black" panose="020B0A04020102020204" pitchFamily="34" charset="0"/>
-              </a:rPr>
-              <a:t>TOBACCO USE</a:t>
-            </a:r>
-          </a:p>
-        </p:txBody>
-      </p:sp>
-      <p:sp>
-        <p:nvSpPr>
-          <p:cNvPr id="3" name="Content Placeholder 2"/>
-          <p:cNvSpPr>
-            <a:spLocks noGrp="1"/>
-          </p:cNvSpPr>
-          <p:nvPr>
-            <p:ph idx="1"/>
-          </p:nvPr>
-        </p:nvSpPr>
-        <p:spPr>
-          <a:xfrm>
-            <a:off x="231710" y="1825625"/>
-            <a:ext cx="10515600" cy="4351338"/>
-          </a:xfrm>
-        </p:spPr>
-        <p:txBody>
-          <a:bodyPr/>
-          <a:lstStyle/>
-          <a:p>
-            <a:pPr>
-              <a:buClr>
-                <a:srgbClr val="7AA52B"/>
-              </a:buClr>
-            </a:pPr>
-            <a:r>
-              <a:rPr lang="en-US" dirty="0">
-                <a:latin typeface="Malgun Gothic Semilight" panose="020B0502040204020203" pitchFamily="34" charset="-128"/>
-                <a:ea typeface="Malgun Gothic Semilight" panose="020B0502040204020203" pitchFamily="34" charset="-128"/>
-                <a:cs typeface="Malgun Gothic Semilight" panose="020B0502040204020203" pitchFamily="34" charset="-128"/>
-              </a:rPr>
-              <a:t>Tobacco Indicator is age-standardized i.e. mathematically adjusted to allow populations to be compared when age profiles of populations are different.</a:t>
-            </a:r>
-          </a:p>
-          <a:p>
-            <a:pPr>
-              <a:buClr>
-                <a:srgbClr val="7AA52B"/>
-              </a:buClr>
-            </a:pPr>
-            <a:r>
-              <a:rPr lang="en-US" dirty="0">
-                <a:latin typeface="Malgun Gothic Semilight" panose="020B0502040204020203" pitchFamily="34" charset="-128"/>
-                <a:ea typeface="Malgun Gothic Semilight" panose="020B0502040204020203" pitchFamily="34" charset="-128"/>
-                <a:cs typeface="Malgun Gothic Semilight" panose="020B0502040204020203" pitchFamily="34" charset="-128"/>
-              </a:rPr>
-              <a:t>Only age 15 years-old and older is considered.</a:t>
-            </a:r>
-          </a:p>
-          <a:p>
-            <a:pPr>
-              <a:buClr>
-                <a:srgbClr val="7AA52B"/>
-              </a:buClr>
-            </a:pPr>
-            <a:r>
-              <a:rPr lang="en-US" dirty="0">
-                <a:latin typeface="Malgun Gothic Semilight" panose="020B0502040204020203" pitchFamily="34" charset="-128"/>
-                <a:ea typeface="Malgun Gothic Semilight" panose="020B0502040204020203" pitchFamily="34" charset="-128"/>
-                <a:cs typeface="Malgun Gothic Semilight" panose="020B0502040204020203" pitchFamily="34" charset="-128"/>
-              </a:rPr>
-              <a:t>The indicator is a percent of population per country per gender per year.</a:t>
-            </a:r>
-          </a:p>
-          <a:p>
-            <a:pPr>
-              <a:buClr>
-                <a:srgbClr val="7AA52B"/>
-              </a:buClr>
-            </a:pPr>
-            <a:r>
-              <a:rPr lang="en-US" dirty="0">
-                <a:latin typeface="Malgun Gothic Semilight" panose="020B0502040204020203" pitchFamily="34" charset="-128"/>
-                <a:ea typeface="Malgun Gothic Semilight" panose="020B0502040204020203" pitchFamily="34" charset="-128"/>
-                <a:cs typeface="Malgun Gothic Semilight" panose="020B0502040204020203" pitchFamily="34" charset="-128"/>
-              </a:rPr>
-              <a:t>The “both sexes” in the dimension is the weighted average of the percent of the gender based on gender population for a given year.</a:t>
-            </a:r>
-          </a:p>
-        </p:txBody>
-      </p:sp>
-      <p:pic>
-        <p:nvPicPr>
-          <p:cNvPr id="4" name="Imagen 1" descr="07_HumanScience_V.png"/>
-          <p:cNvPicPr>
-            <a:picLocks noChangeAspect="1"/>
-          </p:cNvPicPr>
-          <p:nvPr/>
-        </p:nvPicPr>
-        <p:blipFill>
-          <a:blip r:embed="rId2" cstate="print">
-            <a:extLst>
-              <a:ext uri="{28A0092B-C50C-407E-A947-70E740481C1C}">
-                <a14:useLocalDpi xmlns:a14="http://schemas.microsoft.com/office/drawing/2010/main" val="0"/>
-              </a:ext>
-            </a:extLst>
-          </a:blip>
-          <a:srcRect/>
-          <a:stretch>
-            <a:fillRect/>
-          </a:stretch>
-        </p:blipFill>
-        <p:spPr bwMode="auto">
-          <a:xfrm>
-            <a:off x="-83373" y="5525029"/>
-            <a:ext cx="1843146" cy="1303867"/>
-          </a:xfrm>
-          <a:prstGeom prst="rect">
-            <a:avLst/>
-          </a:prstGeom>
-          <a:noFill/>
-          <a:ln>
-            <a:noFill/>
-          </a:ln>
-          <a:extLst>
-            <a:ext uri="{909E8E84-426E-40DD-AFC4-6F175D3DCCD1}">
-              <a14:hiddenFill xmlns:a14="http://schemas.microsoft.com/office/drawing/2010/main">
-                <a:solidFill>
-                  <a:srgbClr val="FFFFFF"/>
-                </a:solidFill>
-              </a14:hiddenFill>
-            </a:ext>
-            <a:ext uri="{91240B29-F687-4F45-9708-019B960494DF}">
-              <a14:hiddenLine xmlns:a14="http://schemas.microsoft.com/office/drawing/2010/main" w="9525">
-                <a:solidFill>
-                  <a:srgbClr val="000000"/>
-                </a:solidFill>
-                <a:miter lim="800000"/>
-                <a:headEnd/>
-                <a:tailEnd/>
-              </a14:hiddenLine>
-            </a:ext>
-          </a:extLst>
-        </p:spPr>
-      </p:pic>
-      <p:sp>
-        <p:nvSpPr>
-          <p:cNvPr id="5" name="Rectangle: Rounded Corners 4">
+          <p:cNvPr id="2" name="Title 1">
             <a:extLst>
               <a:ext uri="{FF2B5EF4-FFF2-40B4-BE49-F238E27FC236}">
-                <a16:creationId xmlns:a16="http://schemas.microsoft.com/office/drawing/2014/main" id="{7E120FAB-4A6D-4933-82D5-0212238B3BA7}"/>
+                <a16:creationId xmlns:a16="http://schemas.microsoft.com/office/drawing/2014/main" id="{6CAD48BD-E411-4541-A82F-D10A51FF8901}"/>
               </a:ext>
             </a:extLst>
           </p:cNvPr>
-          <p:cNvSpPr/>
-          <p:nvPr/>
-        </p:nvSpPr>
-        <p:spPr>
-          <a:xfrm>
-            <a:off x="7915351" y="130639"/>
-            <a:ext cx="4162927" cy="646986"/>
-          </a:xfrm>
-          <a:prstGeom prst="roundRect">
-            <a:avLst/>
-          </a:prstGeom>
-        </p:spPr>
-        <p:style>
-          <a:lnRef idx="1">
-            <a:schemeClr val="accent4"/>
-          </a:lnRef>
-          <a:fillRef idx="2">
-            <a:schemeClr val="accent4"/>
-          </a:fillRef>
-          <a:effectRef idx="1">
-            <a:schemeClr val="accent4"/>
-          </a:effectRef>
-          <a:fontRef idx="minor">
-            <a:schemeClr val="dk1"/>
-          </a:fontRef>
-        </p:style>
-        <p:txBody>
-          <a:bodyPr rtlCol="0" anchor="ctr">
-            <a:spAutoFit/>
-          </a:bodyPr>
-          <a:lstStyle/>
-          <a:p>
-            <a:pPr algn="ctr"/>
-            <a:r>
-              <a:rPr lang="en-US" sz="1600" dirty="0">
-                <a:solidFill>
-                  <a:srgbClr val="C00000"/>
-                </a:solidFill>
-                <a:latin typeface="Bahnschrift Light" panose="020B0502040204020203" pitchFamily="34" charset="0"/>
-              </a:rPr>
-              <a:t>Information for the team. Not intended for the presentation to be submitted.</a:t>
-            </a:r>
+          <p:cNvSpPr>
+            <a:spLocks noGrp="1"/>
+          </p:cNvSpPr>
+          <p:nvPr>
+            <p:ph type="title"/>
+          </p:nvPr>
+        </p:nvSpPr>
+        <p:spPr/>
+        <p:txBody>
+          <a:bodyPr/>
+          <a:lstStyle/>
+          <a:p>
+            <a:r>
+              <a:rPr lang="en-US" dirty="0"/>
+              <a:t>Issues with Data Set</a:t>
+            </a:r>
+          </a:p>
+        </p:txBody>
+      </p:sp>
+      <p:sp>
+        <p:nvSpPr>
+          <p:cNvPr id="3" name="Content Placeholder 2">
+            <a:extLst>
+              <a:ext uri="{FF2B5EF4-FFF2-40B4-BE49-F238E27FC236}">
+                <a16:creationId xmlns:a16="http://schemas.microsoft.com/office/drawing/2014/main" id="{4FC350F9-F942-4994-9BF1-CBABBD10BF4F}"/>
+              </a:ext>
+            </a:extLst>
+          </p:cNvPr>
+          <p:cNvSpPr>
+            <a:spLocks noGrp="1"/>
+          </p:cNvSpPr>
+          <p:nvPr>
+            <p:ph idx="1"/>
+          </p:nvPr>
+        </p:nvSpPr>
+        <p:spPr/>
+        <p:txBody>
+          <a:bodyPr/>
+          <a:lstStyle/>
+          <a:p>
+            <a:r>
+              <a:rPr lang="en-US" dirty="0"/>
+              <a:t>Unavailable data</a:t>
+            </a:r>
+          </a:p>
+          <a:p>
+            <a:r>
+              <a:rPr lang="en-US" dirty="0"/>
+              <a:t>Gaps in data collection over the years </a:t>
+            </a:r>
+          </a:p>
+          <a:p>
+            <a:r>
+              <a:rPr lang="en-US" dirty="0"/>
+              <a:t>Discrepancies in country names across indicators (due to political events)</a:t>
+            </a:r>
+          </a:p>
+          <a:p>
+            <a:endParaRPr lang="en-US" dirty="0"/>
+          </a:p>
+          <a:p>
+            <a:endParaRPr lang="en-US" dirty="0"/>
           </a:p>
         </p:txBody>
       </p:sp>
     </p:spTree>
     <p:extLst>
       <p:ext uri="{BB962C8B-B14F-4D97-AF65-F5344CB8AC3E}">
-        <p14:creationId xmlns:p14="http://schemas.microsoft.com/office/powerpoint/2010/main" val="2872437088"/>
+        <p14:creationId xmlns:p14="http://schemas.microsoft.com/office/powerpoint/2010/main" val="2080982515"/>
       </p:ext>
     </p:extLst>
   </p:cSld>
@@ -3760,7 +5078,125 @@
 </p:sld>
 </file>
 
-<file path=ppt/slides/slide3.xml><?xml version="1.0" encoding="utf-8"?>
+<file path=ppt/slides/slide4.xml><?xml version="1.0" encoding="utf-8"?>
+<p:sld xmlns:a="http://schemas.openxmlformats.org/drawingml/2006/main" xmlns:r="http://schemas.openxmlformats.org/officeDocument/2006/relationships" xmlns:p="http://schemas.openxmlformats.org/presentationml/2006/main">
+  <p:cSld>
+    <p:spTree>
+      <p:nvGrpSpPr>
+        <p:cNvPr id="1" name=""/>
+        <p:cNvGrpSpPr/>
+        <p:nvPr/>
+      </p:nvGrpSpPr>
+      <p:grpSpPr>
+        <a:xfrm>
+          <a:off x="0" y="0"/>
+          <a:ext cx="0" cy="0"/>
+          <a:chOff x="0" y="0"/>
+          <a:chExt cx="0" cy="0"/>
+        </a:xfrm>
+      </p:grpSpPr>
+      <p:sp>
+        <p:nvSpPr>
+          <p:cNvPr id="2" name="Title 1">
+            <a:extLst>
+              <a:ext uri="{FF2B5EF4-FFF2-40B4-BE49-F238E27FC236}">
+                <a16:creationId xmlns:a16="http://schemas.microsoft.com/office/drawing/2014/main" id="{2E8FC4C9-D28F-4F05-B337-195B5CF361B3}"/>
+              </a:ext>
+            </a:extLst>
+          </p:cNvPr>
+          <p:cNvSpPr>
+            <a:spLocks noGrp="1"/>
+          </p:cNvSpPr>
+          <p:nvPr>
+            <p:ph type="title"/>
+          </p:nvPr>
+        </p:nvSpPr>
+        <p:spPr/>
+        <p:txBody>
+          <a:bodyPr/>
+          <a:lstStyle/>
+          <a:p>
+            <a:r>
+              <a:rPr lang="en-US" dirty="0"/>
+              <a:t>Data Preprocessing</a:t>
+            </a:r>
+          </a:p>
+        </p:txBody>
+      </p:sp>
+      <p:sp>
+        <p:nvSpPr>
+          <p:cNvPr id="3" name="Content Placeholder 2">
+            <a:extLst>
+              <a:ext uri="{FF2B5EF4-FFF2-40B4-BE49-F238E27FC236}">
+                <a16:creationId xmlns:a16="http://schemas.microsoft.com/office/drawing/2014/main" id="{EBBEE0E0-B35B-4EDF-9D7C-9A31105F5C42}"/>
+              </a:ext>
+            </a:extLst>
+          </p:cNvPr>
+          <p:cNvSpPr>
+            <a:spLocks noGrp="1"/>
+          </p:cNvSpPr>
+          <p:nvPr>
+            <p:ph idx="1"/>
+          </p:nvPr>
+        </p:nvSpPr>
+        <p:spPr/>
+        <p:txBody>
+          <a:bodyPr/>
+          <a:lstStyle/>
+          <a:p>
+            <a:r>
+              <a:rPr lang="en-US" dirty="0"/>
+              <a:t>Combined all files into</a:t>
+            </a:r>
+          </a:p>
+          <a:p>
+            <a:pPr lvl="1"/>
+            <a:r>
+              <a:rPr lang="en-US" dirty="0"/>
+              <a:t>One file with multiple sheets</a:t>
+            </a:r>
+          </a:p>
+          <a:p>
+            <a:pPr lvl="1"/>
+            <a:r>
+              <a:rPr lang="en-US" dirty="0"/>
+              <a:t>A single sheet</a:t>
+            </a:r>
+          </a:p>
+          <a:p>
+            <a:r>
+              <a:rPr lang="en-US" dirty="0"/>
+              <a:t>Performed PCA </a:t>
+            </a:r>
+          </a:p>
+          <a:p>
+            <a:r>
+              <a:rPr lang="en-US" dirty="0"/>
+              <a:t>Converted text into numerical values </a:t>
+            </a:r>
+          </a:p>
+          <a:p>
+            <a:r>
+              <a:rPr lang="en-US" dirty="0"/>
+              <a:t>Added Country-Continent table to map indicators to continents</a:t>
+            </a:r>
+          </a:p>
+        </p:txBody>
+      </p:sp>
+    </p:spTree>
+    <p:extLst>
+      <p:ext uri="{BB962C8B-B14F-4D97-AF65-F5344CB8AC3E}">
+        <p14:creationId xmlns:p14="http://schemas.microsoft.com/office/powerpoint/2010/main" val="775465814"/>
+      </p:ext>
+    </p:extLst>
+  </p:cSld>
+  <p:clrMapOvr>
+    <a:masterClrMapping/>
+  </p:clrMapOvr>
+</p:sld>
+</file>
+
+<file path=ppt/slides/slide5.xml><?xml version="1.0" encoding="utf-8"?>
 <p:sld xmlns:a="http://schemas.openxmlformats.org/drawingml/2006/main" xmlns:r="http://schemas.openxmlformats.org/officeDocument/2006/relationships" xmlns:p="http://schemas.openxmlformats.org/presentationml/2006/main">
   <p:cSld>
     <p:bg>
@@ -3985,7 +5421,7 @@
 </p:sld>
 </file>
 
-<file path=ppt/slides/slide4.xml><?xml version="1.0" encoding="utf-8"?>
+<file path=ppt/slides/slide6.xml><?xml version="1.0" encoding="utf-8"?>
 <p:sld xmlns:a="http://schemas.openxmlformats.org/drawingml/2006/main" xmlns:r="http://schemas.openxmlformats.org/officeDocument/2006/relationships" xmlns:p="http://schemas.openxmlformats.org/presentationml/2006/main">
   <p:cSld>
     <p:bg>
@@ -4218,7 +5654,7 @@
 </p:sld>
 </file>
 
-<file path=ppt/slides/slide5.xml><?xml version="1.0" encoding="utf-8"?>
+<file path=ppt/slides/slide7.xml><?xml version="1.0" encoding="utf-8"?>
 <p:sld xmlns:a="http://schemas.openxmlformats.org/drawingml/2006/main" xmlns:r="http://schemas.openxmlformats.org/officeDocument/2006/relationships" xmlns:p="http://schemas.openxmlformats.org/presentationml/2006/main">
   <p:cSld>
     <p:bg>
@@ -4534,126 +5970,6 @@
 </p:sld>
 </file>
 
-<file path=ppt/slides/slide6.xml><?xml version="1.0" encoding="utf-8"?>
-<p:sld xmlns:a="http://schemas.openxmlformats.org/drawingml/2006/main" xmlns:r="http://schemas.openxmlformats.org/officeDocument/2006/relationships" xmlns:p="http://schemas.openxmlformats.org/presentationml/2006/main">
-  <p:cSld>
-    <p:spTree>
-      <p:nvGrpSpPr>
-        <p:cNvPr id="1" name=""/>
-        <p:cNvGrpSpPr/>
-        <p:nvPr/>
-      </p:nvGrpSpPr>
-      <p:grpSpPr>
-        <a:xfrm>
-          <a:off x="0" y="0"/>
-          <a:ext cx="0" cy="0"/>
-          <a:chOff x="0" y="0"/>
-          <a:chExt cx="0" cy="0"/>
-        </a:xfrm>
-      </p:grpSpPr>
-      <p:pic>
-        <p:nvPicPr>
-          <p:cNvPr id="2" name="Picture 1">
-            <a:extLst>
-              <a:ext uri="{FF2B5EF4-FFF2-40B4-BE49-F238E27FC236}">
-                <a16:creationId xmlns:a16="http://schemas.microsoft.com/office/drawing/2014/main" id="{B9A6EAB7-5F3E-4190-9437-36EF9981CE5A}"/>
-              </a:ext>
-            </a:extLst>
-          </p:cNvPr>
-          <p:cNvPicPr>
-            <a:picLocks noChangeAspect="1"/>
-          </p:cNvPicPr>
-          <p:nvPr/>
-        </p:nvPicPr>
-        <p:blipFill>
-          <a:blip r:embed="rId2"/>
-          <a:stretch>
-            <a:fillRect/>
-          </a:stretch>
-        </p:blipFill>
-        <p:spPr>
-          <a:xfrm>
-            <a:off x="381000" y="0"/>
-            <a:ext cx="11430000" cy="6858000"/>
-          </a:xfrm>
-          <a:prstGeom prst="rect">
-            <a:avLst/>
-          </a:prstGeom>
-        </p:spPr>
-      </p:pic>
-    </p:spTree>
-    <p:extLst>
-      <p:ext uri="{BB962C8B-B14F-4D97-AF65-F5344CB8AC3E}">
-        <p14:creationId xmlns:p14="http://schemas.microsoft.com/office/powerpoint/2010/main" val="1176847218"/>
-      </p:ext>
-    </p:extLst>
-  </p:cSld>
-  <p:clrMapOvr>
-    <a:masterClrMapping/>
-  </p:clrMapOvr>
-</p:sld>
-</file>
-
-<file path=ppt/slides/slide7.xml><?xml version="1.0" encoding="utf-8"?>
-<p:sld xmlns:a="http://schemas.openxmlformats.org/drawingml/2006/main" xmlns:r="http://schemas.openxmlformats.org/officeDocument/2006/relationships" xmlns:p="http://schemas.openxmlformats.org/presentationml/2006/main">
-  <p:cSld>
-    <p:spTree>
-      <p:nvGrpSpPr>
-        <p:cNvPr id="1" name=""/>
-        <p:cNvGrpSpPr/>
-        <p:nvPr/>
-      </p:nvGrpSpPr>
-      <p:grpSpPr>
-        <a:xfrm>
-          <a:off x="0" y="0"/>
-          <a:ext cx="0" cy="0"/>
-          <a:chOff x="0" y="0"/>
-          <a:chExt cx="0" cy="0"/>
-        </a:xfrm>
-      </p:grpSpPr>
-      <p:pic>
-        <p:nvPicPr>
-          <p:cNvPr id="5" name="Picture 4">
-            <a:extLst>
-              <a:ext uri="{FF2B5EF4-FFF2-40B4-BE49-F238E27FC236}">
-                <a16:creationId xmlns:a16="http://schemas.microsoft.com/office/drawing/2014/main" id="{6FE0D5EE-A700-4FAF-8CE9-87521C11CF82}"/>
-              </a:ext>
-            </a:extLst>
-          </p:cNvPr>
-          <p:cNvPicPr>
-            <a:picLocks noChangeAspect="1"/>
-          </p:cNvPicPr>
-          <p:nvPr/>
-        </p:nvPicPr>
-        <p:blipFill>
-          <a:blip r:embed="rId2"/>
-          <a:stretch>
-            <a:fillRect/>
-          </a:stretch>
-        </p:blipFill>
-        <p:spPr>
-          <a:xfrm>
-            <a:off x="1909178" y="254953"/>
-            <a:ext cx="8373644" cy="6725589"/>
-          </a:xfrm>
-          <a:prstGeom prst="rect">
-            <a:avLst/>
-          </a:prstGeom>
-        </p:spPr>
-      </p:pic>
-    </p:spTree>
-    <p:extLst>
-      <p:ext uri="{BB962C8B-B14F-4D97-AF65-F5344CB8AC3E}">
-        <p14:creationId xmlns:p14="http://schemas.microsoft.com/office/powerpoint/2010/main" val="465307269"/>
-      </p:ext>
-    </p:extLst>
-  </p:cSld>
-  <p:clrMapOvr>
-    <a:masterClrMapping/>
-  </p:clrMapOvr>
-</p:sld>
-</file>
-
 <file path=ppt/slides/slide8.xml><?xml version="1.0" encoding="utf-8"?>
 <p:sld xmlns:a="http://schemas.openxmlformats.org/drawingml/2006/main" xmlns:r="http://schemas.openxmlformats.org/officeDocument/2006/relationships" xmlns:p="http://schemas.openxmlformats.org/presentationml/2006/main">
   <p:cSld>
@@ -4673,10 +5989,10 @@
       </p:grpSpPr>
       <p:pic>
         <p:nvPicPr>
-          <p:cNvPr id="5" name="Picture 4">
+          <p:cNvPr id="2" name="slide2" descr="Communicable Diseases Worldwide (2)">
             <a:extLst>
               <a:ext uri="{FF2B5EF4-FFF2-40B4-BE49-F238E27FC236}">
-                <a16:creationId xmlns:a16="http://schemas.microsoft.com/office/drawing/2014/main" id="{CCB71C23-8755-4D9D-B182-CFDB4EB2509E}"/>
+                <a16:creationId xmlns:a16="http://schemas.microsoft.com/office/drawing/2014/main" id="{E6051E62-9711-4DD2-A86D-DB004F671383}"/>
               </a:ext>
             </a:extLst>
           </p:cNvPr>
@@ -4686,15 +6002,21 @@
           <p:nvPr/>
         </p:nvPicPr>
         <p:blipFill>
-          <a:blip r:embed="rId2"/>
+          <a:blip r:embed="rId2">
+            <a:extLst>
+              <a:ext uri="{28A0092B-C50C-407E-A947-70E740481C1C}">
+                <a14:useLocalDpi xmlns:a14="http://schemas.microsoft.com/office/drawing/2010/main" val="0"/>
+              </a:ext>
+            </a:extLst>
+          </a:blip>
           <a:stretch>
             <a:fillRect/>
           </a:stretch>
         </p:blipFill>
         <p:spPr>
           <a:xfrm>
-            <a:off x="1928231" y="75732"/>
-            <a:ext cx="8335538" cy="6706536"/>
+            <a:off x="215327" y="0"/>
+            <a:ext cx="11761345" cy="6858000"/>
           </a:xfrm>
           <a:prstGeom prst="rect">
             <a:avLst/>
@@ -4704,7 +6026,7 @@
     </p:spTree>
     <p:extLst>
       <p:ext uri="{BB962C8B-B14F-4D97-AF65-F5344CB8AC3E}">
-        <p14:creationId xmlns:p14="http://schemas.microsoft.com/office/powerpoint/2010/main" val="2037216937"/>
+        <p14:creationId xmlns:p14="http://schemas.microsoft.com/office/powerpoint/2010/main" val="1903163644"/>
       </p:ext>
     </p:extLst>
   </p:cSld>
@@ -4733,10 +6055,10 @@
       </p:grpSpPr>
       <p:pic>
         <p:nvPicPr>
-          <p:cNvPr id="5" name="Picture 4">
+          <p:cNvPr id="3" name="slide3" descr="Map">
             <a:extLst>
               <a:ext uri="{FF2B5EF4-FFF2-40B4-BE49-F238E27FC236}">
-                <a16:creationId xmlns:a16="http://schemas.microsoft.com/office/drawing/2014/main" id="{7A03083A-EF18-44DC-8775-3CE3B1DC1114}"/>
+                <a16:creationId xmlns:a16="http://schemas.microsoft.com/office/drawing/2014/main" id="{40F23033-EAD2-44BB-B89F-6383E8C818EF}"/>
               </a:ext>
             </a:extLst>
           </p:cNvPr>
@@ -4746,15 +6068,21 @@
           <p:nvPr/>
         </p:nvPicPr>
         <p:blipFill>
-          <a:blip r:embed="rId2"/>
+          <a:blip r:embed="rId2">
+            <a:extLst>
+              <a:ext uri="{28A0092B-C50C-407E-A947-70E740481C1C}">
+                <a14:useLocalDpi xmlns:a14="http://schemas.microsoft.com/office/drawing/2010/main" val="0"/>
+              </a:ext>
+            </a:extLst>
+          </a:blip>
           <a:stretch>
             <a:fillRect/>
           </a:stretch>
         </p:blipFill>
         <p:spPr>
           <a:xfrm>
-            <a:off x="0" y="1230443"/>
-            <a:ext cx="12192000" cy="4397114"/>
+            <a:off x="319743" y="0"/>
+            <a:ext cx="11552514" cy="6858000"/>
           </a:xfrm>
           <a:prstGeom prst="rect">
             <a:avLst/>
@@ -4764,7 +6092,7 @@
     </p:spTree>
     <p:extLst>
       <p:ext uri="{BB962C8B-B14F-4D97-AF65-F5344CB8AC3E}">
-        <p14:creationId xmlns:p14="http://schemas.microsoft.com/office/powerpoint/2010/main" val="2228103031"/>
+        <p14:creationId xmlns:p14="http://schemas.microsoft.com/office/powerpoint/2010/main" val="1086648812"/>
       </p:ext>
     </p:extLst>
   </p:cSld>
@@ -5036,12 +6364,21 @@
 </file>
 
 <file path=customXml/item1.xml><?xml version="1.0" encoding="utf-8"?>
+<?mso-contentType ?>
+<FormTemplates xmlns="http://schemas.microsoft.com/sharepoint/v3/contenttype/forms">
+  <Display>DocumentLibraryForm</Display>
+  <Edit>DocumentLibraryForm</Edit>
+  <New>DocumentLibraryForm</New>
+</FormTemplates>
+</file>
+
+<file path=customXml/item2.xml><?xml version="1.0" encoding="utf-8"?>
 <p:properties xmlns:p="http://schemas.microsoft.com/office/2006/metadata/properties" xmlns:xsi="http://www.w3.org/2001/XMLSchema-instance" xmlns:pc="http://schemas.microsoft.com/office/infopath/2007/PartnerControls">
   <documentManagement/>
 </p:properties>
 </file>
 
-<file path=customXml/item2.xml><?xml version="1.0" encoding="utf-8"?>
+<file path=customXml/item3.xml><?xml version="1.0" encoding="utf-8"?>
 <ct:contentTypeSchema xmlns:ct="http://schemas.microsoft.com/office/2006/metadata/contentType" xmlns:ma="http://schemas.microsoft.com/office/2006/metadata/properties/metaAttributes" ct:_="" ma:_="" ma:contentTypeName="Document" ma:contentTypeID="0x010100408D9B56DBC0F946B589D2D06EB07491" ma:contentTypeVersion="9" ma:contentTypeDescription="Create a new document." ma:contentTypeScope="" ma:versionID="72925117ce10902377a4fd3b15b4275e">
   <xsd:schema xmlns:xsd="http://www.w3.org/2001/XMLSchema" xmlns:xs="http://www.w3.org/2001/XMLSchema" xmlns:p="http://schemas.microsoft.com/office/2006/metadata/properties" xmlns:ns3="e1e6b981-3388-4085-8b4d-aed3a4405682" targetNamespace="http://schemas.microsoft.com/office/2006/metadata/properties" ma:root="true" ma:fieldsID="4bccf2f2505254facb5bf30869f1fef3" ns3:_="">
     <xsd:import namespace="e1e6b981-3388-4085-8b4d-aed3a4405682"/>
@@ -5219,16 +6556,15 @@
 </ct:contentTypeSchema>
 </file>
 
-<file path=customXml/item3.xml><?xml version="1.0" encoding="utf-8"?>
-<?mso-contentType ?>
-<FormTemplates xmlns="http://schemas.microsoft.com/sharepoint/v3/contenttype/forms">
-  <Display>DocumentLibraryForm</Display>
-  <Edit>DocumentLibraryForm</Edit>
-  <New>DocumentLibraryForm</New>
-</FormTemplates>
+<file path=customXml/itemProps1.xml><?xml version="1.0" encoding="utf-8"?>
+<ds:datastoreItem xmlns:ds="http://schemas.openxmlformats.org/officeDocument/2006/customXml" ds:itemID="{2807F5AC-7818-4361-B0DB-A83890EB2E75}">
+  <ds:schemaRefs>
+    <ds:schemaRef ds:uri="http://schemas.microsoft.com/sharepoint/v3/contenttype/forms"/>
+  </ds:schemaRefs>
+</ds:datastoreItem>
 </file>
 
-<file path=customXml/itemProps1.xml><?xml version="1.0" encoding="utf-8"?>
+<file path=customXml/itemProps2.xml><?xml version="1.0" encoding="utf-8"?>
 <ds:datastoreItem xmlns:ds="http://schemas.openxmlformats.org/officeDocument/2006/customXml" ds:itemID="{493867F0-2241-488C-BF79-207A15E71B64}">
   <ds:schemaRefs>
     <ds:schemaRef ds:uri="http://schemas.microsoft.com/office/2006/documentManagement/types"/>
@@ -5244,7 +6580,7 @@
 </ds:datastoreItem>
 </file>
 
-<file path=customXml/itemProps2.xml><?xml version="1.0" encoding="utf-8"?>
+<file path=customXml/itemProps3.xml><?xml version="1.0" encoding="utf-8"?>
 <ds:datastoreItem xmlns:ds="http://schemas.openxmlformats.org/officeDocument/2006/customXml" ds:itemID="{02FB2D8B-64D5-48AA-A3DA-E860AC601765}">
   <ds:schemaRefs>
     <ds:schemaRef ds:uri="http://schemas.microsoft.com/office/2006/metadata/contentType"/>
@@ -5260,12 +6596,4 @@
     <ds:schemaRef ds:uri="http://schemas.microsoft.com/internal/obd"/>
   </ds:schemaRefs>
 </ds:datastoreItem>
-</file>
-
-<file path=customXml/itemProps3.xml><?xml version="1.0" encoding="utf-8"?>
-<ds:datastoreItem xmlns:ds="http://schemas.openxmlformats.org/officeDocument/2006/customXml" ds:itemID="{2807F5AC-7818-4361-B0DB-A83890EB2E75}">
-  <ds:schemaRefs>
-    <ds:schemaRef ds:uri="http://schemas.microsoft.com/sharepoint/v3/contenttype/forms"/>
-  </ds:schemaRefs>
-</ds:datastoreItem>
 </file>
--- a/Group Assignment 02 - Group E_Consolidated.pptx
+++ b/Group Assignment 02 - Group E_Consolidated.pptx
@@ -7,32 +7,35 @@
   <p:sldIdLst>
     <p:sldId id="256" r:id="rId5"/>
     <p:sldId id="281" r:id="rId6"/>
-    <p:sldId id="277" r:id="rId7"/>
-    <p:sldId id="278" r:id="rId8"/>
+    <p:sldId id="270" r:id="rId7"/>
+    <p:sldId id="292" r:id="rId8"/>
     <p:sldId id="266" r:id="rId9"/>
     <p:sldId id="267" r:id="rId10"/>
-    <p:sldId id="269" r:id="rId11"/>
-    <p:sldId id="288" r:id="rId12"/>
-    <p:sldId id="289" r:id="rId13"/>
-    <p:sldId id="290" r:id="rId14"/>
-    <p:sldId id="270" r:id="rId15"/>
-    <p:sldId id="282" r:id="rId16"/>
-    <p:sldId id="292" r:id="rId17"/>
-    <p:sldId id="283" r:id="rId18"/>
-    <p:sldId id="274" r:id="rId19"/>
-    <p:sldId id="258" r:id="rId20"/>
-    <p:sldId id="260" r:id="rId21"/>
-    <p:sldId id="291" r:id="rId22"/>
-    <p:sldId id="276" r:id="rId23"/>
-    <p:sldId id="280" r:id="rId24"/>
-    <p:sldId id="279" r:id="rId25"/>
-    <p:sldId id="286" r:id="rId26"/>
-    <p:sldId id="287" r:id="rId27"/>
-    <p:sldId id="285" r:id="rId28"/>
-    <p:sldId id="261" r:id="rId29"/>
-    <p:sldId id="262" r:id="rId30"/>
+    <p:sldId id="304" r:id="rId11"/>
+    <p:sldId id="297" r:id="rId12"/>
+    <p:sldId id="296" r:id="rId13"/>
+    <p:sldId id="295" r:id="rId14"/>
+    <p:sldId id="279" r:id="rId15"/>
+    <p:sldId id="305" r:id="rId16"/>
+    <p:sldId id="300" r:id="rId17"/>
+    <p:sldId id="301" r:id="rId18"/>
+    <p:sldId id="302" r:id="rId19"/>
+    <p:sldId id="303" r:id="rId20"/>
+    <p:sldId id="286" r:id="rId21"/>
+    <p:sldId id="298" r:id="rId22"/>
+    <p:sldId id="309" r:id="rId23"/>
+    <p:sldId id="291" r:id="rId24"/>
+    <p:sldId id="308" r:id="rId25"/>
+    <p:sldId id="307" r:id="rId26"/>
+    <p:sldId id="285" r:id="rId27"/>
+    <p:sldId id="261" r:id="rId28"/>
+    <p:sldId id="262" r:id="rId29"/>
+    <p:sldId id="310" r:id="rId30"/>
     <p:sldId id="257" r:id="rId31"/>
     <p:sldId id="264" r:id="rId32"/>
+    <p:sldId id="293" r:id="rId33"/>
+    <p:sldId id="277" r:id="rId34"/>
+    <p:sldId id="278" r:id="rId35"/>
   </p:sldIdLst>
   <p:sldSz cx="12192000" cy="6858000"/>
   <p:notesSz cx="6858000" cy="9144000"/>
@@ -291,7 +294,7 @@
           <a:p>
             <a:fld id="{7642B007-5679-420E-A7AF-15A1DC2BA7E7}" type="datetimeFigureOut">
               <a:rPr lang="es-ES" smtClean="0"/>
-              <a:t>05/08/2021</a:t>
+              <a:t>06/08/2021</a:t>
             </a:fld>
             <a:endParaRPr lang="es-ES"/>
           </a:p>
@@ -461,7 +464,7 @@
           <a:p>
             <a:fld id="{7642B007-5679-420E-A7AF-15A1DC2BA7E7}" type="datetimeFigureOut">
               <a:rPr lang="es-ES" smtClean="0"/>
-              <a:t>05/08/2021</a:t>
+              <a:t>06/08/2021</a:t>
             </a:fld>
             <a:endParaRPr lang="es-ES"/>
           </a:p>
@@ -641,7 +644,7 @@
           <a:p>
             <a:fld id="{7642B007-5679-420E-A7AF-15A1DC2BA7E7}" type="datetimeFigureOut">
               <a:rPr lang="es-ES" smtClean="0"/>
-              <a:t>05/08/2021</a:t>
+              <a:t>06/08/2021</a:t>
             </a:fld>
             <a:endParaRPr lang="es-ES"/>
           </a:p>
@@ -811,7 +814,7 @@
           <a:p>
             <a:fld id="{7642B007-5679-420E-A7AF-15A1DC2BA7E7}" type="datetimeFigureOut">
               <a:rPr lang="es-ES" smtClean="0"/>
-              <a:t>05/08/2021</a:t>
+              <a:t>06/08/2021</a:t>
             </a:fld>
             <a:endParaRPr lang="es-ES"/>
           </a:p>
@@ -1057,7 +1060,7 @@
           <a:p>
             <a:fld id="{7642B007-5679-420E-A7AF-15A1DC2BA7E7}" type="datetimeFigureOut">
               <a:rPr lang="es-ES" smtClean="0"/>
-              <a:t>05/08/2021</a:t>
+              <a:t>06/08/2021</a:t>
             </a:fld>
             <a:endParaRPr lang="es-ES"/>
           </a:p>
@@ -1289,7 +1292,7 @@
           <a:p>
             <a:fld id="{7642B007-5679-420E-A7AF-15A1DC2BA7E7}" type="datetimeFigureOut">
               <a:rPr lang="es-ES" smtClean="0"/>
-              <a:t>05/08/2021</a:t>
+              <a:t>06/08/2021</a:t>
             </a:fld>
             <a:endParaRPr lang="es-ES"/>
           </a:p>
@@ -1656,7 +1659,7 @@
           <a:p>
             <a:fld id="{7642B007-5679-420E-A7AF-15A1DC2BA7E7}" type="datetimeFigureOut">
               <a:rPr lang="es-ES" smtClean="0"/>
-              <a:t>05/08/2021</a:t>
+              <a:t>06/08/2021</a:t>
             </a:fld>
             <a:endParaRPr lang="es-ES"/>
           </a:p>
@@ -1774,7 +1777,7 @@
           <a:p>
             <a:fld id="{7642B007-5679-420E-A7AF-15A1DC2BA7E7}" type="datetimeFigureOut">
               <a:rPr lang="es-ES" smtClean="0"/>
-              <a:t>05/08/2021</a:t>
+              <a:t>06/08/2021</a:t>
             </a:fld>
             <a:endParaRPr lang="es-ES"/>
           </a:p>
@@ -1869,7 +1872,7 @@
           <a:p>
             <a:fld id="{7642B007-5679-420E-A7AF-15A1DC2BA7E7}" type="datetimeFigureOut">
               <a:rPr lang="es-ES" smtClean="0"/>
-              <a:t>05/08/2021</a:t>
+              <a:t>06/08/2021</a:t>
             </a:fld>
             <a:endParaRPr lang="es-ES"/>
           </a:p>
@@ -2146,7 +2149,7 @@
           <a:p>
             <a:fld id="{7642B007-5679-420E-A7AF-15A1DC2BA7E7}" type="datetimeFigureOut">
               <a:rPr lang="es-ES" smtClean="0"/>
-              <a:t>05/08/2021</a:t>
+              <a:t>06/08/2021</a:t>
             </a:fld>
             <a:endParaRPr lang="es-ES"/>
           </a:p>
@@ -2399,7 +2402,7 @@
           <a:p>
             <a:fld id="{7642B007-5679-420E-A7AF-15A1DC2BA7E7}" type="datetimeFigureOut">
               <a:rPr lang="es-ES" smtClean="0"/>
-              <a:t>05/08/2021</a:t>
+              <a:t>06/08/2021</a:t>
             </a:fld>
             <a:endParaRPr lang="es-ES"/>
           </a:p>
@@ -2617,7 +2620,7 @@
           <a:p>
             <a:fld id="{7642B007-5679-420E-A7AF-15A1DC2BA7E7}" type="datetimeFigureOut">
               <a:rPr lang="es-ES" smtClean="0"/>
-              <a:t>05/08/2021</a:t>
+              <a:t>06/08/2021</a:t>
             </a:fld>
             <a:endParaRPr lang="es-ES"/>
           </a:p>
@@ -3244,12 +3247,92 @@
           <a:chExt cx="0" cy="0"/>
         </a:xfrm>
       </p:grpSpPr>
+      <p:sp>
+        <p:nvSpPr>
+          <p:cNvPr id="2" name="Title 1">
+            <a:extLst>
+              <a:ext uri="{FF2B5EF4-FFF2-40B4-BE49-F238E27FC236}">
+                <a16:creationId xmlns:a16="http://schemas.microsoft.com/office/drawing/2014/main" id="{E9F70449-1B9D-4C21-9E54-033876571A8D}"/>
+              </a:ext>
+            </a:extLst>
+          </p:cNvPr>
+          <p:cNvSpPr>
+            <a:spLocks noGrp="1"/>
+          </p:cNvSpPr>
+          <p:nvPr>
+            <p:ph type="title"/>
+          </p:nvPr>
+        </p:nvSpPr>
+        <p:spPr/>
+        <p:txBody>
+          <a:bodyPr/>
+          <a:lstStyle/>
+          <a:p>
+            <a:r>
+              <a:rPr lang="en-US" dirty="0"/>
+              <a:t>Smoking </a:t>
+            </a:r>
+          </a:p>
+        </p:txBody>
+      </p:sp>
+      <p:sp>
+        <p:nvSpPr>
+          <p:cNvPr id="7" name="Rectangle 6">
+            <a:extLst>
+              <a:ext uri="{FF2B5EF4-FFF2-40B4-BE49-F238E27FC236}">
+                <a16:creationId xmlns:a16="http://schemas.microsoft.com/office/drawing/2014/main" id="{B369E7D2-071E-45E1-8C39-A5A0B26B4A6D}"/>
+              </a:ext>
+            </a:extLst>
+          </p:cNvPr>
+          <p:cNvSpPr/>
+          <p:nvPr/>
+        </p:nvSpPr>
+        <p:spPr>
+          <a:xfrm>
+            <a:off x="11411767" y="1172889"/>
+            <a:ext cx="123825" cy="195263"/>
+          </a:xfrm>
+          <a:prstGeom prst="rect">
+            <a:avLst/>
+          </a:prstGeom>
+          <a:solidFill>
+            <a:schemeClr val="bg1"/>
+          </a:solidFill>
+          <a:ln>
+            <a:noFill/>
+          </a:ln>
+        </p:spPr>
+        <p:style>
+          <a:lnRef idx="2">
+            <a:schemeClr val="accent1">
+              <a:shade val="50000"/>
+            </a:schemeClr>
+          </a:lnRef>
+          <a:fillRef idx="1">
+            <a:schemeClr val="accent1"/>
+          </a:fillRef>
+          <a:effectRef idx="0">
+            <a:schemeClr val="accent1"/>
+          </a:effectRef>
+          <a:fontRef idx="minor">
+            <a:schemeClr val="lt1"/>
+          </a:fontRef>
+        </p:style>
+        <p:txBody>
+          <a:bodyPr rtlCol="0" anchor="ctr"/>
+          <a:lstStyle/>
+          <a:p>
+            <a:pPr algn="ctr"/>
+            <a:endParaRPr lang="en-US"/>
+          </a:p>
+        </p:txBody>
+      </p:sp>
       <p:pic>
         <p:nvPicPr>
-          <p:cNvPr id="5" name="slide5" descr="Estimated road traffic death rate ">
+          <p:cNvPr id="9" name="slide2">
             <a:extLst>
               <a:ext uri="{FF2B5EF4-FFF2-40B4-BE49-F238E27FC236}">
-                <a16:creationId xmlns:a16="http://schemas.microsoft.com/office/drawing/2014/main" id="{AEE2CF51-4A2A-4166-B94D-A1607A53385A}"/>
+                <a16:creationId xmlns:a16="http://schemas.microsoft.com/office/drawing/2014/main" id="{B2A95B60-0380-41DD-A1CA-AFF6408D5E88}"/>
               </a:ext>
             </a:extLst>
           </p:cNvPr>
@@ -3258,7 +3341,7 @@
           </p:cNvPicPr>
           <p:nvPr/>
         </p:nvPicPr>
-        <p:blipFill>
+        <p:blipFill rotWithShape="1">
           <a:blip r:embed="rId2">
             <a:extLst>
               <a:ext uri="{28A0092B-C50C-407E-A947-70E740481C1C}">
@@ -3266,24 +3349,84 @@
               </a:ext>
             </a:extLst>
           </a:blip>
-          <a:stretch>
-            <a:fillRect/>
-          </a:stretch>
+          <a:srcRect b="12661"/>
+          <a:stretch/>
         </p:blipFill>
         <p:spPr>
           <a:xfrm>
-            <a:off x="168116" y="0"/>
-            <a:ext cx="11855767" cy="6858000"/>
+            <a:off x="4267200" y="21231"/>
+            <a:ext cx="7580383" cy="6836769"/>
           </a:xfrm>
           <a:prstGeom prst="rect">
             <a:avLst/>
           </a:prstGeom>
+          <a:ln w="38100">
+            <a:solidFill>
+              <a:schemeClr val="bg1"/>
+            </a:solidFill>
+          </a:ln>
         </p:spPr>
       </p:pic>
+      <p:sp>
+        <p:nvSpPr>
+          <p:cNvPr id="10" name="TextBox 9">
+            <a:extLst>
+              <a:ext uri="{FF2B5EF4-FFF2-40B4-BE49-F238E27FC236}">
+                <a16:creationId xmlns:a16="http://schemas.microsoft.com/office/drawing/2014/main" id="{B34F487A-8A0A-4A5B-B354-2DB698BDC537}"/>
+              </a:ext>
+            </a:extLst>
+          </p:cNvPr>
+          <p:cNvSpPr txBox="1"/>
+          <p:nvPr/>
+        </p:nvSpPr>
+        <p:spPr>
+          <a:xfrm>
+            <a:off x="838200" y="2720230"/>
+            <a:ext cx="2457943" cy="1328023"/>
+          </a:xfrm>
+          <a:prstGeom prst="roundRect">
+            <a:avLst/>
+          </a:prstGeom>
+          <a:noFill/>
+          <a:ln w="28575"/>
+        </p:spPr>
+        <p:style>
+          <a:lnRef idx="2">
+            <a:schemeClr val="accent6"/>
+          </a:lnRef>
+          <a:fillRef idx="1">
+            <a:schemeClr val="lt1"/>
+          </a:fillRef>
+          <a:effectRef idx="0">
+            <a:schemeClr val="accent6"/>
+          </a:effectRef>
+          <a:fontRef idx="minor">
+            <a:schemeClr val="dk1"/>
+          </a:fontRef>
+        </p:style>
+        <p:txBody>
+          <a:bodyPr wrap="square" rtlCol="0">
+            <a:spAutoFit/>
+          </a:bodyPr>
+          <a:lstStyle/>
+          <a:p>
+            <a:r>
+              <a:rPr lang="en-US" dirty="0"/>
+              <a:t>Oceania leads with 48.15% male smokers</a:t>
+            </a:r>
+          </a:p>
+          <a:p>
+            <a:r>
+              <a:rPr lang="en-US" dirty="0"/>
+              <a:t>North America has the fewest male smokers</a:t>
+            </a:r>
+          </a:p>
+        </p:txBody>
+      </p:sp>
     </p:spTree>
     <p:extLst>
       <p:ext uri="{BB962C8B-B14F-4D97-AF65-F5344CB8AC3E}">
-        <p14:creationId xmlns:p14="http://schemas.microsoft.com/office/powerpoint/2010/main" val="4066990134"/>
+        <p14:creationId xmlns:p14="http://schemas.microsoft.com/office/powerpoint/2010/main" val="1478326587"/>
       </p:ext>
     </p:extLst>
   </p:cSld>
@@ -3310,12 +3453,40 @@
           <a:chExt cx="0" cy="0"/>
         </a:xfrm>
       </p:grpSpPr>
+      <p:sp>
+        <p:nvSpPr>
+          <p:cNvPr id="2" name="Title 1">
+            <a:extLst>
+              <a:ext uri="{FF2B5EF4-FFF2-40B4-BE49-F238E27FC236}">
+                <a16:creationId xmlns:a16="http://schemas.microsoft.com/office/drawing/2014/main" id="{F5A7A535-B9A5-42D1-A33C-381E8D6F22AB}"/>
+              </a:ext>
+            </a:extLst>
+          </p:cNvPr>
+          <p:cNvSpPr>
+            <a:spLocks noGrp="1"/>
+          </p:cNvSpPr>
+          <p:nvPr>
+            <p:ph type="title"/>
+          </p:nvPr>
+        </p:nvSpPr>
+        <p:spPr/>
+        <p:txBody>
+          <a:bodyPr/>
+          <a:lstStyle/>
+          <a:p>
+            <a:r>
+              <a:rPr lang="en-US" dirty="0"/>
+              <a:t>Road Traffic Safety</a:t>
+            </a:r>
+          </a:p>
+        </p:txBody>
+      </p:sp>
       <p:pic>
         <p:nvPicPr>
-          <p:cNvPr id="2" name="Picture 1">
+          <p:cNvPr id="4" name="slide2" descr="Estimated Road Traffic Death Rate 1">
             <a:extLst>
               <a:ext uri="{FF2B5EF4-FFF2-40B4-BE49-F238E27FC236}">
-                <a16:creationId xmlns:a16="http://schemas.microsoft.com/office/drawing/2014/main" id="{B9A6EAB7-5F3E-4190-9437-36EF9981CE5A}"/>
+                <a16:creationId xmlns:a16="http://schemas.microsoft.com/office/drawing/2014/main" id="{705C8EDF-4598-4520-9ABF-18FF62F3F6B5}"/>
               </a:ext>
             </a:extLst>
           </p:cNvPr>
@@ -3324,26 +3495,84 @@
           </p:cNvPicPr>
           <p:nvPr/>
         </p:nvPicPr>
-        <p:blipFill>
-          <a:blip r:embed="rId2"/>
-          <a:stretch>
-            <a:fillRect/>
-          </a:stretch>
+        <p:blipFill rotWithShape="1">
+          <a:blip r:embed="rId2">
+            <a:extLst>
+              <a:ext uri="{28A0092B-C50C-407E-A947-70E740481C1C}">
+                <a14:useLocalDpi xmlns:a14="http://schemas.microsoft.com/office/drawing/2010/main" val="0"/>
+              </a:ext>
+            </a:extLst>
+          </a:blip>
+          <a:srcRect b="4465"/>
+          <a:stretch/>
         </p:blipFill>
         <p:spPr>
           <a:xfrm>
-            <a:off x="381000" y="0"/>
-            <a:ext cx="11430000" cy="6858000"/>
+            <a:off x="4210050" y="1450564"/>
+            <a:ext cx="7810500" cy="5202650"/>
           </a:xfrm>
           <a:prstGeom prst="rect">
             <a:avLst/>
           </a:prstGeom>
         </p:spPr>
       </p:pic>
+      <p:sp>
+        <p:nvSpPr>
+          <p:cNvPr id="5" name="TextBox 4">
+            <a:extLst>
+              <a:ext uri="{FF2B5EF4-FFF2-40B4-BE49-F238E27FC236}">
+                <a16:creationId xmlns:a16="http://schemas.microsoft.com/office/drawing/2014/main" id="{12092E37-4437-4184-BACA-E280D5229BA1}"/>
+              </a:ext>
+            </a:extLst>
+          </p:cNvPr>
+          <p:cNvSpPr txBox="1"/>
+          <p:nvPr/>
+        </p:nvSpPr>
+        <p:spPr>
+          <a:xfrm>
+            <a:off x="1047750" y="3030333"/>
+            <a:ext cx="2457943" cy="1021556"/>
+          </a:xfrm>
+          <a:prstGeom prst="roundRect">
+            <a:avLst/>
+          </a:prstGeom>
+          <a:noFill/>
+          <a:ln w="28575"/>
+        </p:spPr>
+        <p:style>
+          <a:lnRef idx="2">
+            <a:schemeClr val="accent6"/>
+          </a:lnRef>
+          <a:fillRef idx="1">
+            <a:schemeClr val="lt1"/>
+          </a:fillRef>
+          <a:effectRef idx="0">
+            <a:schemeClr val="accent6"/>
+          </a:effectRef>
+          <a:fontRef idx="minor">
+            <a:schemeClr val="dk1"/>
+          </a:fontRef>
+        </p:style>
+        <p:txBody>
+          <a:bodyPr wrap="square" rtlCol="0">
+            <a:spAutoFit/>
+          </a:bodyPr>
+          <a:lstStyle/>
+          <a:p>
+            <a:pPr marL="0" indent="0" algn="ctr">
+              <a:buNone/>
+            </a:pPr>
+            <a:r>
+              <a:rPr lang="en-US" dirty="0"/>
+              <a:t>Asia has the most variability, South America has the least.</a:t>
+            </a:r>
+          </a:p>
+        </p:txBody>
+      </p:sp>
     </p:spTree>
     <p:extLst>
       <p:ext uri="{BB962C8B-B14F-4D97-AF65-F5344CB8AC3E}">
-        <p14:creationId xmlns:p14="http://schemas.microsoft.com/office/powerpoint/2010/main" val="1176847218"/>
+        <p14:creationId xmlns:p14="http://schemas.microsoft.com/office/powerpoint/2010/main" val="4216190513"/>
       </p:ext>
     </p:extLst>
   </p:cSld>
@@ -3370,46 +3599,65 @@
           <a:chExt cx="0" cy="0"/>
         </a:xfrm>
       </p:grpSpPr>
-      <p:pic>
-        <p:nvPicPr>
-          <p:cNvPr id="2" name="slide2" descr="Sheet 1">
+      <p:sp>
+        <p:nvSpPr>
+          <p:cNvPr id="2" name="Title 1">
             <a:extLst>
               <a:ext uri="{FF2B5EF4-FFF2-40B4-BE49-F238E27FC236}">
-                <a16:creationId xmlns:a16="http://schemas.microsoft.com/office/drawing/2014/main" id="{66FA1F59-4904-4037-95BD-5199394E079F}"/>
+                <a16:creationId xmlns:a16="http://schemas.microsoft.com/office/drawing/2014/main" id="{A18D61B1-B592-472A-A60A-0777B4D90EAF}"/>
               </a:ext>
             </a:extLst>
           </p:cNvPr>
-          <p:cNvPicPr>
-            <a:picLocks noChangeAspect="1"/>
-          </p:cNvPicPr>
-          <p:nvPr/>
-        </p:nvPicPr>
-        <p:blipFill>
-          <a:blip r:embed="rId2">
-            <a:extLst>
-              <a:ext uri="{28A0092B-C50C-407E-A947-70E740481C1C}">
-                <a14:useLocalDpi xmlns:a14="http://schemas.microsoft.com/office/drawing/2010/main" val="0"/>
-              </a:ext>
-            </a:extLst>
-          </a:blip>
-          <a:stretch>
-            <a:fillRect/>
-          </a:stretch>
-        </p:blipFill>
-        <p:spPr>
-          <a:xfrm>
-            <a:off x="243257" y="0"/>
-            <a:ext cx="11705486" cy="6858000"/>
-          </a:xfrm>
-          <a:prstGeom prst="rect">
-            <a:avLst/>
-          </a:prstGeom>
-        </p:spPr>
-      </p:pic>
+          <p:cNvSpPr>
+            <a:spLocks noGrp="1"/>
+          </p:cNvSpPr>
+          <p:nvPr>
+            <p:ph type="title"/>
+          </p:nvPr>
+        </p:nvSpPr>
+        <p:spPr/>
+        <p:txBody>
+          <a:bodyPr>
+            <a:normAutofit/>
+          </a:bodyPr>
+          <a:lstStyle/>
+          <a:p>
+            <a:r>
+              <a:rPr lang="en-US" sz="4800" dirty="0"/>
+              <a:t>Disease, Mortality, and Life Expectancy</a:t>
+            </a:r>
+          </a:p>
+        </p:txBody>
+      </p:sp>
+      <p:sp>
+        <p:nvSpPr>
+          <p:cNvPr id="3" name="Text Placeholder 2">
+            <a:extLst>
+              <a:ext uri="{FF2B5EF4-FFF2-40B4-BE49-F238E27FC236}">
+                <a16:creationId xmlns:a16="http://schemas.microsoft.com/office/drawing/2014/main" id="{5EEFC718-A6B9-4D6F-8A83-FCD34CDF69A0}"/>
+              </a:ext>
+            </a:extLst>
+          </p:cNvPr>
+          <p:cNvSpPr>
+            <a:spLocks noGrp="1"/>
+          </p:cNvSpPr>
+          <p:nvPr>
+            <p:ph type="body" idx="1"/>
+          </p:nvPr>
+        </p:nvSpPr>
+        <p:spPr/>
+        <p:txBody>
+          <a:bodyPr/>
+          <a:lstStyle/>
+          <a:p>
+            <a:endParaRPr lang="en-US"/>
+          </a:p>
+        </p:txBody>
+      </p:sp>
     </p:spTree>
     <p:extLst>
       <p:ext uri="{BB962C8B-B14F-4D97-AF65-F5344CB8AC3E}">
-        <p14:creationId xmlns:p14="http://schemas.microsoft.com/office/powerpoint/2010/main" val="2728772144"/>
+        <p14:creationId xmlns:p14="http://schemas.microsoft.com/office/powerpoint/2010/main" val="1439209708"/>
       </p:ext>
     </p:extLst>
   </p:cSld>
@@ -3441,7 +3689,7 @@
           <p:cNvPr id="2" name="Title 1">
             <a:extLst>
               <a:ext uri="{FF2B5EF4-FFF2-40B4-BE49-F238E27FC236}">
-                <a16:creationId xmlns:a16="http://schemas.microsoft.com/office/drawing/2014/main" id="{0250D1CE-45B9-4943-A6D8-73321CDD5416}"/>
+                <a16:creationId xmlns:a16="http://schemas.microsoft.com/office/drawing/2014/main" id="{0579CD8B-049F-45D7-9C23-42163C97A6DE}"/>
               </a:ext>
             </a:extLst>
           </p:cNvPr>
@@ -3459,40 +3707,50 @@
           <a:p>
             <a:r>
               <a:rPr lang="en-US" dirty="0"/>
-              <a:t>Global Overview</a:t>
-            </a:r>
-          </a:p>
-        </p:txBody>
-      </p:sp>
-      <p:sp>
-        <p:nvSpPr>
-          <p:cNvPr id="3" name="Text Placeholder 2">
+              <a:t>Disease and Mortality</a:t>
+            </a:r>
+          </a:p>
+        </p:txBody>
+      </p:sp>
+      <p:pic>
+        <p:nvPicPr>
+          <p:cNvPr id="4" name="slide2" descr="Communicable Diseases Worldwide (2)">
             <a:extLst>
               <a:ext uri="{FF2B5EF4-FFF2-40B4-BE49-F238E27FC236}">
-                <a16:creationId xmlns:a16="http://schemas.microsoft.com/office/drawing/2014/main" id="{3B5E0657-649F-4545-B944-A9FDC2438FB6}"/>
+                <a16:creationId xmlns:a16="http://schemas.microsoft.com/office/drawing/2014/main" id="{1196E44E-A5C0-4B61-9FAC-3209C1144444}"/>
               </a:ext>
             </a:extLst>
           </p:cNvPr>
-          <p:cNvSpPr>
-            <a:spLocks noGrp="1"/>
-          </p:cNvSpPr>
-          <p:nvPr>
-            <p:ph type="body" idx="1"/>
-          </p:nvPr>
-        </p:nvSpPr>
-        <p:spPr/>
-        <p:txBody>
-          <a:bodyPr/>
-          <a:lstStyle/>
-          <a:p>
-            <a:endParaRPr lang="en-US"/>
-          </a:p>
-        </p:txBody>
-      </p:sp>
+          <p:cNvPicPr>
+            <a:picLocks noChangeAspect="1"/>
+          </p:cNvPicPr>
+          <p:nvPr/>
+        </p:nvPicPr>
+        <p:blipFill rotWithShape="1">
+          <a:blip r:embed="rId2">
+            <a:extLst>
+              <a:ext uri="{28A0092B-C50C-407E-A947-70E740481C1C}">
+                <a14:useLocalDpi xmlns:a14="http://schemas.microsoft.com/office/drawing/2010/main" val="0"/>
+              </a:ext>
+            </a:extLst>
+          </a:blip>
+          <a:srcRect b="4861"/>
+          <a:stretch/>
+        </p:blipFill>
+        <p:spPr>
+          <a:xfrm>
+            <a:off x="1505242" y="1473176"/>
+            <a:ext cx="9181515" cy="5056236"/>
+          </a:xfrm>
+          <a:prstGeom prst="rect">
+            <a:avLst/>
+          </a:prstGeom>
+        </p:spPr>
+      </p:pic>
     </p:spTree>
     <p:extLst>
       <p:ext uri="{BB962C8B-B14F-4D97-AF65-F5344CB8AC3E}">
-        <p14:creationId xmlns:p14="http://schemas.microsoft.com/office/powerpoint/2010/main" val="1101572309"/>
+        <p14:creationId xmlns:p14="http://schemas.microsoft.com/office/powerpoint/2010/main" val="2488347157"/>
       </p:ext>
     </p:extLst>
   </p:cSld>
@@ -3519,46 +3777,207 @@
           <a:chExt cx="0" cy="0"/>
         </a:xfrm>
       </p:grpSpPr>
-      <p:pic>
-        <p:nvPicPr>
-          <p:cNvPr id="2" name="slide2" descr="Sheet 1">
+      <p:sp>
+        <p:nvSpPr>
+          <p:cNvPr id="2" name="Title 1">
             <a:extLst>
               <a:ext uri="{FF2B5EF4-FFF2-40B4-BE49-F238E27FC236}">
-                <a16:creationId xmlns:a16="http://schemas.microsoft.com/office/drawing/2014/main" id="{DC1F3E35-6712-4F3A-B93A-07D206B46651}"/>
+                <a16:creationId xmlns:a16="http://schemas.microsoft.com/office/drawing/2014/main" id="{F1E67889-3862-4911-8A33-0815AA079184}"/>
               </a:ext>
             </a:extLst>
           </p:cNvPr>
-          <p:cNvPicPr>
-            <a:picLocks noChangeAspect="1"/>
-          </p:cNvPicPr>
-          <p:nvPr/>
-        </p:nvPicPr>
-        <p:blipFill>
-          <a:blip r:embed="rId2">
-            <a:extLst>
-              <a:ext uri="{28A0092B-C50C-407E-A947-70E740481C1C}">
-                <a14:useLocalDpi xmlns:a14="http://schemas.microsoft.com/office/drawing/2010/main" val="0"/>
-              </a:ext>
-            </a:extLst>
-          </a:blip>
-          <a:stretch>
-            <a:fillRect/>
-          </a:stretch>
-        </p:blipFill>
+          <p:cNvSpPr>
+            <a:spLocks noGrp="1"/>
+          </p:cNvSpPr>
+          <p:nvPr>
+            <p:ph type="title"/>
+          </p:nvPr>
+        </p:nvSpPr>
         <p:spPr>
           <a:xfrm>
-            <a:off x="3128962" y="652462"/>
-            <a:ext cx="5934075" cy="5553075"/>
+            <a:off x="838200" y="18255"/>
+            <a:ext cx="10515600" cy="1325563"/>
           </a:xfrm>
-          <a:prstGeom prst="rect">
-            <a:avLst/>
-          </a:prstGeom>
         </p:spPr>
-      </p:pic>
+        <p:txBody>
+          <a:bodyPr/>
+          <a:lstStyle/>
+          <a:p>
+            <a:r>
+              <a:rPr lang="en-US" dirty="0"/>
+              <a:t>Disease and Mortality</a:t>
+            </a:r>
+          </a:p>
+        </p:txBody>
+      </p:sp>
+      <p:grpSp>
+        <p:nvGrpSpPr>
+          <p:cNvPr id="4" name="Group 3">
+            <a:extLst>
+              <a:ext uri="{FF2B5EF4-FFF2-40B4-BE49-F238E27FC236}">
+                <a16:creationId xmlns:a16="http://schemas.microsoft.com/office/drawing/2014/main" id="{E07B7725-A924-4EC6-96D6-21E7D10EE850}"/>
+              </a:ext>
+            </a:extLst>
+          </p:cNvPr>
+          <p:cNvGrpSpPr/>
+          <p:nvPr/>
+        </p:nvGrpSpPr>
+        <p:grpSpPr>
+          <a:xfrm>
+            <a:off x="942975" y="914401"/>
+            <a:ext cx="9816465" cy="5943600"/>
+            <a:chOff x="3526407" y="1863090"/>
+            <a:chExt cx="7507353" cy="4419600"/>
+          </a:xfrm>
+        </p:grpSpPr>
+        <p:grpSp>
+          <p:nvGrpSpPr>
+            <p:cNvPr id="5" name="Group 4">
+              <a:extLst>
+                <a:ext uri="{FF2B5EF4-FFF2-40B4-BE49-F238E27FC236}">
+                  <a16:creationId xmlns:a16="http://schemas.microsoft.com/office/drawing/2014/main" id="{467472A5-7E82-43F5-ADD8-764C70549D3A}"/>
+                </a:ext>
+              </a:extLst>
+            </p:cNvPr>
+            <p:cNvGrpSpPr/>
+            <p:nvPr/>
+          </p:nvGrpSpPr>
+          <p:grpSpPr>
+            <a:xfrm>
+              <a:off x="3526407" y="1863090"/>
+              <a:ext cx="7507353" cy="4419600"/>
+              <a:chOff x="3320667" y="1703070"/>
+              <a:chExt cx="7507353" cy="4419600"/>
+            </a:xfrm>
+          </p:grpSpPr>
+          <p:pic>
+            <p:nvPicPr>
+              <p:cNvPr id="7" name="slide2" descr="Sheet 1">
+                <a:extLst>
+                  <a:ext uri="{FF2B5EF4-FFF2-40B4-BE49-F238E27FC236}">
+                    <a16:creationId xmlns:a16="http://schemas.microsoft.com/office/drawing/2014/main" id="{CD965946-A8C3-41BD-AC31-0FB96E7F3004}"/>
+                  </a:ext>
+                </a:extLst>
+              </p:cNvPr>
+              <p:cNvPicPr>
+                <a:picLocks noChangeAspect="1"/>
+              </p:cNvPicPr>
+              <p:nvPr/>
+            </p:nvPicPr>
+            <p:blipFill rotWithShape="1">
+              <a:blip r:embed="rId2">
+                <a:extLst>
+                  <a:ext uri="{28A0092B-C50C-407E-A947-70E740481C1C}">
+                    <a14:useLocalDpi xmlns:a14="http://schemas.microsoft.com/office/drawing/2010/main" val="0"/>
+                  </a:ext>
+                </a:extLst>
+              </a:blip>
+              <a:srcRect r="10985" b="10556"/>
+              <a:stretch/>
+            </p:blipFill>
+            <p:spPr>
+              <a:xfrm>
+                <a:off x="3320667" y="1703070"/>
+                <a:ext cx="7507353" cy="4419600"/>
+              </a:xfrm>
+              <a:prstGeom prst="rect">
+                <a:avLst/>
+              </a:prstGeom>
+            </p:spPr>
+          </p:pic>
+          <p:sp>
+            <p:nvSpPr>
+              <p:cNvPr id="8" name="Rectangle 7">
+                <a:extLst>
+                  <a:ext uri="{FF2B5EF4-FFF2-40B4-BE49-F238E27FC236}">
+                    <a16:creationId xmlns:a16="http://schemas.microsoft.com/office/drawing/2014/main" id="{0E189E4A-002B-42ED-9C21-9016BDEA61E3}"/>
+                  </a:ext>
+                </a:extLst>
+              </p:cNvPr>
+              <p:cNvSpPr/>
+              <p:nvPr/>
+            </p:nvSpPr>
+            <p:spPr>
+              <a:xfrm>
+                <a:off x="9982200" y="1948338"/>
+                <a:ext cx="845820" cy="708660"/>
+              </a:xfrm>
+              <a:prstGeom prst="rect">
+                <a:avLst/>
+              </a:prstGeom>
+              <a:solidFill>
+                <a:schemeClr val="bg1"/>
+              </a:solidFill>
+              <a:ln>
+                <a:noFill/>
+              </a:ln>
+            </p:spPr>
+            <p:style>
+              <a:lnRef idx="2">
+                <a:schemeClr val="accent1">
+                  <a:shade val="50000"/>
+                </a:schemeClr>
+              </a:lnRef>
+              <a:fillRef idx="1">
+                <a:schemeClr val="accent1"/>
+              </a:fillRef>
+              <a:effectRef idx="0">
+                <a:schemeClr val="accent1"/>
+              </a:effectRef>
+              <a:fontRef idx="minor">
+                <a:schemeClr val="lt1"/>
+              </a:fontRef>
+            </p:style>
+            <p:txBody>
+              <a:bodyPr rtlCol="0" anchor="ctr"/>
+              <a:lstStyle/>
+              <a:p>
+                <a:pPr algn="ctr"/>
+                <a:endParaRPr lang="en-US"/>
+              </a:p>
+            </p:txBody>
+          </p:sp>
+        </p:grpSp>
+        <p:pic>
+          <p:nvPicPr>
+            <p:cNvPr id="6" name="slide2" descr="Sheet 1">
+              <a:extLst>
+                <a:ext uri="{FF2B5EF4-FFF2-40B4-BE49-F238E27FC236}">
+                  <a16:creationId xmlns:a16="http://schemas.microsoft.com/office/drawing/2014/main" id="{642A95CB-5790-4FED-A62F-77B976B4B33F}"/>
+                </a:ext>
+              </a:extLst>
+            </p:cNvPr>
+            <p:cNvPicPr>
+              <a:picLocks noChangeAspect="1"/>
+            </p:cNvPicPr>
+            <p:nvPr/>
+          </p:nvPicPr>
+          <p:blipFill rotWithShape="1">
+            <a:blip r:embed="rId2">
+              <a:extLst>
+                <a:ext uri="{28A0092B-C50C-407E-A947-70E740481C1C}">
+                  <a14:useLocalDpi xmlns:a14="http://schemas.microsoft.com/office/drawing/2010/main" val="0"/>
+                </a:ext>
+              </a:extLst>
+            </a:blip>
+            <a:srcRect l="78987" t="19306" r="10984" b="10556"/>
+            <a:stretch/>
+          </p:blipFill>
+          <p:spPr>
+            <a:xfrm>
+              <a:off x="10187940" y="2108358"/>
+              <a:ext cx="845820" cy="3465672"/>
+            </a:xfrm>
+            <a:prstGeom prst="rect">
+              <a:avLst/>
+            </a:prstGeom>
+          </p:spPr>
+        </p:pic>
+      </p:grpSp>
     </p:spTree>
     <p:extLst>
       <p:ext uri="{BB962C8B-B14F-4D97-AF65-F5344CB8AC3E}">
-        <p14:creationId xmlns:p14="http://schemas.microsoft.com/office/powerpoint/2010/main" val="3135730606"/>
+        <p14:creationId xmlns:p14="http://schemas.microsoft.com/office/powerpoint/2010/main" val="3109067916"/>
       </p:ext>
     </p:extLst>
   </p:cSld>
@@ -3585,12 +4004,45 @@
           <a:chExt cx="0" cy="0"/>
         </a:xfrm>
       </p:grpSpPr>
+      <p:sp>
+        <p:nvSpPr>
+          <p:cNvPr id="2" name="Title 1">
+            <a:extLst>
+              <a:ext uri="{FF2B5EF4-FFF2-40B4-BE49-F238E27FC236}">
+                <a16:creationId xmlns:a16="http://schemas.microsoft.com/office/drawing/2014/main" id="{F1E67889-3862-4911-8A33-0815AA079184}"/>
+              </a:ext>
+            </a:extLst>
+          </p:cNvPr>
+          <p:cNvSpPr>
+            <a:spLocks noGrp="1"/>
+          </p:cNvSpPr>
+          <p:nvPr>
+            <p:ph type="title"/>
+          </p:nvPr>
+        </p:nvSpPr>
+        <p:spPr>
+          <a:xfrm>
+            <a:off x="838200" y="0"/>
+            <a:ext cx="10515600" cy="1325563"/>
+          </a:xfrm>
+        </p:spPr>
+        <p:txBody>
+          <a:bodyPr/>
+          <a:lstStyle/>
+          <a:p>
+            <a:r>
+              <a:rPr lang="en-US" dirty="0"/>
+              <a:t>Disease and Mortality</a:t>
+            </a:r>
+          </a:p>
+        </p:txBody>
+      </p:sp>
       <p:pic>
         <p:nvPicPr>
-          <p:cNvPr id="3" name="slide2" descr="Sheet 3 (3)">
+          <p:cNvPr id="4" name="slide3">
             <a:extLst>
               <a:ext uri="{FF2B5EF4-FFF2-40B4-BE49-F238E27FC236}">
-                <a16:creationId xmlns:a16="http://schemas.microsoft.com/office/drawing/2014/main" id="{B8F28497-3430-47D0-B512-15E9519C5497}"/>
+                <a16:creationId xmlns:a16="http://schemas.microsoft.com/office/drawing/2014/main" id="{F75074B4-3A62-4321-826C-E3E23A17CE78}"/>
               </a:ext>
             </a:extLst>
           </p:cNvPr>
@@ -3607,13 +4059,13 @@
               </a:ext>
             </a:extLst>
           </a:blip>
-          <a:srcRect b="11193"/>
+          <a:srcRect b="7639"/>
           <a:stretch/>
         </p:blipFill>
         <p:spPr>
           <a:xfrm>
-            <a:off x="5097984" y="318781"/>
-            <a:ext cx="6727421" cy="6090407"/>
+            <a:off x="823804" y="1000125"/>
+            <a:ext cx="10529996" cy="5857875"/>
           </a:xfrm>
           <a:prstGeom prst="rect">
             <a:avLst/>
@@ -3623,7 +4075,7 @@
     </p:spTree>
     <p:extLst>
       <p:ext uri="{BB962C8B-B14F-4D97-AF65-F5344CB8AC3E}">
-        <p14:creationId xmlns:p14="http://schemas.microsoft.com/office/powerpoint/2010/main" val="465307269"/>
+        <p14:creationId xmlns:p14="http://schemas.microsoft.com/office/powerpoint/2010/main" val="1809084514"/>
       </p:ext>
     </p:extLst>
   </p:cSld>
@@ -3650,12 +4102,45 @@
           <a:chExt cx="0" cy="0"/>
         </a:xfrm>
       </p:grpSpPr>
+      <p:sp>
+        <p:nvSpPr>
+          <p:cNvPr id="2" name="Title 1">
+            <a:extLst>
+              <a:ext uri="{FF2B5EF4-FFF2-40B4-BE49-F238E27FC236}">
+                <a16:creationId xmlns:a16="http://schemas.microsoft.com/office/drawing/2014/main" id="{F1E67889-3862-4911-8A33-0815AA079184}"/>
+              </a:ext>
+            </a:extLst>
+          </p:cNvPr>
+          <p:cNvSpPr>
+            <a:spLocks noGrp="1"/>
+          </p:cNvSpPr>
+          <p:nvPr>
+            <p:ph type="title"/>
+          </p:nvPr>
+        </p:nvSpPr>
+        <p:spPr>
+          <a:xfrm>
+            <a:off x="838200" y="-42675"/>
+            <a:ext cx="10515600" cy="1325563"/>
+          </a:xfrm>
+        </p:spPr>
+        <p:txBody>
+          <a:bodyPr/>
+          <a:lstStyle/>
+          <a:p>
+            <a:r>
+              <a:rPr lang="en-US" dirty="0"/>
+              <a:t>Disease and Mortality</a:t>
+            </a:r>
+          </a:p>
+        </p:txBody>
+      </p:sp>
       <p:pic>
         <p:nvPicPr>
-          <p:cNvPr id="5" name="Picture 4">
+          <p:cNvPr id="4" name="slide5" descr="Estimated road traffic death rate ">
             <a:extLst>
               <a:ext uri="{FF2B5EF4-FFF2-40B4-BE49-F238E27FC236}">
-                <a16:creationId xmlns:a16="http://schemas.microsoft.com/office/drawing/2014/main" id="{CCB71C23-8755-4D9D-B182-CFDB4EB2509E}"/>
+                <a16:creationId xmlns:a16="http://schemas.microsoft.com/office/drawing/2014/main" id="{729A9E81-AB7E-44A9-BC5B-80A07D3115BD}"/>
               </a:ext>
             </a:extLst>
           </p:cNvPr>
@@ -3664,16 +4149,21 @@
           </p:cNvPicPr>
           <p:nvPr/>
         </p:nvPicPr>
-        <p:blipFill>
-          <a:blip r:embed="rId2"/>
-          <a:stretch>
-            <a:fillRect/>
-          </a:stretch>
+        <p:blipFill rotWithShape="1">
+          <a:blip r:embed="rId2">
+            <a:extLst>
+              <a:ext uri="{28A0092B-C50C-407E-A947-70E740481C1C}">
+                <a14:useLocalDpi xmlns:a14="http://schemas.microsoft.com/office/drawing/2010/main" val="0"/>
+              </a:ext>
+            </a:extLst>
+          </a:blip>
+          <a:srcRect b="3056"/>
+          <a:stretch/>
         </p:blipFill>
         <p:spPr>
           <a:xfrm>
-            <a:off x="1928231" y="75732"/>
-            <a:ext cx="8335538" cy="6706536"/>
+            <a:off x="941511" y="844899"/>
+            <a:ext cx="10515600" cy="5874801"/>
           </a:xfrm>
           <a:prstGeom prst="rect">
             <a:avLst/>
@@ -3683,7 +4173,7 @@
     </p:spTree>
     <p:extLst>
       <p:ext uri="{BB962C8B-B14F-4D97-AF65-F5344CB8AC3E}">
-        <p14:creationId xmlns:p14="http://schemas.microsoft.com/office/powerpoint/2010/main" val="2037216937"/>
+        <p14:creationId xmlns:p14="http://schemas.microsoft.com/office/powerpoint/2010/main" val="1614770976"/>
       </p:ext>
     </p:extLst>
   </p:cSld>
@@ -3712,10 +4202,10 @@
       </p:grpSpPr>
       <p:pic>
         <p:nvPicPr>
-          <p:cNvPr id="5" name="Picture 4">
+          <p:cNvPr id="2" name="slide2" descr="Life Expectancy at Birth (years)">
             <a:extLst>
               <a:ext uri="{FF2B5EF4-FFF2-40B4-BE49-F238E27FC236}">
-                <a16:creationId xmlns:a16="http://schemas.microsoft.com/office/drawing/2014/main" id="{7A03083A-EF18-44DC-8775-3CE3B1DC1114}"/>
+                <a16:creationId xmlns:a16="http://schemas.microsoft.com/office/drawing/2014/main" id="{E2C9C856-005E-42C1-B20C-6BFC9D058EFC}"/>
               </a:ext>
             </a:extLst>
           </p:cNvPr>
@@ -3724,16 +4214,21 @@
           </p:cNvPicPr>
           <p:nvPr/>
         </p:nvPicPr>
-        <p:blipFill>
-          <a:blip r:embed="rId2"/>
-          <a:stretch>
-            <a:fillRect/>
-          </a:stretch>
+        <p:blipFill rotWithShape="1">
+          <a:blip r:embed="rId2">
+            <a:extLst>
+              <a:ext uri="{28A0092B-C50C-407E-A947-70E740481C1C}">
+                <a14:useLocalDpi xmlns:a14="http://schemas.microsoft.com/office/drawing/2010/main" val="0"/>
+              </a:ext>
+            </a:extLst>
+          </a:blip>
+          <a:srcRect b="5416"/>
+          <a:stretch/>
         </p:blipFill>
         <p:spPr>
           <a:xfrm>
-            <a:off x="0" y="1230443"/>
-            <a:ext cx="12192000" cy="4397114"/>
+            <a:off x="511749" y="276837"/>
+            <a:ext cx="11168502" cy="6486525"/>
           </a:xfrm>
           <a:prstGeom prst="rect">
             <a:avLst/>
@@ -3743,7 +4238,7 @@
     </p:spTree>
     <p:extLst>
       <p:ext uri="{BB962C8B-B14F-4D97-AF65-F5344CB8AC3E}">
-        <p14:creationId xmlns:p14="http://schemas.microsoft.com/office/powerpoint/2010/main" val="2228103031"/>
+        <p14:creationId xmlns:p14="http://schemas.microsoft.com/office/powerpoint/2010/main" val="2551656825"/>
       </p:ext>
     </p:extLst>
   </p:cSld>
@@ -3775,7 +4270,7 @@
           <p:cNvPr id="2" name="Title 1">
             <a:extLst>
               <a:ext uri="{FF2B5EF4-FFF2-40B4-BE49-F238E27FC236}">
-                <a16:creationId xmlns:a16="http://schemas.microsoft.com/office/drawing/2014/main" id="{6EA7D35E-AC64-462C-BF47-CEA7457DDE23}"/>
+                <a16:creationId xmlns:a16="http://schemas.microsoft.com/office/drawing/2014/main" id="{C6B46DB4-7287-4D56-BA39-D750D0CD335A}"/>
               </a:ext>
             </a:extLst>
           </p:cNvPr>
@@ -3786,47 +4281,62 @@
             <p:ph type="title"/>
           </p:nvPr>
         </p:nvSpPr>
-        <p:spPr/>
+        <p:spPr>
+          <a:xfrm>
+            <a:off x="571500" y="18255"/>
+            <a:ext cx="10515600" cy="1325563"/>
+          </a:xfrm>
+        </p:spPr>
         <p:txBody>
           <a:bodyPr/>
           <a:lstStyle/>
           <a:p>
             <a:r>
               <a:rPr lang="en-US" dirty="0"/>
-              <a:t>A Closer Look</a:t>
-            </a:r>
-          </a:p>
-        </p:txBody>
-      </p:sp>
-      <p:sp>
-        <p:nvSpPr>
-          <p:cNvPr id="3" name="Text Placeholder 2">
+              <a:t>Are Women Expected to Live Longer?</a:t>
+            </a:r>
+          </a:p>
+        </p:txBody>
+      </p:sp>
+      <p:pic>
+        <p:nvPicPr>
+          <p:cNvPr id="5" name="slide2">
             <a:extLst>
               <a:ext uri="{FF2B5EF4-FFF2-40B4-BE49-F238E27FC236}">
-                <a16:creationId xmlns:a16="http://schemas.microsoft.com/office/drawing/2014/main" id="{1A067ED6-CDF2-4153-B052-E7CA1B232AA6}"/>
+                <a16:creationId xmlns:a16="http://schemas.microsoft.com/office/drawing/2014/main" id="{A1472475-57CA-4B4C-A983-72998BECFA4A}"/>
               </a:ext>
             </a:extLst>
           </p:cNvPr>
-          <p:cNvSpPr>
-            <a:spLocks noGrp="1"/>
-          </p:cNvSpPr>
-          <p:nvPr>
-            <p:ph type="body" idx="1"/>
-          </p:nvPr>
-        </p:nvSpPr>
-        <p:spPr/>
-        <p:txBody>
-          <a:bodyPr/>
-          <a:lstStyle/>
-          <a:p>
-            <a:endParaRPr lang="en-US" dirty="0"/>
-          </a:p>
-        </p:txBody>
-      </p:sp>
+          <p:cNvPicPr>
+            <a:picLocks noChangeAspect="1"/>
+          </p:cNvPicPr>
+          <p:nvPr/>
+        </p:nvPicPr>
+        <p:blipFill rotWithShape="1">
+          <a:blip r:embed="rId2">
+            <a:extLst>
+              <a:ext uri="{28A0092B-C50C-407E-A947-70E740481C1C}">
+                <a14:useLocalDpi xmlns:a14="http://schemas.microsoft.com/office/drawing/2010/main" val="0"/>
+              </a:ext>
+            </a:extLst>
+          </a:blip>
+          <a:srcRect b="9931"/>
+          <a:stretch/>
+        </p:blipFill>
+        <p:spPr>
+          <a:xfrm>
+            <a:off x="1019175" y="1035586"/>
+            <a:ext cx="10248900" cy="5839191"/>
+          </a:xfrm>
+          <a:prstGeom prst="rect">
+            <a:avLst/>
+          </a:prstGeom>
+        </p:spPr>
+      </p:pic>
     </p:spTree>
     <p:extLst>
       <p:ext uri="{BB962C8B-B14F-4D97-AF65-F5344CB8AC3E}">
-        <p14:creationId xmlns:p14="http://schemas.microsoft.com/office/powerpoint/2010/main" val="3865195482"/>
+        <p14:creationId xmlns:p14="http://schemas.microsoft.com/office/powerpoint/2010/main" val="3434980739"/>
       </p:ext>
     </p:extLst>
   </p:cSld>
@@ -3853,12 +4363,45 @@
           <a:chExt cx="0" cy="0"/>
         </a:xfrm>
       </p:grpSpPr>
+      <p:sp>
+        <p:nvSpPr>
+          <p:cNvPr id="2" name="Title 1">
+            <a:extLst>
+              <a:ext uri="{FF2B5EF4-FFF2-40B4-BE49-F238E27FC236}">
+                <a16:creationId xmlns:a16="http://schemas.microsoft.com/office/drawing/2014/main" id="{B1481CEC-F192-4F5C-A803-01B634B5AAC0}"/>
+              </a:ext>
+            </a:extLst>
+          </p:cNvPr>
+          <p:cNvSpPr>
+            <a:spLocks noGrp="1"/>
+          </p:cNvSpPr>
+          <p:nvPr>
+            <p:ph type="title"/>
+          </p:nvPr>
+        </p:nvSpPr>
+        <p:spPr>
+          <a:xfrm>
+            <a:off x="704850" y="0"/>
+            <a:ext cx="10515600" cy="1325563"/>
+          </a:xfrm>
+        </p:spPr>
+        <p:txBody>
+          <a:bodyPr/>
+          <a:lstStyle/>
+          <a:p>
+            <a:r>
+              <a:rPr lang="en-US" dirty="0"/>
+              <a:t>Are Nurses and Midwives Important?</a:t>
+            </a:r>
+          </a:p>
+        </p:txBody>
+      </p:sp>
       <p:pic>
         <p:nvPicPr>
-          <p:cNvPr id="2" name="slide2" descr="Sheet 1">
+          <p:cNvPr id="4" name="slide2">
             <a:extLst>
               <a:ext uri="{FF2B5EF4-FFF2-40B4-BE49-F238E27FC236}">
-                <a16:creationId xmlns:a16="http://schemas.microsoft.com/office/drawing/2014/main" id="{5F26BBA7-EF02-4315-88E3-F76DCE750775}"/>
+                <a16:creationId xmlns:a16="http://schemas.microsoft.com/office/drawing/2014/main" id="{E766E84C-6FDF-47EF-9799-3FBDDFBDA815}"/>
               </a:ext>
             </a:extLst>
           </p:cNvPr>
@@ -3875,13 +4418,13 @@
               </a:ext>
             </a:extLst>
           </a:blip>
-          <a:srcRect b="9761"/>
+          <a:srcRect b="9167"/>
           <a:stretch/>
         </p:blipFill>
         <p:spPr>
           <a:xfrm>
-            <a:off x="1988715" y="1264510"/>
-            <a:ext cx="9867900" cy="5161458"/>
+            <a:off x="704850" y="959583"/>
+            <a:ext cx="10934700" cy="5898417"/>
           </a:xfrm>
           <a:prstGeom prst="rect">
             <a:avLst/>
@@ -3891,7 +4434,7 @@
     </p:spTree>
     <p:extLst>
       <p:ext uri="{BB962C8B-B14F-4D97-AF65-F5344CB8AC3E}">
-        <p14:creationId xmlns:p14="http://schemas.microsoft.com/office/powerpoint/2010/main" val="95992585"/>
+        <p14:creationId xmlns:p14="http://schemas.microsoft.com/office/powerpoint/2010/main" val="86950571"/>
       </p:ext>
     </p:extLst>
   </p:cSld>
@@ -4018,7 +4561,7 @@
           <p:cNvPr id="2" name="Title 1">
             <a:extLst>
               <a:ext uri="{FF2B5EF4-FFF2-40B4-BE49-F238E27FC236}">
-                <a16:creationId xmlns:a16="http://schemas.microsoft.com/office/drawing/2014/main" id="{F0947161-3A2E-45B1-BAFC-26388616E337}"/>
+                <a16:creationId xmlns:a16="http://schemas.microsoft.com/office/drawing/2014/main" id="{6EA7D35E-AC64-462C-BF47-CEA7457DDE23}"/>
               </a:ext>
             </a:extLst>
           </p:cNvPr>
@@ -4034,16 +4577,19 @@
           <a:bodyPr/>
           <a:lstStyle/>
           <a:p>
-            <a:endParaRPr lang="en-US"/>
-          </a:p>
-        </p:txBody>
-      </p:sp>
-      <p:sp>
-        <p:nvSpPr>
-          <p:cNvPr id="3" name="Content Placeholder 2">
+            <a:r>
+              <a:rPr lang="en-US" dirty="0"/>
+              <a:t>A Closer Look</a:t>
+            </a:r>
+          </a:p>
+        </p:txBody>
+      </p:sp>
+      <p:sp>
+        <p:nvSpPr>
+          <p:cNvPr id="3" name="Text Placeholder 2">
             <a:extLst>
               <a:ext uri="{FF2B5EF4-FFF2-40B4-BE49-F238E27FC236}">
-                <a16:creationId xmlns:a16="http://schemas.microsoft.com/office/drawing/2014/main" id="{EDA04A15-2E7F-464A-B531-503D9D9E18EB}"/>
+                <a16:creationId xmlns:a16="http://schemas.microsoft.com/office/drawing/2014/main" id="{1A067ED6-CDF2-4153-B052-E7CA1B232AA6}"/>
               </a:ext>
             </a:extLst>
           </p:cNvPr>
@@ -4051,7 +4597,7 @@
             <a:spLocks noGrp="1"/>
           </p:cNvSpPr>
           <p:nvPr>
-            <p:ph idx="1"/>
+            <p:ph type="body" idx="1"/>
           </p:nvPr>
         </p:nvSpPr>
         <p:spPr/>
@@ -4059,49 +4605,23 @@
           <a:bodyPr/>
           <a:lstStyle/>
           <a:p>
-            <a:endParaRPr lang="en-US"/>
-          </a:p>
-        </p:txBody>
-      </p:sp>
-      <p:pic>
-        <p:nvPicPr>
-          <p:cNvPr id="4" name="slide2">
-            <a:extLst>
-              <a:ext uri="{FF2B5EF4-FFF2-40B4-BE49-F238E27FC236}">
-                <a16:creationId xmlns:a16="http://schemas.microsoft.com/office/drawing/2014/main" id="{3DB9C145-DCB6-451A-BFA7-120A69AA0E9B}"/>
-              </a:ext>
-            </a:extLst>
-          </p:cNvPr>
-          <p:cNvPicPr>
-            <a:picLocks noChangeAspect="1"/>
-          </p:cNvPicPr>
-          <p:nvPr/>
-        </p:nvPicPr>
-        <p:blipFill rotWithShape="1">
-          <a:blip r:embed="rId2">
-            <a:extLst>
-              <a:ext uri="{28A0092B-C50C-407E-A947-70E740481C1C}">
-                <a14:useLocalDpi xmlns:a14="http://schemas.microsoft.com/office/drawing/2010/main" val="0"/>
-              </a:ext>
-            </a:extLst>
-          </a:blip>
-          <a:srcRect b="8502"/>
-          <a:stretch/>
-        </p:blipFill>
-        <p:spPr>
-          <a:xfrm>
-            <a:off x="321902" y="291517"/>
-            <a:ext cx="11548195" cy="6274965"/>
-          </a:xfrm>
-          <a:prstGeom prst="rect">
-            <a:avLst/>
-          </a:prstGeom>
-        </p:spPr>
-      </p:pic>
+            <a:r>
+              <a:rPr lang="en-US" dirty="0"/>
+              <a:t>Chad, India, Bosnia and Herzegovina, and Canada</a:t>
+            </a:r>
+          </a:p>
+          <a:p>
+            <a:r>
+              <a:rPr lang="en-US" dirty="0"/>
+              <a:t>Selected based on PCA clusters</a:t>
+            </a:r>
+          </a:p>
+        </p:txBody>
+      </p:sp>
     </p:spTree>
     <p:extLst>
       <p:ext uri="{BB962C8B-B14F-4D97-AF65-F5344CB8AC3E}">
-        <p14:creationId xmlns:p14="http://schemas.microsoft.com/office/powerpoint/2010/main" val="1333333437"/>
+        <p14:creationId xmlns:p14="http://schemas.microsoft.com/office/powerpoint/2010/main" val="3865195482"/>
       </p:ext>
     </p:extLst>
   </p:cSld>
@@ -4128,62 +4648,12 @@
           <a:chExt cx="0" cy="0"/>
         </a:xfrm>
       </p:grpSpPr>
-      <p:sp>
-        <p:nvSpPr>
-          <p:cNvPr id="2" name="Title 1">
-            <a:extLst>
-              <a:ext uri="{FF2B5EF4-FFF2-40B4-BE49-F238E27FC236}">
-                <a16:creationId xmlns:a16="http://schemas.microsoft.com/office/drawing/2014/main" id="{F5A7A535-B9A5-42D1-A33C-381E8D6F22AB}"/>
-              </a:ext>
-            </a:extLst>
-          </p:cNvPr>
-          <p:cNvSpPr>
-            <a:spLocks noGrp="1"/>
-          </p:cNvSpPr>
-          <p:nvPr>
-            <p:ph type="title"/>
-          </p:nvPr>
-        </p:nvSpPr>
-        <p:spPr/>
-        <p:txBody>
-          <a:bodyPr/>
-          <a:lstStyle/>
-          <a:p>
-            <a:endParaRPr lang="en-US"/>
-          </a:p>
-        </p:txBody>
-      </p:sp>
-      <p:sp>
-        <p:nvSpPr>
-          <p:cNvPr id="3" name="Content Placeholder 2">
-            <a:extLst>
-              <a:ext uri="{FF2B5EF4-FFF2-40B4-BE49-F238E27FC236}">
-                <a16:creationId xmlns:a16="http://schemas.microsoft.com/office/drawing/2014/main" id="{E129E613-9EE0-4314-89C3-246564037EF4}"/>
-              </a:ext>
-            </a:extLst>
-          </p:cNvPr>
-          <p:cNvSpPr>
-            <a:spLocks noGrp="1"/>
-          </p:cNvSpPr>
-          <p:nvPr>
-            <p:ph idx="1"/>
-          </p:nvPr>
-        </p:nvSpPr>
-        <p:spPr/>
-        <p:txBody>
-          <a:bodyPr/>
-          <a:lstStyle/>
-          <a:p>
-            <a:endParaRPr lang="en-US"/>
-          </a:p>
-        </p:txBody>
-      </p:sp>
       <p:pic>
         <p:nvPicPr>
-          <p:cNvPr id="4" name="slide2" descr="Estimated Road Traffic Death Rate 1">
+          <p:cNvPr id="2" name="slide2" descr="Comparison">
             <a:extLst>
               <a:ext uri="{FF2B5EF4-FFF2-40B4-BE49-F238E27FC236}">
-                <a16:creationId xmlns:a16="http://schemas.microsoft.com/office/drawing/2014/main" id="{705C8EDF-4598-4520-9ABF-18FF62F3F6B5}"/>
+                <a16:creationId xmlns:a16="http://schemas.microsoft.com/office/drawing/2014/main" id="{A0C670F2-ED2A-46B6-837F-C115B78FA5F0}"/>
               </a:ext>
             </a:extLst>
           </p:cNvPr>
@@ -4200,13 +4670,13 @@
               </a:ext>
             </a:extLst>
           </a:blip>
-          <a:srcRect b="4465"/>
+          <a:srcRect b="7778"/>
           <a:stretch/>
         </p:blipFill>
         <p:spPr>
           <a:xfrm>
-            <a:off x="1178039" y="153099"/>
-            <a:ext cx="9835921" cy="6551802"/>
+            <a:off x="24429" y="57150"/>
+            <a:ext cx="12167571" cy="6724650"/>
           </a:xfrm>
           <a:prstGeom prst="rect">
             <a:avLst/>
@@ -4216,7 +4686,7 @@
     </p:spTree>
     <p:extLst>
       <p:ext uri="{BB962C8B-B14F-4D97-AF65-F5344CB8AC3E}">
-        <p14:creationId xmlns:p14="http://schemas.microsoft.com/office/powerpoint/2010/main" val="4216190513"/>
+        <p14:creationId xmlns:p14="http://schemas.microsoft.com/office/powerpoint/2010/main" val="95992585"/>
       </p:ext>
     </p:extLst>
   </p:cSld>
@@ -4243,12 +4713,70 @@
           <a:chExt cx="0" cy="0"/>
         </a:xfrm>
       </p:grpSpPr>
+      <p:sp>
+        <p:nvSpPr>
+          <p:cNvPr id="2" name="Title 1">
+            <a:extLst>
+              <a:ext uri="{FF2B5EF4-FFF2-40B4-BE49-F238E27FC236}">
+                <a16:creationId xmlns:a16="http://schemas.microsoft.com/office/drawing/2014/main" id="{FF1E314C-B14F-4C61-8AC7-BFADEB3570A8}"/>
+              </a:ext>
+            </a:extLst>
+          </p:cNvPr>
+          <p:cNvSpPr>
+            <a:spLocks noGrp="1"/>
+          </p:cNvSpPr>
+          <p:nvPr>
+            <p:ph type="title"/>
+          </p:nvPr>
+        </p:nvSpPr>
+        <p:spPr>
+          <a:xfrm>
+            <a:off x="838200" y="18255"/>
+            <a:ext cx="10515600" cy="1325563"/>
+          </a:xfrm>
+        </p:spPr>
+        <p:txBody>
+          <a:bodyPr/>
+          <a:lstStyle/>
+          <a:p>
+            <a:r>
+              <a:rPr lang="en-US" dirty="0"/>
+              <a:t>Tuberculosis</a:t>
+            </a:r>
+          </a:p>
+        </p:txBody>
+      </p:sp>
+      <p:sp>
+        <p:nvSpPr>
+          <p:cNvPr id="3" name="Content Placeholder 2">
+            <a:extLst>
+              <a:ext uri="{FF2B5EF4-FFF2-40B4-BE49-F238E27FC236}">
+                <a16:creationId xmlns:a16="http://schemas.microsoft.com/office/drawing/2014/main" id="{856D8566-B52B-4E80-8AC5-151B55E7D606}"/>
+              </a:ext>
+            </a:extLst>
+          </p:cNvPr>
+          <p:cNvSpPr>
+            <a:spLocks noGrp="1"/>
+          </p:cNvSpPr>
+          <p:nvPr>
+            <p:ph idx="1"/>
+          </p:nvPr>
+        </p:nvSpPr>
+        <p:spPr/>
+        <p:txBody>
+          <a:bodyPr/>
+          <a:lstStyle/>
+          <a:p>
+            <a:endParaRPr lang="en-US"/>
+          </a:p>
+        </p:txBody>
+      </p:sp>
       <p:pic>
         <p:nvPicPr>
-          <p:cNvPr id="2" name="slide2" descr="Life Expectancy at Birth (years)">
+          <p:cNvPr id="5" name="slide2">
             <a:extLst>
               <a:ext uri="{FF2B5EF4-FFF2-40B4-BE49-F238E27FC236}">
-                <a16:creationId xmlns:a16="http://schemas.microsoft.com/office/drawing/2014/main" id="{E2C9C856-005E-42C1-B20C-6BFC9D058EFC}"/>
+                <a16:creationId xmlns:a16="http://schemas.microsoft.com/office/drawing/2014/main" id="{A04E5631-4C94-4251-8230-292FAF8E40FC}"/>
               </a:ext>
             </a:extLst>
           </p:cNvPr>
@@ -4257,7 +4785,7 @@
           </p:cNvPicPr>
           <p:nvPr/>
         </p:nvPicPr>
-        <p:blipFill>
+        <p:blipFill rotWithShape="1">
           <a:blip r:embed="rId2">
             <a:extLst>
               <a:ext uri="{28A0092B-C50C-407E-A947-70E740481C1C}">
@@ -4265,14 +4793,13 @@
               </a:ext>
             </a:extLst>
           </a:blip>
-          <a:stretch>
-            <a:fillRect/>
-          </a:stretch>
+          <a:srcRect b="12886"/>
+          <a:stretch/>
         </p:blipFill>
         <p:spPr>
           <a:xfrm>
-            <a:off x="511749" y="0"/>
-            <a:ext cx="11168502" cy="6858000"/>
+            <a:off x="1476374" y="979812"/>
+            <a:ext cx="9001125" cy="5894063"/>
           </a:xfrm>
           <a:prstGeom prst="rect">
             <a:avLst/>
@@ -4282,7 +4809,7 @@
     </p:spTree>
     <p:extLst>
       <p:ext uri="{BB962C8B-B14F-4D97-AF65-F5344CB8AC3E}">
-        <p14:creationId xmlns:p14="http://schemas.microsoft.com/office/powerpoint/2010/main" val="2551656825"/>
+        <p14:creationId xmlns:p14="http://schemas.microsoft.com/office/powerpoint/2010/main" val="1109875885"/>
       </p:ext>
     </p:extLst>
   </p:cSld>
@@ -4311,10 +4838,10 @@
       </p:grpSpPr>
       <p:pic>
         <p:nvPicPr>
-          <p:cNvPr id="3" name="slide3" descr="Comparison">
+          <p:cNvPr id="5" name="slide5" descr="Childbirth Health (2)">
             <a:extLst>
               <a:ext uri="{FF2B5EF4-FFF2-40B4-BE49-F238E27FC236}">
-                <a16:creationId xmlns:a16="http://schemas.microsoft.com/office/drawing/2014/main" id="{CE9BF144-8FD8-42E2-AB83-4426F041A17E}"/>
+                <a16:creationId xmlns:a16="http://schemas.microsoft.com/office/drawing/2014/main" id="{B9361C42-CBD0-4FCC-9B80-1A6A4D4DE77A}"/>
               </a:ext>
             </a:extLst>
           </p:cNvPr>
@@ -4323,7 +4850,7 @@
           </p:cNvPicPr>
           <p:nvPr/>
         </p:nvPicPr>
-        <p:blipFill>
+        <p:blipFill rotWithShape="1">
           <a:blip r:embed="rId2">
             <a:extLst>
               <a:ext uri="{28A0092B-C50C-407E-A947-70E740481C1C}">
@@ -4331,14 +4858,13 @@
               </a:ext>
             </a:extLst>
           </a:blip>
-          <a:stretch>
-            <a:fillRect/>
-          </a:stretch>
+          <a:srcRect b="10826"/>
+          <a:stretch/>
         </p:blipFill>
         <p:spPr>
           <a:xfrm>
-            <a:off x="0" y="307642"/>
-            <a:ext cx="12192000" cy="6242715"/>
+            <a:off x="609323" y="0"/>
+            <a:ext cx="11352625" cy="6899945"/>
           </a:xfrm>
           <a:prstGeom prst="rect">
             <a:avLst/>
@@ -4348,7 +4874,7 @@
     </p:spTree>
     <p:extLst>
       <p:ext uri="{BB962C8B-B14F-4D97-AF65-F5344CB8AC3E}">
-        <p14:creationId xmlns:p14="http://schemas.microsoft.com/office/powerpoint/2010/main" val="2604278200"/>
+        <p14:creationId xmlns:p14="http://schemas.microsoft.com/office/powerpoint/2010/main" val="3693202563"/>
       </p:ext>
     </p:extLst>
   </p:cSld>
@@ -4377,10 +4903,10 @@
       </p:grpSpPr>
       <p:pic>
         <p:nvPicPr>
-          <p:cNvPr id="5" name="slide5" descr="Childbirth Health (2)">
+          <p:cNvPr id="6" name="slide6" descr="Sheet 5 (2)">
             <a:extLst>
               <a:ext uri="{FF2B5EF4-FFF2-40B4-BE49-F238E27FC236}">
-                <a16:creationId xmlns:a16="http://schemas.microsoft.com/office/drawing/2014/main" id="{B9361C42-CBD0-4FCC-9B80-1A6A4D4DE77A}"/>
+                <a16:creationId xmlns:a16="http://schemas.microsoft.com/office/drawing/2014/main" id="{2F1D2962-FC67-45FB-B622-56A423D4DB49}"/>
               </a:ext>
             </a:extLst>
           </p:cNvPr>
@@ -4389,7 +4915,7 @@
           </p:cNvPicPr>
           <p:nvPr/>
         </p:nvPicPr>
-        <p:blipFill rotWithShape="1">
+        <p:blipFill>
           <a:blip r:embed="rId2">
             <a:extLst>
               <a:ext uri="{28A0092B-C50C-407E-A947-70E740481C1C}">
@@ -4397,13 +4923,14 @@
               </a:ext>
             </a:extLst>
           </a:blip>
-          <a:srcRect b="10826"/>
-          <a:stretch/>
+          <a:stretch>
+            <a:fillRect/>
+          </a:stretch>
         </p:blipFill>
         <p:spPr>
           <a:xfrm>
-            <a:off x="1064958" y="0"/>
-            <a:ext cx="10062083" cy="6115574"/>
+            <a:off x="987490" y="0"/>
+            <a:ext cx="10217020" cy="6858000"/>
           </a:xfrm>
           <a:prstGeom prst="rect">
             <a:avLst/>
@@ -4413,7 +4940,7 @@
     </p:spTree>
     <p:extLst>
       <p:ext uri="{BB962C8B-B14F-4D97-AF65-F5344CB8AC3E}">
-        <p14:creationId xmlns:p14="http://schemas.microsoft.com/office/powerpoint/2010/main" val="3693202563"/>
+        <p14:creationId xmlns:p14="http://schemas.microsoft.com/office/powerpoint/2010/main" val="768049571"/>
       </p:ext>
     </p:extLst>
   </p:cSld>
@@ -4442,72 +4969,6 @@
       </p:grpSpPr>
       <p:pic>
         <p:nvPicPr>
-          <p:cNvPr id="6" name="slide6" descr="Sheet 5 (2)">
-            <a:extLst>
-              <a:ext uri="{FF2B5EF4-FFF2-40B4-BE49-F238E27FC236}">
-                <a16:creationId xmlns:a16="http://schemas.microsoft.com/office/drawing/2014/main" id="{2F1D2962-FC67-45FB-B622-56A423D4DB49}"/>
-              </a:ext>
-            </a:extLst>
-          </p:cNvPr>
-          <p:cNvPicPr>
-            <a:picLocks noChangeAspect="1"/>
-          </p:cNvPicPr>
-          <p:nvPr/>
-        </p:nvPicPr>
-        <p:blipFill>
-          <a:blip r:embed="rId2">
-            <a:extLst>
-              <a:ext uri="{28A0092B-C50C-407E-A947-70E740481C1C}">
-                <a14:useLocalDpi xmlns:a14="http://schemas.microsoft.com/office/drawing/2010/main" val="0"/>
-              </a:ext>
-            </a:extLst>
-          </a:blip>
-          <a:stretch>
-            <a:fillRect/>
-          </a:stretch>
-        </p:blipFill>
-        <p:spPr>
-          <a:xfrm>
-            <a:off x="987490" y="0"/>
-            <a:ext cx="10217020" cy="6858000"/>
-          </a:xfrm>
-          <a:prstGeom prst="rect">
-            <a:avLst/>
-          </a:prstGeom>
-        </p:spPr>
-      </p:pic>
-    </p:spTree>
-    <p:extLst>
-      <p:ext uri="{BB962C8B-B14F-4D97-AF65-F5344CB8AC3E}">
-        <p14:creationId xmlns:p14="http://schemas.microsoft.com/office/powerpoint/2010/main" val="768049571"/>
-      </p:ext>
-    </p:extLst>
-  </p:cSld>
-  <p:clrMapOvr>
-    <a:masterClrMapping/>
-  </p:clrMapOvr>
-</p:sld>
-</file>
-
-<file path=ppt/slides/slide26.xml><?xml version="1.0" encoding="utf-8"?>
-<p:sld xmlns:a="http://schemas.openxmlformats.org/drawingml/2006/main" xmlns:r="http://schemas.openxmlformats.org/officeDocument/2006/relationships" xmlns:p="http://schemas.openxmlformats.org/presentationml/2006/main">
-  <p:cSld>
-    <p:spTree>
-      <p:nvGrpSpPr>
-        <p:cNvPr id="1" name=""/>
-        <p:cNvGrpSpPr/>
-        <p:nvPr/>
-      </p:nvGrpSpPr>
-      <p:grpSpPr>
-        <a:xfrm>
-          <a:off x="0" y="0"/>
-          <a:ext cx="0" cy="0"/>
-          <a:chOff x="0" y="0"/>
-          <a:chExt cx="0" cy="0"/>
-        </a:xfrm>
-      </p:grpSpPr>
-      <p:pic>
-        <p:nvPicPr>
           <p:cNvPr id="7" name="slide7" descr="Sheet 5 (3)">
             <a:extLst>
               <a:ext uri="{FF2B5EF4-FFF2-40B4-BE49-F238E27FC236}">
@@ -4555,19 +5016,9 @@
 </p:sld>
 </file>
 
-<file path=ppt/slides/slide27.xml><?xml version="1.0" encoding="utf-8"?>
+<file path=ppt/slides/slide26.xml><?xml version="1.0" encoding="utf-8"?>
 <p:sld xmlns:a="http://schemas.openxmlformats.org/drawingml/2006/main" xmlns:r="http://schemas.openxmlformats.org/officeDocument/2006/relationships" xmlns:p="http://schemas.openxmlformats.org/presentationml/2006/main">
   <p:cSld>
-    <p:bg>
-      <p:bgPr>
-        <a:solidFill>
-          <a:schemeClr val="bg1">
-            <a:lumMod val="95000"/>
-          </a:schemeClr>
-        </a:solidFill>
-        <a:effectLst/>
-      </p:bgPr>
-    </p:bg>
     <p:spTree>
       <p:nvGrpSpPr>
         <p:cNvPr id="1" name=""/>
@@ -4584,7 +5035,13 @@
       </p:grpSpPr>
       <p:sp>
         <p:nvSpPr>
-          <p:cNvPr id="2" name="Title 1"/>
+          <p:cNvPr id="2" name="Title 1">
+            <a:extLst>
+              <a:ext uri="{FF2B5EF4-FFF2-40B4-BE49-F238E27FC236}">
+                <a16:creationId xmlns:a16="http://schemas.microsoft.com/office/drawing/2014/main" id="{89F602BB-B01A-40E6-8519-871B03AE75B9}"/>
+              </a:ext>
+            </a:extLst>
+          </p:cNvPr>
           <p:cNvSpPr>
             <a:spLocks noGrp="1"/>
           </p:cNvSpPr>
@@ -4592,218 +5049,112 @@
             <p:ph type="title"/>
           </p:nvPr>
         </p:nvSpPr>
-        <p:spPr>
-          <a:xfrm>
-            <a:off x="222379" y="477097"/>
-            <a:ext cx="10515600" cy="1325563"/>
-          </a:xfrm>
-        </p:spPr>
-        <p:txBody>
-          <a:bodyPr/>
-          <a:lstStyle/>
-          <a:p>
-            <a:r>
-              <a:rPr lang="en-US">
-                <a:latin typeface="Arial Black" panose="020B0A04020102020204" pitchFamily="34" charset="0"/>
-              </a:rPr>
-              <a:t>TOBACCO USE</a:t>
-            </a:r>
-          </a:p>
-        </p:txBody>
-      </p:sp>
-      <p:sp>
-        <p:nvSpPr>
-          <p:cNvPr id="3" name="Content Placeholder 2"/>
-          <p:cNvSpPr>
-            <a:spLocks noGrp="1"/>
-          </p:cNvSpPr>
-          <p:nvPr>
-            <p:ph idx="1"/>
-          </p:nvPr>
-        </p:nvSpPr>
-        <p:spPr>
-          <a:xfrm>
-            <a:off x="231710" y="1825625"/>
-            <a:ext cx="10515600" cy="4351338"/>
-          </a:xfrm>
-        </p:spPr>
-        <p:txBody>
-          <a:bodyPr/>
-          <a:lstStyle/>
-          <a:p>
-            <a:pPr>
-              <a:buClr>
-                <a:srgbClr val="7AA52B"/>
-              </a:buClr>
-            </a:pPr>
-            <a:r>
-              <a:rPr lang="en-US" dirty="0">
-                <a:latin typeface="Malgun Gothic Semilight" panose="020B0502040204020203" pitchFamily="34" charset="-128"/>
-                <a:ea typeface="Malgun Gothic Semilight" panose="020B0502040204020203" pitchFamily="34" charset="-128"/>
-                <a:cs typeface="Malgun Gothic Semilight" panose="020B0502040204020203" pitchFamily="34" charset="-128"/>
-              </a:rPr>
-              <a:t>Tobacco Indicator is age-standardized i.e. mathematically adjusted to allow populations to be compared when age profiles of populations are different.</a:t>
-            </a:r>
-          </a:p>
-          <a:p>
-            <a:pPr>
-              <a:buClr>
-                <a:srgbClr val="7AA52B"/>
-              </a:buClr>
-            </a:pPr>
-            <a:r>
-              <a:rPr lang="en-US" dirty="0">
-                <a:latin typeface="Malgun Gothic Semilight" panose="020B0502040204020203" pitchFamily="34" charset="-128"/>
-                <a:ea typeface="Malgun Gothic Semilight" panose="020B0502040204020203" pitchFamily="34" charset="-128"/>
-                <a:cs typeface="Malgun Gothic Semilight" panose="020B0502040204020203" pitchFamily="34" charset="-128"/>
-              </a:rPr>
-              <a:t>Only age 15 years-old and older is considered.</a:t>
-            </a:r>
-          </a:p>
-          <a:p>
-            <a:pPr>
-              <a:buClr>
-                <a:srgbClr val="7AA52B"/>
-              </a:buClr>
-            </a:pPr>
-            <a:r>
-              <a:rPr lang="en-US" dirty="0">
-                <a:latin typeface="Malgun Gothic Semilight" panose="020B0502040204020203" pitchFamily="34" charset="-128"/>
-                <a:ea typeface="Malgun Gothic Semilight" panose="020B0502040204020203" pitchFamily="34" charset="-128"/>
-                <a:cs typeface="Malgun Gothic Semilight" panose="020B0502040204020203" pitchFamily="34" charset="-128"/>
-              </a:rPr>
-              <a:t>The indicator is a percent of population per country per gender per year.</a:t>
-            </a:r>
-          </a:p>
-          <a:p>
-            <a:pPr>
-              <a:buClr>
-                <a:srgbClr val="7AA52B"/>
-              </a:buClr>
-            </a:pPr>
-            <a:r>
-              <a:rPr lang="en-US" dirty="0">
-                <a:latin typeface="Malgun Gothic Semilight" panose="020B0502040204020203" pitchFamily="34" charset="-128"/>
-                <a:ea typeface="Malgun Gothic Semilight" panose="020B0502040204020203" pitchFamily="34" charset="-128"/>
-                <a:cs typeface="Malgun Gothic Semilight" panose="020B0502040204020203" pitchFamily="34" charset="-128"/>
-              </a:rPr>
-              <a:t>The “both sexes” in the dimension is the weighted average of the percent of the gender based on gender population for a given year.</a:t>
-            </a:r>
-          </a:p>
-        </p:txBody>
-      </p:sp>
+        <p:spPr/>
+        <p:txBody>
+          <a:bodyPr/>
+          <a:lstStyle/>
+          <a:p>
+            <a:r>
+              <a:rPr lang="en-US" dirty="0"/>
+              <a:t>A Better Tomorrow</a:t>
+            </a:r>
+          </a:p>
+        </p:txBody>
+      </p:sp>
+      <p:sp>
+        <p:nvSpPr>
+          <p:cNvPr id="3" name="Text Placeholder 2">
+            <a:extLst>
+              <a:ext uri="{FF2B5EF4-FFF2-40B4-BE49-F238E27FC236}">
+                <a16:creationId xmlns:a16="http://schemas.microsoft.com/office/drawing/2014/main" id="{B51DD147-6727-4485-A2C4-DA9B3135B565}"/>
+              </a:ext>
+            </a:extLst>
+          </p:cNvPr>
+          <p:cNvSpPr>
+            <a:spLocks noGrp="1"/>
+          </p:cNvSpPr>
+          <p:nvPr>
+            <p:ph type="body" idx="1"/>
+          </p:nvPr>
+        </p:nvSpPr>
+        <p:spPr/>
+        <p:txBody>
+          <a:bodyPr/>
+          <a:lstStyle/>
+          <a:p>
+            <a:endParaRPr lang="en-US"/>
+          </a:p>
+        </p:txBody>
+      </p:sp>
+    </p:spTree>
+    <p:extLst>
+      <p:ext uri="{BB962C8B-B14F-4D97-AF65-F5344CB8AC3E}">
+        <p14:creationId xmlns:p14="http://schemas.microsoft.com/office/powerpoint/2010/main" val="3335193607"/>
+      </p:ext>
+    </p:extLst>
+  </p:cSld>
+  <p:clrMapOvr>
+    <a:masterClrMapping/>
+  </p:clrMapOvr>
+</p:sld>
+</file>
+
+<file path=ppt/slides/slide27.xml><?xml version="1.0" encoding="utf-8"?>
+<p:sld xmlns:a="http://schemas.openxmlformats.org/drawingml/2006/main" xmlns:r="http://schemas.openxmlformats.org/officeDocument/2006/relationships" xmlns:p="http://schemas.openxmlformats.org/presentationml/2006/main">
+  <p:cSld>
+    <p:spTree>
+      <p:nvGrpSpPr>
+        <p:cNvPr id="1" name=""/>
+        <p:cNvGrpSpPr/>
+        <p:nvPr/>
+      </p:nvGrpSpPr>
+      <p:grpSpPr>
+        <a:xfrm>
+          <a:off x="0" y="0"/>
+          <a:ext cx="0" cy="0"/>
+          <a:chOff x="0" y="0"/>
+          <a:chExt cx="0" cy="0"/>
+        </a:xfrm>
+      </p:grpSpPr>
       <p:pic>
         <p:nvPicPr>
-          <p:cNvPr id="4" name="Imagen 1" descr="07_HumanScience_V.png"/>
+          <p:cNvPr id="2" name="slide2" descr="Sheet 2 (2)">
+            <a:extLst>
+              <a:ext uri="{FF2B5EF4-FFF2-40B4-BE49-F238E27FC236}">
+                <a16:creationId xmlns:a16="http://schemas.microsoft.com/office/drawing/2014/main" id="{E70F5C99-C7B9-43DF-AF6B-D7F2D2ABE584}"/>
+              </a:ext>
+            </a:extLst>
+          </p:cNvPr>
           <p:cNvPicPr>
             <a:picLocks noChangeAspect="1"/>
           </p:cNvPicPr>
           <p:nvPr/>
         </p:nvPicPr>
-        <p:blipFill>
-          <a:blip r:embed="rId2" cstate="print">
+        <p:blipFill rotWithShape="1">
+          <a:blip r:embed="rId2">
             <a:extLst>
               <a:ext uri="{28A0092B-C50C-407E-A947-70E740481C1C}">
                 <a14:useLocalDpi xmlns:a14="http://schemas.microsoft.com/office/drawing/2010/main" val="0"/>
               </a:ext>
             </a:extLst>
           </a:blip>
-          <a:srcRect/>
-          <a:stretch>
-            <a:fillRect/>
-          </a:stretch>
+          <a:srcRect b="7034"/>
+          <a:stretch/>
         </p:blipFill>
-        <p:spPr bwMode="auto">
+        <p:spPr>
           <a:xfrm>
-            <a:off x="-83373" y="5525029"/>
-            <a:ext cx="1843146" cy="1303867"/>
+            <a:off x="832285" y="0"/>
+            <a:ext cx="10697778" cy="6858000"/>
           </a:xfrm>
           <a:prstGeom prst="rect">
             <a:avLst/>
           </a:prstGeom>
-          <a:noFill/>
-          <a:ln>
-            <a:noFill/>
-          </a:ln>
-          <a:extLst>
-            <a:ext uri="{909E8E84-426E-40DD-AFC4-6F175D3DCCD1}">
-              <a14:hiddenFill xmlns:a14="http://schemas.microsoft.com/office/drawing/2010/main">
-                <a:solidFill>
-                  <a:srgbClr val="FFFFFF"/>
-                </a:solidFill>
-              </a14:hiddenFill>
-            </a:ext>
-            <a:ext uri="{91240B29-F687-4F45-9708-019B960494DF}">
-              <a14:hiddenLine xmlns:a14="http://schemas.microsoft.com/office/drawing/2010/main" w="9525">
-                <a:solidFill>
-                  <a:srgbClr val="000000"/>
-                </a:solidFill>
-                <a:miter lim="800000"/>
-                <a:headEnd/>
-                <a:tailEnd/>
-              </a14:hiddenLine>
-            </a:ext>
-          </a:extLst>
         </p:spPr>
       </p:pic>
-      <p:sp>
-        <p:nvSpPr>
-          <p:cNvPr id="5" name="Rectangle: Rounded Corners 4">
-            <a:extLst>
-              <a:ext uri="{FF2B5EF4-FFF2-40B4-BE49-F238E27FC236}">
-                <a16:creationId xmlns:a16="http://schemas.microsoft.com/office/drawing/2014/main" id="{7E120FAB-4A6D-4933-82D5-0212238B3BA7}"/>
-              </a:ext>
-            </a:extLst>
-          </p:cNvPr>
-          <p:cNvSpPr/>
-          <p:nvPr/>
-        </p:nvSpPr>
-        <p:spPr>
-          <a:xfrm>
-            <a:off x="7915351" y="130639"/>
-            <a:ext cx="4162927" cy="646986"/>
-          </a:xfrm>
-          <a:prstGeom prst="roundRect">
-            <a:avLst/>
-          </a:prstGeom>
-        </p:spPr>
-        <p:style>
-          <a:lnRef idx="1">
-            <a:schemeClr val="accent4"/>
-          </a:lnRef>
-          <a:fillRef idx="2">
-            <a:schemeClr val="accent4"/>
-          </a:fillRef>
-          <a:effectRef idx="1">
-            <a:schemeClr val="accent4"/>
-          </a:effectRef>
-          <a:fontRef idx="minor">
-            <a:schemeClr val="dk1"/>
-          </a:fontRef>
-        </p:style>
-        <p:txBody>
-          <a:bodyPr rtlCol="0" anchor="ctr">
-            <a:spAutoFit/>
-          </a:bodyPr>
-          <a:lstStyle/>
-          <a:p>
-            <a:pPr algn="ctr"/>
-            <a:r>
-              <a:rPr lang="en-US" sz="1600" dirty="0">
-                <a:solidFill>
-                  <a:srgbClr val="C00000"/>
-                </a:solidFill>
-                <a:latin typeface="Bahnschrift Light" panose="020B0502040204020203" pitchFamily="34" charset="0"/>
-              </a:rPr>
-              <a:t>Information for the team. Not intended for the presentation to be submitted.</a:t>
-            </a:r>
-          </a:p>
-        </p:txBody>
-      </p:sp>
     </p:spTree>
     <p:extLst>
       <p:ext uri="{BB962C8B-B14F-4D97-AF65-F5344CB8AC3E}">
-        <p14:creationId xmlns:p14="http://schemas.microsoft.com/office/powerpoint/2010/main" val="2872437088"/>
+        <p14:creationId xmlns:p14="http://schemas.microsoft.com/office/powerpoint/2010/main" val="873094507"/>
       </p:ext>
     </p:extLst>
   </p:cSld>
@@ -4974,6 +5325,89 @@
 </p:sld>
 </file>
 
+<file path=ppt/slides/slide29.xml><?xml version="1.0" encoding="utf-8"?>
+<p:sld xmlns:a="http://schemas.openxmlformats.org/drawingml/2006/main" xmlns:r="http://schemas.openxmlformats.org/officeDocument/2006/relationships" xmlns:p="http://schemas.openxmlformats.org/presentationml/2006/main">
+  <p:cSld>
+    <p:spTree>
+      <p:nvGrpSpPr>
+        <p:cNvPr id="1" name=""/>
+        <p:cNvGrpSpPr/>
+        <p:nvPr/>
+      </p:nvGrpSpPr>
+      <p:grpSpPr>
+        <a:xfrm>
+          <a:off x="0" y="0"/>
+          <a:ext cx="0" cy="0"/>
+          <a:chOff x="0" y="0"/>
+          <a:chExt cx="0" cy="0"/>
+        </a:xfrm>
+      </p:grpSpPr>
+      <p:sp>
+        <p:nvSpPr>
+          <p:cNvPr id="2" name="Title 1">
+            <a:extLst>
+              <a:ext uri="{FF2B5EF4-FFF2-40B4-BE49-F238E27FC236}">
+                <a16:creationId xmlns:a16="http://schemas.microsoft.com/office/drawing/2014/main" id="{1D874D1A-AB74-454B-809C-A1EC56F38015}"/>
+              </a:ext>
+            </a:extLst>
+          </p:cNvPr>
+          <p:cNvSpPr>
+            <a:spLocks noGrp="1"/>
+          </p:cNvSpPr>
+          <p:nvPr>
+            <p:ph type="title"/>
+          </p:nvPr>
+        </p:nvSpPr>
+        <p:spPr/>
+        <p:txBody>
+          <a:bodyPr/>
+          <a:lstStyle/>
+          <a:p>
+            <a:r>
+              <a:rPr lang="en-US" dirty="0"/>
+              <a:t>Further Details</a:t>
+            </a:r>
+          </a:p>
+        </p:txBody>
+      </p:sp>
+      <p:sp>
+        <p:nvSpPr>
+          <p:cNvPr id="3" name="Text Placeholder 2">
+            <a:extLst>
+              <a:ext uri="{FF2B5EF4-FFF2-40B4-BE49-F238E27FC236}">
+                <a16:creationId xmlns:a16="http://schemas.microsoft.com/office/drawing/2014/main" id="{96D075BA-A1A9-478A-BAD5-9C9FAECB1C37}"/>
+              </a:ext>
+            </a:extLst>
+          </p:cNvPr>
+          <p:cNvSpPr>
+            <a:spLocks noGrp="1"/>
+          </p:cNvSpPr>
+          <p:nvPr>
+            <p:ph type="body" idx="1"/>
+          </p:nvPr>
+        </p:nvSpPr>
+        <p:spPr/>
+        <p:txBody>
+          <a:bodyPr/>
+          <a:lstStyle/>
+          <a:p>
+            <a:endParaRPr lang="en-US"/>
+          </a:p>
+        </p:txBody>
+      </p:sp>
+    </p:spTree>
+    <p:extLst>
+      <p:ext uri="{BB962C8B-B14F-4D97-AF65-F5344CB8AC3E}">
+        <p14:creationId xmlns:p14="http://schemas.microsoft.com/office/powerpoint/2010/main" val="203521467"/>
+      </p:ext>
+    </p:extLst>
+  </p:cSld>
+  <p:clrMapOvr>
+    <a:masterClrMapping/>
+  </p:clrMapOvr>
+</p:sld>
+</file>
+
 <file path=ppt/slides/slide3.xml><?xml version="1.0" encoding="utf-8"?>
 <p:sld xmlns:a="http://schemas.openxmlformats.org/drawingml/2006/main" xmlns:r="http://schemas.openxmlformats.org/officeDocument/2006/relationships" xmlns:p="http://schemas.openxmlformats.org/presentationml/2006/main">
   <p:cSld>
@@ -4991,6 +5425,66 @@
           <a:chExt cx="0" cy="0"/>
         </a:xfrm>
       </p:grpSpPr>
+      <p:pic>
+        <p:nvPicPr>
+          <p:cNvPr id="2" name="Picture 1">
+            <a:extLst>
+              <a:ext uri="{FF2B5EF4-FFF2-40B4-BE49-F238E27FC236}">
+                <a16:creationId xmlns:a16="http://schemas.microsoft.com/office/drawing/2014/main" id="{B9A6EAB7-5F3E-4190-9437-36EF9981CE5A}"/>
+              </a:ext>
+            </a:extLst>
+          </p:cNvPr>
+          <p:cNvPicPr>
+            <a:picLocks noChangeAspect="1"/>
+          </p:cNvPicPr>
+          <p:nvPr/>
+        </p:nvPicPr>
+        <p:blipFill>
+          <a:blip r:embed="rId2"/>
+          <a:stretch>
+            <a:fillRect/>
+          </a:stretch>
+        </p:blipFill>
+        <p:spPr>
+          <a:xfrm>
+            <a:off x="381000" y="0"/>
+            <a:ext cx="11430000" cy="6858000"/>
+          </a:xfrm>
+          <a:prstGeom prst="rect">
+            <a:avLst/>
+          </a:prstGeom>
+        </p:spPr>
+      </p:pic>
+    </p:spTree>
+    <p:extLst>
+      <p:ext uri="{BB962C8B-B14F-4D97-AF65-F5344CB8AC3E}">
+        <p14:creationId xmlns:p14="http://schemas.microsoft.com/office/powerpoint/2010/main" val="1176847218"/>
+      </p:ext>
+    </p:extLst>
+  </p:cSld>
+  <p:clrMapOvr>
+    <a:masterClrMapping/>
+  </p:clrMapOvr>
+</p:sld>
+</file>
+
+<file path=ppt/slides/slide30.xml><?xml version="1.0" encoding="utf-8"?>
+<p:sld xmlns:a="http://schemas.openxmlformats.org/drawingml/2006/main" xmlns:r="http://schemas.openxmlformats.org/officeDocument/2006/relationships" xmlns:p="http://schemas.openxmlformats.org/presentationml/2006/main">
+  <p:cSld>
+    <p:spTree>
+      <p:nvGrpSpPr>
+        <p:cNvPr id="1" name=""/>
+        <p:cNvGrpSpPr/>
+        <p:nvPr/>
+      </p:nvGrpSpPr>
+      <p:grpSpPr>
+        <a:xfrm>
+          <a:off x="0" y="0"/>
+          <a:ext cx="0" cy="0"/>
+          <a:chOff x="0" y="0"/>
+          <a:chExt cx="0" cy="0"/>
+        </a:xfrm>
+      </p:grpSpPr>
       <p:sp>
         <p:nvSpPr>
           <p:cNvPr id="2" name="Title 1">
@@ -5069,6 +5563,124 @@
     <p:extLst>
       <p:ext uri="{BB962C8B-B14F-4D97-AF65-F5344CB8AC3E}">
         <p14:creationId xmlns:p14="http://schemas.microsoft.com/office/powerpoint/2010/main" val="2080982515"/>
+      </p:ext>
+    </p:extLst>
+  </p:cSld>
+  <p:clrMapOvr>
+    <a:masterClrMapping/>
+  </p:clrMapOvr>
+</p:sld>
+</file>
+
+<file path=ppt/slides/slide31.xml><?xml version="1.0" encoding="utf-8"?>
+<p:sld xmlns:a="http://schemas.openxmlformats.org/drawingml/2006/main" xmlns:r="http://schemas.openxmlformats.org/officeDocument/2006/relationships" xmlns:p="http://schemas.openxmlformats.org/presentationml/2006/main">
+  <p:cSld>
+    <p:spTree>
+      <p:nvGrpSpPr>
+        <p:cNvPr id="1" name=""/>
+        <p:cNvGrpSpPr/>
+        <p:nvPr/>
+      </p:nvGrpSpPr>
+      <p:grpSpPr>
+        <a:xfrm>
+          <a:off x="0" y="0"/>
+          <a:ext cx="0" cy="0"/>
+          <a:chOff x="0" y="0"/>
+          <a:chExt cx="0" cy="0"/>
+        </a:xfrm>
+      </p:grpSpPr>
+      <p:sp>
+        <p:nvSpPr>
+          <p:cNvPr id="2" name="Title 1">
+            <a:extLst>
+              <a:ext uri="{FF2B5EF4-FFF2-40B4-BE49-F238E27FC236}">
+                <a16:creationId xmlns:a16="http://schemas.microsoft.com/office/drawing/2014/main" id="{2E8FC4C9-D28F-4F05-B337-195B5CF361B3}"/>
+              </a:ext>
+            </a:extLst>
+          </p:cNvPr>
+          <p:cNvSpPr>
+            <a:spLocks noGrp="1"/>
+          </p:cNvSpPr>
+          <p:nvPr>
+            <p:ph type="title"/>
+          </p:nvPr>
+        </p:nvSpPr>
+        <p:spPr/>
+        <p:txBody>
+          <a:bodyPr/>
+          <a:lstStyle/>
+          <a:p>
+            <a:r>
+              <a:rPr lang="en-US" dirty="0"/>
+              <a:t>Data Preprocessing</a:t>
+            </a:r>
+          </a:p>
+        </p:txBody>
+      </p:sp>
+      <p:sp>
+        <p:nvSpPr>
+          <p:cNvPr id="3" name="Content Placeholder 2">
+            <a:extLst>
+              <a:ext uri="{FF2B5EF4-FFF2-40B4-BE49-F238E27FC236}">
+                <a16:creationId xmlns:a16="http://schemas.microsoft.com/office/drawing/2014/main" id="{EBBEE0E0-B35B-4EDF-9D7C-9A31105F5C42}"/>
+              </a:ext>
+            </a:extLst>
+          </p:cNvPr>
+          <p:cNvSpPr>
+            <a:spLocks noGrp="1"/>
+          </p:cNvSpPr>
+          <p:nvPr>
+            <p:ph idx="1"/>
+          </p:nvPr>
+        </p:nvSpPr>
+        <p:spPr/>
+        <p:txBody>
+          <a:bodyPr/>
+          <a:lstStyle/>
+          <a:p>
+            <a:r>
+              <a:rPr lang="en-US" dirty="0"/>
+              <a:t>Combined all files into</a:t>
+            </a:r>
+          </a:p>
+          <a:p>
+            <a:pPr lvl="1"/>
+            <a:r>
+              <a:rPr lang="en-US" dirty="0"/>
+              <a:t>One file with multiple sheets</a:t>
+            </a:r>
+          </a:p>
+          <a:p>
+            <a:pPr lvl="1"/>
+            <a:r>
+              <a:rPr lang="en-US" dirty="0"/>
+              <a:t>A single sheet</a:t>
+            </a:r>
+          </a:p>
+          <a:p>
+            <a:r>
+              <a:rPr lang="en-US" dirty="0"/>
+              <a:t>Performed PCA </a:t>
+            </a:r>
+          </a:p>
+          <a:p>
+            <a:r>
+              <a:rPr lang="en-US" dirty="0"/>
+              <a:t>Converted text into numerical values </a:t>
+            </a:r>
+          </a:p>
+          <a:p>
+            <a:r>
+              <a:rPr lang="en-US" dirty="0"/>
+              <a:t>Added Country-Continent table to map indicators to continents</a:t>
+            </a:r>
+          </a:p>
+        </p:txBody>
+      </p:sp>
+    </p:spTree>
+    <p:extLst>
+      <p:ext uri="{BB962C8B-B14F-4D97-AF65-F5344CB8AC3E}">
+        <p14:creationId xmlns:p14="http://schemas.microsoft.com/office/powerpoint/2010/main" val="775465814"/>
       </p:ext>
     </p:extLst>
   </p:cSld>
@@ -5100,7 +5712,7 @@
           <p:cNvPr id="2" name="Title 1">
             <a:extLst>
               <a:ext uri="{FF2B5EF4-FFF2-40B4-BE49-F238E27FC236}">
-                <a16:creationId xmlns:a16="http://schemas.microsoft.com/office/drawing/2014/main" id="{2E8FC4C9-D28F-4F05-B337-195B5CF361B3}"/>
+                <a16:creationId xmlns:a16="http://schemas.microsoft.com/office/drawing/2014/main" id="{0250D1CE-45B9-4943-A6D8-73321CDD5416}"/>
               </a:ext>
             </a:extLst>
           </p:cNvPr>
@@ -5118,17 +5730,17 @@
           <a:p>
             <a:r>
               <a:rPr lang="en-US" dirty="0"/>
-              <a:t>Data Preprocessing</a:t>
-            </a:r>
-          </a:p>
-        </p:txBody>
-      </p:sp>
-      <p:sp>
-        <p:nvSpPr>
-          <p:cNvPr id="3" name="Content Placeholder 2">
+              <a:t>Global Overview</a:t>
+            </a:r>
+          </a:p>
+        </p:txBody>
+      </p:sp>
+      <p:sp>
+        <p:nvSpPr>
+          <p:cNvPr id="3" name="Text Placeholder 2">
             <a:extLst>
               <a:ext uri="{FF2B5EF4-FFF2-40B4-BE49-F238E27FC236}">
-                <a16:creationId xmlns:a16="http://schemas.microsoft.com/office/drawing/2014/main" id="{EBBEE0E0-B35B-4EDF-9D7C-9A31105F5C42}"/>
+                <a16:creationId xmlns:a16="http://schemas.microsoft.com/office/drawing/2014/main" id="{3B5E0657-649F-4545-B944-A9FDC2438FB6}"/>
               </a:ext>
             </a:extLst>
           </p:cNvPr>
@@ -5136,7 +5748,7 @@
             <a:spLocks noGrp="1"/>
           </p:cNvSpPr>
           <p:nvPr>
-            <p:ph idx="1"/>
+            <p:ph type="body" idx="1"/>
           </p:nvPr>
         </p:nvSpPr>
         <p:spPr/>
@@ -5144,49 +5756,14 @@
           <a:bodyPr/>
           <a:lstStyle/>
           <a:p>
-            <a:r>
-              <a:rPr lang="en-US" dirty="0"/>
-              <a:t>Combined all files into</a:t>
-            </a:r>
-          </a:p>
-          <a:p>
-            <a:pPr lvl="1"/>
-            <a:r>
-              <a:rPr lang="en-US" dirty="0"/>
-              <a:t>One file with multiple sheets</a:t>
-            </a:r>
-          </a:p>
-          <a:p>
-            <a:pPr lvl="1"/>
-            <a:r>
-              <a:rPr lang="en-US" dirty="0"/>
-              <a:t>A single sheet</a:t>
-            </a:r>
-          </a:p>
-          <a:p>
-            <a:r>
-              <a:rPr lang="en-US" dirty="0"/>
-              <a:t>Performed PCA </a:t>
-            </a:r>
-          </a:p>
-          <a:p>
-            <a:r>
-              <a:rPr lang="en-US" dirty="0"/>
-              <a:t>Converted text into numerical values </a:t>
-            </a:r>
-          </a:p>
-          <a:p>
-            <a:r>
-              <a:rPr lang="en-US" dirty="0"/>
-              <a:t>Added Country-Continent table to map indicators to continents</a:t>
-            </a:r>
+            <a:endParaRPr lang="en-US"/>
           </a:p>
         </p:txBody>
       </p:sp>
     </p:spTree>
     <p:extLst>
       <p:ext uri="{BB962C8B-B14F-4D97-AF65-F5344CB8AC3E}">
-        <p14:creationId xmlns:p14="http://schemas.microsoft.com/office/powerpoint/2010/main" val="775465814"/>
+        <p14:creationId xmlns:p14="http://schemas.microsoft.com/office/powerpoint/2010/main" val="1101572309"/>
       </p:ext>
     </p:extLst>
   </p:cSld>
@@ -5346,64 +5923,51 @@
       </p:pic>
       <p:sp>
         <p:nvSpPr>
-          <p:cNvPr id="15" name="Rectangle: Rounded Corners 14">
+          <p:cNvPr id="3" name="TextBox 2">
             <a:extLst>
               <a:ext uri="{FF2B5EF4-FFF2-40B4-BE49-F238E27FC236}">
-                <a16:creationId xmlns:a16="http://schemas.microsoft.com/office/drawing/2014/main" id="{380E4D05-B51C-4C98-9C75-23EB4C609B75}"/>
+                <a16:creationId xmlns:a16="http://schemas.microsoft.com/office/drawing/2014/main" id="{778BE619-C4C6-4EEA-98E3-D2B1AD96A253}"/>
               </a:ext>
             </a:extLst>
           </p:cNvPr>
-          <p:cNvSpPr/>
+          <p:cNvSpPr txBox="1"/>
           <p:nvPr/>
         </p:nvSpPr>
         <p:spPr>
           <a:xfrm>
-            <a:off x="1" y="1408033"/>
-            <a:ext cx="2947736" cy="4041934"/>
+            <a:off x="244897" y="2943894"/>
+            <a:ext cx="2457943" cy="1021556"/>
           </a:xfrm>
           <a:prstGeom prst="roundRect">
             <a:avLst/>
           </a:prstGeom>
+          <a:noFill/>
+          <a:ln w="28575"/>
         </p:spPr>
         <p:style>
-          <a:lnRef idx="1">
-            <a:schemeClr val="accent4"/>
+          <a:lnRef idx="2">
+            <a:schemeClr val="accent6"/>
           </a:lnRef>
-          <a:fillRef idx="2">
-            <a:schemeClr val="accent4"/>
+          <a:fillRef idx="1">
+            <a:schemeClr val="lt1"/>
           </a:fillRef>
-          <a:effectRef idx="1">
-            <a:schemeClr val="accent4"/>
+          <a:effectRef idx="0">
+            <a:schemeClr val="accent6"/>
           </a:effectRef>
           <a:fontRef idx="minor">
             <a:schemeClr val="dk1"/>
           </a:fontRef>
         </p:style>
         <p:txBody>
-          <a:bodyPr rtlCol="0" anchor="ctr">
+          <a:bodyPr wrap="square" rtlCol="0">
             <a:spAutoFit/>
           </a:bodyPr>
           <a:lstStyle/>
           <a:p>
-            <a:r>
-              <a:rPr lang="en-US" sz="1600" dirty="0">
-                <a:solidFill>
-                  <a:srgbClr val="C00000"/>
-                </a:solidFill>
-                <a:latin typeface="Bahnschrift Light" panose="020B0502040204020203" pitchFamily="34" charset="0"/>
-              </a:rPr>
-              <a:t>I wasn’t able to draw a conclusion or a story behind this plot. Below is my attempt:</a:t>
-            </a:r>
-          </a:p>
-          <a:p>
-            <a:r>
-              <a:rPr lang="en-US" sz="1600" dirty="0">
-                <a:solidFill>
-                  <a:srgbClr val="C00000"/>
-                </a:solidFill>
-                <a:latin typeface="Bahnschrift Light" panose="020B0502040204020203" pitchFamily="34" charset="0"/>
-              </a:rPr>
-              <a:t>* The majority of countries or even continents had an enhancement throughout the years from 2000 to 2018. The color shifts from light green (middle point of the legend) to darker green) as well as reduction in red (high percentage of tobacco consumption).</a:t>
+            <a:pPr algn="ctr"/>
+            <a:r>
+              <a:rPr lang="en-US" dirty="0"/>
+              <a:t>Percentage of smokers decreases over time in many countries</a:t>
             </a:r>
           </a:p>
         </p:txBody>
@@ -5461,7 +6025,7 @@
         <p:spPr>
           <a:xfrm>
             <a:off x="0" y="-252663"/>
-            <a:ext cx="10515600" cy="1325563"/>
+            <a:ext cx="12192000" cy="1325563"/>
           </a:xfrm>
         </p:spPr>
         <p:txBody>
@@ -5474,240 +6038,7 @@
               <a:rPr lang="en-US" sz="3200" dirty="0">
                 <a:latin typeface="Arial Black" panose="020B0A04020102020204" pitchFamily="34" charset="0"/>
               </a:rPr>
-              <a:t>TOP 10 COUNTRIES ON MEDICAL DOCTORS</a:t>
-            </a:r>
-          </a:p>
-        </p:txBody>
-      </p:sp>
-      <p:pic>
-        <p:nvPicPr>
-          <p:cNvPr id="4" name="Imagen 1" descr="07_HumanScience_V.png"/>
-          <p:cNvPicPr>
-            <a:picLocks noChangeAspect="1"/>
-          </p:cNvPicPr>
-          <p:nvPr/>
-        </p:nvPicPr>
-        <p:blipFill>
-          <a:blip r:embed="rId2" cstate="print">
-            <a:extLst>
-              <a:ext uri="{28A0092B-C50C-407E-A947-70E740481C1C}">
-                <a14:useLocalDpi xmlns:a14="http://schemas.microsoft.com/office/drawing/2010/main" val="0"/>
-              </a:ext>
-            </a:extLst>
-          </a:blip>
-          <a:srcRect/>
-          <a:stretch>
-            <a:fillRect/>
-          </a:stretch>
-        </p:blipFill>
-        <p:spPr bwMode="auto">
-          <a:xfrm>
-            <a:off x="-83373" y="5525029"/>
-            <a:ext cx="1843146" cy="1303867"/>
-          </a:xfrm>
-          <a:prstGeom prst="rect">
-            <a:avLst/>
-          </a:prstGeom>
-          <a:noFill/>
-          <a:ln>
-            <a:noFill/>
-          </a:ln>
-          <a:extLst>
-            <a:ext uri="{909E8E84-426E-40DD-AFC4-6F175D3DCCD1}">
-              <a14:hiddenFill xmlns:a14="http://schemas.microsoft.com/office/drawing/2010/main">
-                <a:solidFill>
-                  <a:srgbClr val="FFFFFF"/>
-                </a:solidFill>
-              </a14:hiddenFill>
-            </a:ext>
-            <a:ext uri="{91240B29-F687-4F45-9708-019B960494DF}">
-              <a14:hiddenLine xmlns:a14="http://schemas.microsoft.com/office/drawing/2010/main" w="9525">
-                <a:solidFill>
-                  <a:srgbClr val="000000"/>
-                </a:solidFill>
-                <a:miter lim="800000"/>
-                <a:headEnd/>
-                <a:tailEnd/>
-              </a14:hiddenLine>
-            </a:ext>
-          </a:extLst>
-        </p:spPr>
-      </p:pic>
-      <p:sp>
-        <p:nvSpPr>
-          <p:cNvPr id="15" name="Rectangle: Rounded Corners 14">
-            <a:extLst>
-              <a:ext uri="{FF2B5EF4-FFF2-40B4-BE49-F238E27FC236}">
-                <a16:creationId xmlns:a16="http://schemas.microsoft.com/office/drawing/2014/main" id="{380E4D05-B51C-4C98-9C75-23EB4C609B75}"/>
-              </a:ext>
-            </a:extLst>
-          </p:cNvPr>
-          <p:cNvSpPr/>
-          <p:nvPr/>
-        </p:nvSpPr>
-        <p:spPr>
-          <a:xfrm>
-            <a:off x="95289" y="1522367"/>
-            <a:ext cx="2947736" cy="3813274"/>
-          </a:xfrm>
-          <a:prstGeom prst="roundRect">
-            <a:avLst/>
-          </a:prstGeom>
-        </p:spPr>
-        <p:style>
-          <a:lnRef idx="1">
-            <a:schemeClr val="accent4"/>
-          </a:lnRef>
-          <a:fillRef idx="2">
-            <a:schemeClr val="accent4"/>
-          </a:fillRef>
-          <a:effectRef idx="1">
-            <a:schemeClr val="accent4"/>
-          </a:effectRef>
-          <a:fontRef idx="minor">
-            <a:schemeClr val="dk1"/>
-          </a:fontRef>
-        </p:style>
-        <p:txBody>
-          <a:bodyPr rtlCol="0" anchor="ctr">
-            <a:spAutoFit/>
-          </a:bodyPr>
-          <a:lstStyle/>
-          <a:p>
-            <a:r>
-              <a:rPr lang="en-US" sz="1600" dirty="0">
-                <a:solidFill>
-                  <a:srgbClr val="C00000"/>
-                </a:solidFill>
-                <a:latin typeface="Bahnschrift Light" panose="020B0502040204020203" pitchFamily="34" charset="0"/>
-              </a:rPr>
-              <a:t>In the first few years, Italy was leading at the top with more then 59 doctors available per 10,000 from the population. In year, 2000, Italy started dropping drastically and Cuba took the lead reaching more than 84 doctors per 10,000 of population by the year 2018.</a:t>
-            </a:r>
-          </a:p>
-          <a:p>
-            <a:endParaRPr lang="en-US" sz="1600" dirty="0">
-              <a:solidFill>
-                <a:srgbClr val="C00000"/>
-              </a:solidFill>
-              <a:latin typeface="Bahnschrift Light" panose="020B0502040204020203" pitchFamily="34" charset="0"/>
-            </a:endParaRPr>
-          </a:p>
-          <a:p>
-            <a:r>
-              <a:rPr lang="en-US" sz="1400" b="1" i="1" dirty="0">
-                <a:solidFill>
-                  <a:srgbClr val="C00000"/>
-                </a:solidFill>
-                <a:latin typeface="Bahnschrift Light" panose="020B0502040204020203" pitchFamily="34" charset="0"/>
-              </a:rPr>
-              <a:t>Missing the legend color</a:t>
-            </a:r>
-          </a:p>
-        </p:txBody>
-      </p:sp>
-      <p:pic>
-        <p:nvPicPr>
-          <p:cNvPr id="5" name="Picture 4">
-            <a:extLst>
-              <a:ext uri="{FF2B5EF4-FFF2-40B4-BE49-F238E27FC236}">
-                <a16:creationId xmlns:a16="http://schemas.microsoft.com/office/drawing/2014/main" id="{0EC2B2EE-231E-4E52-98E2-D995717FD4F2}"/>
-              </a:ext>
-            </a:extLst>
-          </p:cNvPr>
-          <p:cNvPicPr>
-            <a:picLocks noChangeAspect="1"/>
-          </p:cNvPicPr>
-          <p:nvPr/>
-        </p:nvPicPr>
-        <p:blipFill>
-          <a:blip r:embed="rId3">
-            <a:extLst>
-              <a:ext uri="{28A0092B-C50C-407E-A947-70E740481C1C}">
-                <a14:useLocalDpi xmlns:a14="http://schemas.microsoft.com/office/drawing/2010/main" val="0"/>
-              </a:ext>
-            </a:extLst>
-          </a:blip>
-          <a:stretch>
-            <a:fillRect/>
-          </a:stretch>
-        </p:blipFill>
-        <p:spPr>
-          <a:xfrm>
-            <a:off x="3143250" y="943239"/>
-            <a:ext cx="8548899" cy="4985306"/>
-          </a:xfrm>
-          <a:prstGeom prst="rect">
-            <a:avLst/>
-          </a:prstGeom>
-        </p:spPr>
-      </p:pic>
-    </p:spTree>
-    <p:extLst>
-      <p:ext uri="{BB962C8B-B14F-4D97-AF65-F5344CB8AC3E}">
-        <p14:creationId xmlns:p14="http://schemas.microsoft.com/office/powerpoint/2010/main" val="3795870630"/>
-      </p:ext>
-    </p:extLst>
-  </p:cSld>
-  <p:clrMapOvr>
-    <a:masterClrMapping/>
-  </p:clrMapOvr>
-</p:sld>
-</file>
-
-<file path=ppt/slides/slide7.xml><?xml version="1.0" encoding="utf-8"?>
-<p:sld xmlns:a="http://schemas.openxmlformats.org/drawingml/2006/main" xmlns:r="http://schemas.openxmlformats.org/officeDocument/2006/relationships" xmlns:p="http://schemas.openxmlformats.org/presentationml/2006/main">
-  <p:cSld>
-    <p:bg>
-      <p:bgPr>
-        <a:solidFill>
-          <a:schemeClr val="bg1">
-            <a:lumMod val="95000"/>
-          </a:schemeClr>
-        </a:solidFill>
-        <a:effectLst/>
-      </p:bgPr>
-    </p:bg>
-    <p:spTree>
-      <p:nvGrpSpPr>
-        <p:cNvPr id="1" name=""/>
-        <p:cNvGrpSpPr/>
-        <p:nvPr/>
-      </p:nvGrpSpPr>
-      <p:grpSpPr>
-        <a:xfrm>
-          <a:off x="0" y="0"/>
-          <a:ext cx="0" cy="0"/>
-          <a:chOff x="0" y="0"/>
-          <a:chExt cx="0" cy="0"/>
-        </a:xfrm>
-      </p:grpSpPr>
-      <p:sp>
-        <p:nvSpPr>
-          <p:cNvPr id="2" name="Title 1"/>
-          <p:cNvSpPr>
-            <a:spLocks noGrp="1"/>
-          </p:cNvSpPr>
-          <p:nvPr>
-            <p:ph type="title"/>
-          </p:nvPr>
-        </p:nvSpPr>
-        <p:spPr>
-          <a:xfrm>
-            <a:off x="0" y="-252663"/>
-            <a:ext cx="12192000" cy="1325563"/>
-          </a:xfrm>
-        </p:spPr>
-        <p:txBody>
-          <a:bodyPr>
-            <a:normAutofit/>
-          </a:bodyPr>
-          <a:lstStyle/>
-          <a:p>
-            <a:r>
-              <a:rPr lang="en-US" sz="3200" dirty="0">
-                <a:latin typeface="Arial Black" panose="020B0A04020102020204" pitchFamily="34" charset="0"/>
-              </a:rPr>
-              <a:t>LIFE EXPECTANCY AT BIRTH FOR FEMALES. WHY?</a:t>
+              <a:t>TOP 10 COUNTRIES OVER THE YEARS</a:t>
             </a:r>
           </a:p>
         </p:txBody>
@@ -5768,10 +6099,10 @@
       </p:pic>
       <p:pic>
         <p:nvPicPr>
-          <p:cNvPr id="7" name="slide3" descr="Comaprison">
+          <p:cNvPr id="5" name="Picture 4">
             <a:extLst>
               <a:ext uri="{FF2B5EF4-FFF2-40B4-BE49-F238E27FC236}">
-                <a16:creationId xmlns:a16="http://schemas.microsoft.com/office/drawing/2014/main" id="{087427E1-A031-4026-B2C3-297CBA1F048F}"/>
+                <a16:creationId xmlns:a16="http://schemas.microsoft.com/office/drawing/2014/main" id="{0EC2B2EE-231E-4E52-98E2-D995717FD4F2}"/>
               </a:ext>
             </a:extLst>
           </p:cNvPr>
@@ -5794,173 +6125,101 @@
         </p:blipFill>
         <p:spPr>
           <a:xfrm>
-            <a:off x="0" y="637867"/>
-            <a:ext cx="9795601" cy="6220133"/>
+            <a:off x="1444631" y="777666"/>
+            <a:ext cx="10426672" cy="6080333"/>
           </a:xfrm>
           <a:prstGeom prst="rect">
             <a:avLst/>
           </a:prstGeom>
         </p:spPr>
       </p:pic>
-      <p:sp>
-        <p:nvSpPr>
-          <p:cNvPr id="15" name="Rectangle: Rounded Corners 14">
-            <a:extLst>
-              <a:ext uri="{FF2B5EF4-FFF2-40B4-BE49-F238E27FC236}">
-                <a16:creationId xmlns:a16="http://schemas.microsoft.com/office/drawing/2014/main" id="{380E4D05-B51C-4C98-9C75-23EB4C609B75}"/>
-              </a:ext>
-            </a:extLst>
-          </p:cNvPr>
-          <p:cNvSpPr/>
-          <p:nvPr/>
-        </p:nvSpPr>
-        <p:spPr>
-          <a:xfrm>
-            <a:off x="8145379" y="1466390"/>
-            <a:ext cx="3850105" cy="5257800"/>
-          </a:xfrm>
-          <a:prstGeom prst="roundRect">
-            <a:avLst/>
-          </a:prstGeom>
-        </p:spPr>
-        <p:style>
-          <a:lnRef idx="1">
-            <a:schemeClr val="accent4"/>
-          </a:lnRef>
-          <a:fillRef idx="2">
-            <a:schemeClr val="accent4"/>
-          </a:fillRef>
-          <a:effectRef idx="1">
-            <a:schemeClr val="accent4"/>
-          </a:effectRef>
-          <a:fontRef idx="minor">
-            <a:schemeClr val="dk1"/>
-          </a:fontRef>
-        </p:style>
-        <p:txBody>
-          <a:bodyPr rtlCol="0" anchor="ctr">
-            <a:spAutoFit/>
-          </a:bodyPr>
-          <a:lstStyle/>
-          <a:p>
-            <a:r>
-              <a:rPr lang="en-US" sz="1400" dirty="0">
-                <a:solidFill>
-                  <a:srgbClr val="C00000"/>
-                </a:solidFill>
-                <a:latin typeface="Bahnschrift Light" panose="020B0502040204020203" pitchFamily="34" charset="0"/>
-              </a:rPr>
-              <a:t>This plot shows that females in Lesotho between the age of 15-19 years give birth at a much higher rate when compared to Japan. (</a:t>
-            </a:r>
-            <a:r>
-              <a:rPr lang="en-US" sz="1400" dirty="0" err="1">
-                <a:solidFill>
-                  <a:srgbClr val="C00000"/>
-                </a:solidFill>
-                <a:latin typeface="Bahnschrift Light" panose="020B0502040204020203" pitchFamily="34" charset="0"/>
-              </a:rPr>
-              <a:t>Adolesent</a:t>
-            </a:r>
-            <a:r>
-              <a:rPr lang="en-US" sz="1400" dirty="0">
-                <a:solidFill>
-                  <a:srgbClr val="C00000"/>
-                </a:solidFill>
-                <a:latin typeface="Bahnschrift Light" panose="020B0502040204020203" pitchFamily="34" charset="0"/>
-              </a:rPr>
-              <a:t> Birth Rate is the annual number of births to 15-19 years of age per 1,000 females in that age group).</a:t>
-            </a:r>
-          </a:p>
-          <a:p>
-            <a:endParaRPr lang="en-US" sz="1400" dirty="0">
-              <a:solidFill>
-                <a:srgbClr val="C00000"/>
-              </a:solidFill>
-              <a:latin typeface="Bahnschrift Light" panose="020B0502040204020203" pitchFamily="34" charset="0"/>
-            </a:endParaRPr>
-          </a:p>
-          <a:p>
-            <a:r>
-              <a:rPr lang="en-US" sz="1400" dirty="0">
-                <a:solidFill>
-                  <a:srgbClr val="C00000"/>
-                </a:solidFill>
-                <a:latin typeface="Bahnschrift Light" panose="020B0502040204020203" pitchFamily="34" charset="0"/>
-              </a:rPr>
-              <a:t>Crude suicide rate is the number of deaths in a year divided by the population and multiplied by 100,000 (per 100,000 population). Lesotho has much higher rates as well in suicide when compared to Japan.</a:t>
-            </a:r>
-          </a:p>
-          <a:p>
-            <a:endParaRPr lang="en-US" sz="1400" dirty="0">
-              <a:solidFill>
-                <a:srgbClr val="C00000"/>
-              </a:solidFill>
-              <a:latin typeface="Bahnschrift Light" panose="020B0502040204020203" pitchFamily="34" charset="0"/>
-            </a:endParaRPr>
-          </a:p>
-          <a:p>
-            <a:r>
-              <a:rPr lang="en-US" sz="1400" dirty="0" err="1">
-                <a:solidFill>
-                  <a:srgbClr val="C00000"/>
-                </a:solidFill>
-                <a:latin typeface="Bahnschrift Light" panose="020B0502040204020203" pitchFamily="34" charset="0"/>
-              </a:rPr>
-              <a:t>NCD</a:t>
-            </a:r>
-            <a:r>
-              <a:rPr lang="en-US" sz="1400" dirty="0">
-                <a:solidFill>
-                  <a:srgbClr val="C00000"/>
-                </a:solidFill>
-                <a:latin typeface="Bahnschrift Light" panose="020B0502040204020203" pitchFamily="34" charset="0"/>
-              </a:rPr>
-              <a:t> are non-infectious and non-transmissible among people. Lesotho has much more </a:t>
-            </a:r>
-            <a:r>
-              <a:rPr lang="en-US" sz="1400" dirty="0" err="1">
-                <a:solidFill>
-                  <a:srgbClr val="C00000"/>
-                </a:solidFill>
-                <a:latin typeface="Bahnschrift Light" panose="020B0502040204020203" pitchFamily="34" charset="0"/>
-              </a:rPr>
-              <a:t>NCDs</a:t>
-            </a:r>
-            <a:r>
-              <a:rPr lang="en-US" sz="1400" dirty="0">
-                <a:solidFill>
-                  <a:srgbClr val="C00000"/>
-                </a:solidFill>
-                <a:latin typeface="Bahnschrift Light" panose="020B0502040204020203" pitchFamily="34" charset="0"/>
-              </a:rPr>
-              <a:t> than Japan.</a:t>
-            </a:r>
-          </a:p>
-          <a:p>
-            <a:endParaRPr lang="en-US" sz="1400" dirty="0">
-              <a:solidFill>
-                <a:srgbClr val="C00000"/>
-              </a:solidFill>
-              <a:latin typeface="Bahnschrift Light" panose="020B0502040204020203" pitchFamily="34" charset="0"/>
-            </a:endParaRPr>
-          </a:p>
-          <a:p>
-            <a:r>
-              <a:rPr lang="en-US" sz="1200" i="1" dirty="0">
-                <a:solidFill>
-                  <a:srgbClr val="C00000"/>
-                </a:solidFill>
-                <a:latin typeface="Bahnschrift Light" panose="020B0502040204020203" pitchFamily="34" charset="0"/>
-              </a:rPr>
-              <a:t>NOTE: The lowest country is Central African Republic, not Lesotho as illustrated in the previous slide. I recommend replacing Lesotho with Central African Republic.</a:t>
-            </a:r>
-          </a:p>
-        </p:txBody>
-      </p:sp>
     </p:spTree>
     <p:extLst>
       <p:ext uri="{BB962C8B-B14F-4D97-AF65-F5344CB8AC3E}">
-        <p14:creationId xmlns:p14="http://schemas.microsoft.com/office/powerpoint/2010/main" val="3541849229"/>
+        <p14:creationId xmlns:p14="http://schemas.microsoft.com/office/powerpoint/2010/main" val="3795870630"/>
+      </p:ext>
+    </p:extLst>
+  </p:cSld>
+  <p:clrMapOvr>
+    <a:masterClrMapping/>
+  </p:clrMapOvr>
+</p:sld>
+</file>
+
+<file path=ppt/slides/slide7.xml><?xml version="1.0" encoding="utf-8"?>
+<p:sld xmlns:a="http://schemas.openxmlformats.org/drawingml/2006/main" xmlns:r="http://schemas.openxmlformats.org/officeDocument/2006/relationships" xmlns:p="http://schemas.openxmlformats.org/presentationml/2006/main">
+  <p:cSld>
+    <p:spTree>
+      <p:nvGrpSpPr>
+        <p:cNvPr id="1" name=""/>
+        <p:cNvGrpSpPr/>
+        <p:nvPr/>
+      </p:nvGrpSpPr>
+      <p:grpSpPr>
+        <a:xfrm>
+          <a:off x="0" y="0"/>
+          <a:ext cx="0" cy="0"/>
+          <a:chOff x="0" y="0"/>
+          <a:chExt cx="0" cy="0"/>
+        </a:xfrm>
+      </p:grpSpPr>
+      <p:sp>
+        <p:nvSpPr>
+          <p:cNvPr id="2" name="Title 1">
+            <a:extLst>
+              <a:ext uri="{FF2B5EF4-FFF2-40B4-BE49-F238E27FC236}">
+                <a16:creationId xmlns:a16="http://schemas.microsoft.com/office/drawing/2014/main" id="{18AB46F5-7BEE-4E6A-AB1E-61104FAAD67D}"/>
+              </a:ext>
+            </a:extLst>
+          </p:cNvPr>
+          <p:cNvSpPr>
+            <a:spLocks noGrp="1"/>
+          </p:cNvSpPr>
+          <p:nvPr>
+            <p:ph type="title"/>
+          </p:nvPr>
+        </p:nvSpPr>
+        <p:spPr/>
+        <p:txBody>
+          <a:bodyPr/>
+          <a:lstStyle/>
+          <a:p>
+            <a:r>
+              <a:rPr lang="en-US" dirty="0"/>
+              <a:t>Harmful Behavior</a:t>
+            </a:r>
+          </a:p>
+        </p:txBody>
+      </p:sp>
+      <p:sp>
+        <p:nvSpPr>
+          <p:cNvPr id="3" name="Text Placeholder 2">
+            <a:extLst>
+              <a:ext uri="{FF2B5EF4-FFF2-40B4-BE49-F238E27FC236}">
+                <a16:creationId xmlns:a16="http://schemas.microsoft.com/office/drawing/2014/main" id="{86577084-872D-431D-B646-BAFB59DA3608}"/>
+              </a:ext>
+            </a:extLst>
+          </p:cNvPr>
+          <p:cNvSpPr>
+            <a:spLocks noGrp="1"/>
+          </p:cNvSpPr>
+          <p:nvPr>
+            <p:ph type="body" idx="1"/>
+          </p:nvPr>
+        </p:nvSpPr>
+        <p:spPr/>
+        <p:txBody>
+          <a:bodyPr/>
+          <a:lstStyle/>
+          <a:p>
+            <a:endParaRPr lang="en-US"/>
+          </a:p>
+        </p:txBody>
+      </p:sp>
+    </p:spTree>
+    <p:extLst>
+      <p:ext uri="{BB962C8B-B14F-4D97-AF65-F5344CB8AC3E}">
+        <p14:creationId xmlns:p14="http://schemas.microsoft.com/office/powerpoint/2010/main" val="323654679"/>
       </p:ext>
     </p:extLst>
   </p:cSld>
@@ -5987,46 +6246,176 @@
           <a:chExt cx="0" cy="0"/>
         </a:xfrm>
       </p:grpSpPr>
-      <p:pic>
-        <p:nvPicPr>
-          <p:cNvPr id="2" name="slide2" descr="Communicable Diseases Worldwide (2)">
+      <p:sp>
+        <p:nvSpPr>
+          <p:cNvPr id="2" name="Title 1">
             <a:extLst>
               <a:ext uri="{FF2B5EF4-FFF2-40B4-BE49-F238E27FC236}">
-                <a16:creationId xmlns:a16="http://schemas.microsoft.com/office/drawing/2014/main" id="{E6051E62-9711-4DD2-A86D-DB004F671383}"/>
+                <a16:creationId xmlns:a16="http://schemas.microsoft.com/office/drawing/2014/main" id="{20A6F0D7-B434-42B5-9470-0A4625CFBDCD}"/>
               </a:ext>
             </a:extLst>
           </p:cNvPr>
-          <p:cNvPicPr>
-            <a:picLocks noChangeAspect="1"/>
-          </p:cNvPicPr>
+          <p:cNvSpPr>
+            <a:spLocks noGrp="1"/>
+          </p:cNvSpPr>
+          <p:nvPr>
+            <p:ph type="title"/>
+          </p:nvPr>
+        </p:nvSpPr>
+        <p:spPr/>
+        <p:txBody>
+          <a:bodyPr>
+            <a:normAutofit/>
+          </a:bodyPr>
+          <a:lstStyle/>
+          <a:p>
+            <a:r>
+              <a:rPr lang="en-US" sz="4000" dirty="0"/>
+              <a:t>Violence to Women by Partners (current &amp; Ex)</a:t>
+            </a:r>
+          </a:p>
+        </p:txBody>
+      </p:sp>
+      <p:sp>
+        <p:nvSpPr>
+          <p:cNvPr id="3" name="Content Placeholder 2">
+            <a:extLst>
+              <a:ext uri="{FF2B5EF4-FFF2-40B4-BE49-F238E27FC236}">
+                <a16:creationId xmlns:a16="http://schemas.microsoft.com/office/drawing/2014/main" id="{6D7967F9-FA19-4FC8-B9B9-D3C4D51BD8B3}"/>
+              </a:ext>
+            </a:extLst>
+          </p:cNvPr>
+          <p:cNvSpPr>
+            <a:spLocks noGrp="1"/>
+          </p:cNvSpPr>
+          <p:nvPr>
+            <p:ph idx="1"/>
+          </p:nvPr>
+        </p:nvSpPr>
+        <p:spPr/>
+        <p:txBody>
+          <a:bodyPr/>
+          <a:lstStyle/>
+          <a:p>
+            <a:r>
+              <a:rPr lang="en-US" dirty="0"/>
+              <a:t>Oceania scores the highest in this indicator</a:t>
+            </a:r>
+          </a:p>
+        </p:txBody>
+      </p:sp>
+      <p:grpSp>
+        <p:nvGrpSpPr>
+          <p:cNvPr id="4" name="Group 3">
+            <a:extLst>
+              <a:ext uri="{FF2B5EF4-FFF2-40B4-BE49-F238E27FC236}">
+                <a16:creationId xmlns:a16="http://schemas.microsoft.com/office/drawing/2014/main" id="{B7498063-460A-4101-B232-B297CE0E2FBE}"/>
+              </a:ext>
+            </a:extLst>
+          </p:cNvPr>
+          <p:cNvGrpSpPr/>
           <p:nvPr/>
-        </p:nvPicPr>
-        <p:blipFill>
-          <a:blip r:embed="rId2">
-            <a:extLst>
-              <a:ext uri="{28A0092B-C50C-407E-A947-70E740481C1C}">
-                <a14:useLocalDpi xmlns:a14="http://schemas.microsoft.com/office/drawing/2010/main" val="0"/>
-              </a:ext>
-            </a:extLst>
-          </a:blip>
-          <a:stretch>
-            <a:fillRect/>
-          </a:stretch>
-        </p:blipFill>
-        <p:spPr>
+        </p:nvGrpSpPr>
+        <p:grpSpPr>
           <a:xfrm>
-            <a:off x="215327" y="0"/>
-            <a:ext cx="11761345" cy="6858000"/>
+            <a:off x="1510186" y="2700338"/>
+            <a:ext cx="9171628" cy="3038475"/>
+            <a:chOff x="3020372" y="2105024"/>
+            <a:chExt cx="9171628" cy="3038475"/>
           </a:xfrm>
-          <a:prstGeom prst="rect">
-            <a:avLst/>
-          </a:prstGeom>
-        </p:spPr>
-      </p:pic>
+        </p:grpSpPr>
+        <p:pic>
+          <p:nvPicPr>
+            <p:cNvPr id="5" name="slide2" descr="Sheet 1">
+              <a:extLst>
+                <a:ext uri="{FF2B5EF4-FFF2-40B4-BE49-F238E27FC236}">
+                  <a16:creationId xmlns:a16="http://schemas.microsoft.com/office/drawing/2014/main" id="{385DB09A-5DB8-4057-9701-C2243B44CD62}"/>
+                </a:ext>
+              </a:extLst>
+            </p:cNvPr>
+            <p:cNvPicPr>
+              <a:picLocks noChangeAspect="1"/>
+            </p:cNvPicPr>
+            <p:nvPr/>
+          </p:nvPicPr>
+          <p:blipFill rotWithShape="1">
+            <a:blip r:embed="rId2">
+              <a:extLst>
+                <a:ext uri="{28A0092B-C50C-407E-A947-70E740481C1C}">
+                  <a14:useLocalDpi xmlns:a14="http://schemas.microsoft.com/office/drawing/2010/main" val="0"/>
+                </a:ext>
+              </a:extLst>
+            </a:blip>
+            <a:srcRect b="13122"/>
+            <a:stretch/>
+          </p:blipFill>
+          <p:spPr>
+            <a:xfrm>
+              <a:off x="3020372" y="2105024"/>
+              <a:ext cx="9171628" cy="3038475"/>
+            </a:xfrm>
+            <a:prstGeom prst="rect">
+              <a:avLst/>
+            </a:prstGeom>
+          </p:spPr>
+        </p:pic>
+        <p:sp>
+          <p:nvSpPr>
+            <p:cNvPr id="6" name="Rectangle 5">
+              <a:extLst>
+                <a:ext uri="{FF2B5EF4-FFF2-40B4-BE49-F238E27FC236}">
+                  <a16:creationId xmlns:a16="http://schemas.microsoft.com/office/drawing/2014/main" id="{70839024-1179-481E-83A9-313A2A09452A}"/>
+                </a:ext>
+              </a:extLst>
+            </p:cNvPr>
+            <p:cNvSpPr/>
+            <p:nvPr/>
+          </p:nvSpPr>
+          <p:spPr>
+            <a:xfrm>
+              <a:off x="3807000" y="2380376"/>
+              <a:ext cx="98249" cy="192947"/>
+            </a:xfrm>
+            <a:prstGeom prst="rect">
+              <a:avLst/>
+            </a:prstGeom>
+            <a:solidFill>
+              <a:schemeClr val="bg1"/>
+            </a:solidFill>
+            <a:ln>
+              <a:noFill/>
+            </a:ln>
+          </p:spPr>
+          <p:style>
+            <a:lnRef idx="2">
+              <a:schemeClr val="accent1">
+                <a:shade val="50000"/>
+              </a:schemeClr>
+            </a:lnRef>
+            <a:fillRef idx="1">
+              <a:schemeClr val="accent1"/>
+            </a:fillRef>
+            <a:effectRef idx="0">
+              <a:schemeClr val="accent1"/>
+            </a:effectRef>
+            <a:fontRef idx="minor">
+              <a:schemeClr val="lt1"/>
+            </a:fontRef>
+          </p:style>
+          <p:txBody>
+            <a:bodyPr rtlCol="0" anchor="ctr"/>
+            <a:lstStyle/>
+            <a:p>
+              <a:pPr algn="ctr"/>
+              <a:endParaRPr lang="en-US"/>
+            </a:p>
+          </p:txBody>
+        </p:sp>
+      </p:grpSp>
     </p:spTree>
     <p:extLst>
       <p:ext uri="{BB962C8B-B14F-4D97-AF65-F5344CB8AC3E}">
-        <p14:creationId xmlns:p14="http://schemas.microsoft.com/office/powerpoint/2010/main" val="1903163644"/>
+        <p14:creationId xmlns:p14="http://schemas.microsoft.com/office/powerpoint/2010/main" val="2837186662"/>
       </p:ext>
     </p:extLst>
   </p:cSld>
@@ -6053,12 +6442,40 @@
           <a:chExt cx="0" cy="0"/>
         </a:xfrm>
       </p:grpSpPr>
+      <p:sp>
+        <p:nvSpPr>
+          <p:cNvPr id="2" name="Title 1">
+            <a:extLst>
+              <a:ext uri="{FF2B5EF4-FFF2-40B4-BE49-F238E27FC236}">
+                <a16:creationId xmlns:a16="http://schemas.microsoft.com/office/drawing/2014/main" id="{1D4E0ABF-1520-4CBE-998D-41D7877F31E6}"/>
+              </a:ext>
+            </a:extLst>
+          </p:cNvPr>
+          <p:cNvSpPr>
+            <a:spLocks noGrp="1"/>
+          </p:cNvSpPr>
+          <p:nvPr>
+            <p:ph type="title"/>
+          </p:nvPr>
+        </p:nvSpPr>
+        <p:spPr/>
+        <p:txBody>
+          <a:bodyPr/>
+          <a:lstStyle/>
+          <a:p>
+            <a:r>
+              <a:rPr lang="en-US" dirty="0"/>
+              <a:t>Smoking</a:t>
+            </a:r>
+          </a:p>
+        </p:txBody>
+      </p:sp>
       <p:pic>
         <p:nvPicPr>
-          <p:cNvPr id="3" name="slide3" descr="Map">
+          <p:cNvPr id="4" name="slide3">
             <a:extLst>
               <a:ext uri="{FF2B5EF4-FFF2-40B4-BE49-F238E27FC236}">
-                <a16:creationId xmlns:a16="http://schemas.microsoft.com/office/drawing/2014/main" id="{40F23033-EAD2-44BB-B89F-6383E8C818EF}"/>
+                <a16:creationId xmlns:a16="http://schemas.microsoft.com/office/drawing/2014/main" id="{9830D28B-ACDD-4730-A081-7D7056119D1E}"/>
               </a:ext>
             </a:extLst>
           </p:cNvPr>
@@ -6067,7 +6484,7 @@
           </p:cNvPicPr>
           <p:nvPr/>
         </p:nvPicPr>
-        <p:blipFill>
+        <p:blipFill rotWithShape="1">
           <a:blip r:embed="rId2">
             <a:extLst>
               <a:ext uri="{28A0092B-C50C-407E-A947-70E740481C1C}">
@@ -6075,24 +6492,76 @@
               </a:ext>
             </a:extLst>
           </a:blip>
-          <a:stretch>
-            <a:fillRect/>
-          </a:stretch>
+          <a:srcRect r="4509" b="11927"/>
+          <a:stretch/>
         </p:blipFill>
         <p:spPr>
           <a:xfrm>
-            <a:off x="319743" y="0"/>
-            <a:ext cx="11552514" cy="6858000"/>
+            <a:off x="3155072" y="679075"/>
+            <a:ext cx="8836903" cy="5969375"/>
           </a:xfrm>
           <a:prstGeom prst="rect">
             <a:avLst/>
           </a:prstGeom>
         </p:spPr>
       </p:pic>
+      <p:sp>
+        <p:nvSpPr>
+          <p:cNvPr id="5" name="TextBox 4">
+            <a:extLst>
+              <a:ext uri="{FF2B5EF4-FFF2-40B4-BE49-F238E27FC236}">
+                <a16:creationId xmlns:a16="http://schemas.microsoft.com/office/drawing/2014/main" id="{B8D71F1D-0B06-4FAC-963D-1B2638D67C59}"/>
+              </a:ext>
+            </a:extLst>
+          </p:cNvPr>
+          <p:cNvSpPr txBox="1"/>
+          <p:nvPr/>
+        </p:nvSpPr>
+        <p:spPr>
+          <a:xfrm>
+            <a:off x="361950" y="2999750"/>
+            <a:ext cx="2457943" cy="1328023"/>
+          </a:xfrm>
+          <a:prstGeom prst="roundRect">
+            <a:avLst/>
+          </a:prstGeom>
+          <a:noFill/>
+          <a:ln w="28575"/>
+        </p:spPr>
+        <p:style>
+          <a:lnRef idx="2">
+            <a:schemeClr val="accent6"/>
+          </a:lnRef>
+          <a:fillRef idx="1">
+            <a:schemeClr val="lt1"/>
+          </a:fillRef>
+          <a:effectRef idx="0">
+            <a:schemeClr val="accent6"/>
+          </a:effectRef>
+          <a:fontRef idx="minor">
+            <a:schemeClr val="dk1"/>
+          </a:fontRef>
+        </p:style>
+        <p:txBody>
+          <a:bodyPr wrap="square" rtlCol="0">
+            <a:spAutoFit/>
+          </a:bodyPr>
+          <a:lstStyle/>
+          <a:p>
+            <a:pPr marL="0" indent="0" algn="ctr">
+              <a:buNone/>
+            </a:pPr>
+            <a:r>
+              <a:rPr lang="en-US" dirty="0"/>
+              <a:t>Only Narau has over half its 15+y female population smoking tobacco </a:t>
+            </a:r>
+          </a:p>
+        </p:txBody>
+      </p:sp>
     </p:spTree>
     <p:extLst>
       <p:ext uri="{BB962C8B-B14F-4D97-AF65-F5344CB8AC3E}">
-        <p14:creationId xmlns:p14="http://schemas.microsoft.com/office/powerpoint/2010/main" val="1086648812"/>
+        <p14:creationId xmlns:p14="http://schemas.microsoft.com/office/powerpoint/2010/main" val="2466405001"/>
       </p:ext>
     </p:extLst>
   </p:cSld>
